--- a/PokemonPresentation.pptx
+++ b/PokemonPresentation.pptx
@@ -110,7 +110,127 @@
       </a:defRPr>
     </a:lvl9pPr>
   </p:defaultTextStyle>
+  <p:extLst>
+    <p:ext uri="{EFAFB233-063F-42B5-8137-9DF3F51BA10A}">
+      <p15:sldGuideLst xmlns:p15="http://schemas.microsoft.com/office/powerpoint/2012/main"/>
+    </p:ext>
+  </p:extLst>
 </p:presentation>
+</file>
+
+<file path=ppt/revisionInfo.xml><?xml version="1.0" encoding="utf-8"?>
+<p1510:revInfo xmlns:a="http://schemas.openxmlformats.org/drawingml/2006/main" xmlns:r="http://schemas.openxmlformats.org/officeDocument/2006/relationships" xmlns:p1510="http://schemas.microsoft.com/office/powerpoint/2015/10/main">
+  <p1510:revLst>
+    <p1510:client id="{55C561A1-2C73-48EE-839D-E41FB469E4E1}" v="1248" dt="2021-04-28T19:57:51.053"/>
+  </p1510:revLst>
+</p1510:revInfo>
+</file>
+
+<file path=ppt/changesInfos/changesInfo1.xml><?xml version="1.0" encoding="utf-8"?>
+<pc:chgInfo xmlns:a="http://schemas.openxmlformats.org/drawingml/2006/main" xmlns:r="http://schemas.openxmlformats.org/officeDocument/2006/relationships" xmlns:ac="http://schemas.microsoft.com/office/drawing/2013/main/command" xmlns:pc="http://schemas.microsoft.com/office/powerpoint/2013/main/command">
+  <pc:docChgLst>
+    <pc:chgData name="Mason Cole" userId="e911393877ad0ee3" providerId="LiveId" clId="{3F842226-8888-4DE6-89C0-62A134D54048}"/>
+    <pc:docChg chg="modSld">
+      <pc:chgData name="Mason Cole" userId="e911393877ad0ee3" providerId="LiveId" clId="{3F842226-8888-4DE6-89C0-62A134D54048}" dt="2021-04-28T02:18:17.645" v="16" actId="20577"/>
+      <pc:docMkLst>
+        <pc:docMk/>
+      </pc:docMkLst>
+      <pc:sldChg chg="modSp mod">
+        <pc:chgData name="Mason Cole" userId="e911393877ad0ee3" providerId="LiveId" clId="{3F842226-8888-4DE6-89C0-62A134D54048}" dt="2021-04-28T02:18:17.645" v="16" actId="20577"/>
+        <pc:sldMkLst>
+          <pc:docMk/>
+          <pc:sldMk cId="1057957826" sldId="258"/>
+        </pc:sldMkLst>
+        <pc:spChg chg="mod">
+          <ac:chgData name="Mason Cole" userId="e911393877ad0ee3" providerId="LiveId" clId="{3F842226-8888-4DE6-89C0-62A134D54048}" dt="2021-04-28T02:18:17.645" v="16" actId="20577"/>
+          <ac:spMkLst>
+            <pc:docMk/>
+            <pc:sldMk cId="1057957826" sldId="258"/>
+            <ac:spMk id="3" creationId="{7C4ED4F9-7A85-48C4-9E69-0F950E734137}"/>
+          </ac:spMkLst>
+        </pc:spChg>
+      </pc:sldChg>
+    </pc:docChg>
+  </pc:docChgLst>
+  <pc:docChgLst>
+    <pc:chgData name="Guest User" providerId="Windows Live" clId="Web-{55C561A1-2C73-48EE-839D-E41FB469E4E1}"/>
+    <pc:docChg chg="modSld">
+      <pc:chgData name="Guest User" userId="" providerId="Windows Live" clId="Web-{55C561A1-2C73-48EE-839D-E41FB469E4E1}" dt="2021-04-28T19:57:51.053" v="612" actId="1076"/>
+      <pc:docMkLst>
+        <pc:docMk/>
+      </pc:docMkLst>
+      <pc:sldChg chg="addSp modSp">
+        <pc:chgData name="Guest User" userId="" providerId="Windows Live" clId="Web-{55C561A1-2C73-48EE-839D-E41FB469E4E1}" dt="2021-04-28T19:53:30.866" v="597" actId="1076"/>
+        <pc:sldMkLst>
+          <pc:docMk/>
+          <pc:sldMk cId="2072145785" sldId="257"/>
+        </pc:sldMkLst>
+        <pc:spChg chg="mod">
+          <ac:chgData name="Guest User" userId="" providerId="Windows Live" clId="Web-{55C561A1-2C73-48EE-839D-E41FB469E4E1}" dt="2021-04-28T19:42:00.700" v="212" actId="20577"/>
+          <ac:spMkLst>
+            <pc:docMk/>
+            <pc:sldMk cId="2072145785" sldId="257"/>
+            <ac:spMk id="3" creationId="{E93E7BB8-1806-4F7C-8A75-D8A8C62ED2C8}"/>
+          </ac:spMkLst>
+        </pc:spChg>
+        <pc:picChg chg="add mod">
+          <ac:chgData name="Guest User" userId="" providerId="Windows Live" clId="Web-{55C561A1-2C73-48EE-839D-E41FB469E4E1}" dt="2021-04-28T19:53:30.866" v="597" actId="1076"/>
+          <ac:picMkLst>
+            <pc:docMk/>
+            <pc:sldMk cId="2072145785" sldId="257"/>
+            <ac:picMk id="4" creationId="{1BFDEB0B-8704-4D02-A8EF-A455D546BB5D}"/>
+          </ac:picMkLst>
+        </pc:picChg>
+      </pc:sldChg>
+      <pc:sldChg chg="addSp modSp">
+        <pc:chgData name="Guest User" userId="" providerId="Windows Live" clId="Web-{55C561A1-2C73-48EE-839D-E41FB469E4E1}" dt="2021-04-28T19:57:51.053" v="612" actId="1076"/>
+        <pc:sldMkLst>
+          <pc:docMk/>
+          <pc:sldMk cId="1905868876" sldId="260"/>
+        </pc:sldMkLst>
+        <pc:spChg chg="mod">
+          <ac:chgData name="Guest User" userId="" providerId="Windows Live" clId="Web-{55C561A1-2C73-48EE-839D-E41FB469E4E1}" dt="2021-04-28T19:57:47.069" v="610" actId="20577"/>
+          <ac:spMkLst>
+            <pc:docMk/>
+            <pc:sldMk cId="1905868876" sldId="260"/>
+            <ac:spMk id="2" creationId="{AD2D246D-507A-4A83-9414-D41DD8417D08}"/>
+          </ac:spMkLst>
+        </pc:spChg>
+        <pc:spChg chg="mod">
+          <ac:chgData name="Guest User" userId="" providerId="Windows Live" clId="Web-{55C561A1-2C73-48EE-839D-E41FB469E4E1}" dt="2021-04-28T19:57:49.413" v="611" actId="20577"/>
+          <ac:spMkLst>
+            <pc:docMk/>
+            <pc:sldMk cId="1905868876" sldId="260"/>
+            <ac:spMk id="3" creationId="{714D6CC5-E55E-4A34-B8EF-E40A451B24E3}"/>
+          </ac:spMkLst>
+        </pc:spChg>
+        <pc:picChg chg="add mod">
+          <ac:chgData name="Guest User" userId="" providerId="Windows Live" clId="Web-{55C561A1-2C73-48EE-839D-E41FB469E4E1}" dt="2021-04-28T19:57:51.053" v="612" actId="1076"/>
+          <ac:picMkLst>
+            <pc:docMk/>
+            <pc:sldMk cId="1905868876" sldId="260"/>
+            <ac:picMk id="4" creationId="{58E04D11-2CBD-4F84-BCED-7E3CF86B8F1F}"/>
+          </ac:picMkLst>
+        </pc:picChg>
+      </pc:sldChg>
+      <pc:sldChg chg="modSp">
+        <pc:chgData name="Guest User" userId="" providerId="Windows Live" clId="Web-{55C561A1-2C73-48EE-839D-E41FB469E4E1}" dt="2021-04-28T19:45:17.681" v="363" actId="20577"/>
+        <pc:sldMkLst>
+          <pc:docMk/>
+          <pc:sldMk cId="1340040923" sldId="261"/>
+        </pc:sldMkLst>
+        <pc:spChg chg="mod">
+          <ac:chgData name="Guest User" userId="" providerId="Windows Live" clId="Web-{55C561A1-2C73-48EE-839D-E41FB469E4E1}" dt="2021-04-28T19:45:17.681" v="363" actId="20577"/>
+          <ac:spMkLst>
+            <pc:docMk/>
+            <pc:sldMk cId="1340040923" sldId="261"/>
+            <ac:spMk id="3" creationId="{EB79CF82-82D1-44C7-B5B0-E22763A0D1FA}"/>
+          </ac:spMkLst>
+        </pc:spChg>
+      </pc:sldChg>
+    </pc:docChg>
+  </pc:docChgLst>
+</pc:chgInfo>
 </file>
 
 <file path=ppt/slideLayouts/slideLayout1.xml><?xml version="1.0" encoding="utf-8"?>
@@ -260,7 +380,7 @@
           <a:p>
             <a:fld id="{1CB717E5-9235-41CC-9A32-32BA046779B7}" type="datetimeFigureOut">
               <a:rPr lang="en-US" smtClean="0"/>
-              <a:t>4/27/2021</a:t>
+              <a:t>4/28/2021</a:t>
             </a:fld>
             <a:endParaRPr lang="en-US"/>
           </a:p>
@@ -458,7 +578,7 @@
           <a:p>
             <a:fld id="{1CB717E5-9235-41CC-9A32-32BA046779B7}" type="datetimeFigureOut">
               <a:rPr lang="en-US" smtClean="0"/>
-              <a:t>4/27/2021</a:t>
+              <a:t>4/28/2021</a:t>
             </a:fld>
             <a:endParaRPr lang="en-US"/>
           </a:p>
@@ -666,7 +786,7 @@
           <a:p>
             <a:fld id="{1CB717E5-9235-41CC-9A32-32BA046779B7}" type="datetimeFigureOut">
               <a:rPr lang="en-US" smtClean="0"/>
-              <a:t>4/27/2021</a:t>
+              <a:t>4/28/2021</a:t>
             </a:fld>
             <a:endParaRPr lang="en-US"/>
           </a:p>
@@ -864,7 +984,7 @@
           <a:p>
             <a:fld id="{1CB717E5-9235-41CC-9A32-32BA046779B7}" type="datetimeFigureOut">
               <a:rPr lang="en-US" smtClean="0"/>
-              <a:t>4/27/2021</a:t>
+              <a:t>4/28/2021</a:t>
             </a:fld>
             <a:endParaRPr lang="en-US"/>
           </a:p>
@@ -1139,7 +1259,7 @@
           <a:p>
             <a:fld id="{1CB717E5-9235-41CC-9A32-32BA046779B7}" type="datetimeFigureOut">
               <a:rPr lang="en-US" smtClean="0"/>
-              <a:t>4/27/2021</a:t>
+              <a:t>4/28/2021</a:t>
             </a:fld>
             <a:endParaRPr lang="en-US"/>
           </a:p>
@@ -1404,7 +1524,7 @@
           <a:p>
             <a:fld id="{1CB717E5-9235-41CC-9A32-32BA046779B7}" type="datetimeFigureOut">
               <a:rPr lang="en-US" smtClean="0"/>
-              <a:t>4/27/2021</a:t>
+              <a:t>4/28/2021</a:t>
             </a:fld>
             <a:endParaRPr lang="en-US"/>
           </a:p>
@@ -1816,7 +1936,7 @@
           <a:p>
             <a:fld id="{1CB717E5-9235-41CC-9A32-32BA046779B7}" type="datetimeFigureOut">
               <a:rPr lang="en-US" smtClean="0"/>
-              <a:t>4/27/2021</a:t>
+              <a:t>4/28/2021</a:t>
             </a:fld>
             <a:endParaRPr lang="en-US"/>
           </a:p>
@@ -1957,7 +2077,7 @@
           <a:p>
             <a:fld id="{1CB717E5-9235-41CC-9A32-32BA046779B7}" type="datetimeFigureOut">
               <a:rPr lang="en-US" smtClean="0"/>
-              <a:t>4/27/2021</a:t>
+              <a:t>4/28/2021</a:t>
             </a:fld>
             <a:endParaRPr lang="en-US"/>
           </a:p>
@@ -2070,7 +2190,7 @@
           <a:p>
             <a:fld id="{1CB717E5-9235-41CC-9A32-32BA046779B7}" type="datetimeFigureOut">
               <a:rPr lang="en-US" smtClean="0"/>
-              <a:t>4/27/2021</a:t>
+              <a:t>4/28/2021</a:t>
             </a:fld>
             <a:endParaRPr lang="en-US"/>
           </a:p>
@@ -2381,7 +2501,7 @@
           <a:p>
             <a:fld id="{1CB717E5-9235-41CC-9A32-32BA046779B7}" type="datetimeFigureOut">
               <a:rPr lang="en-US" smtClean="0"/>
-              <a:t>4/27/2021</a:t>
+              <a:t>4/28/2021</a:t>
             </a:fld>
             <a:endParaRPr lang="en-US"/>
           </a:p>
@@ -2669,7 +2789,7 @@
           <a:p>
             <a:fld id="{1CB717E5-9235-41CC-9A32-32BA046779B7}" type="datetimeFigureOut">
               <a:rPr lang="en-US" smtClean="0"/>
-              <a:t>4/27/2021</a:t>
+              <a:t>4/28/2021</a:t>
             </a:fld>
             <a:endParaRPr lang="en-US"/>
           </a:p>
@@ -2910,7 +3030,7 @@
           <a:p>
             <a:fld id="{1CB717E5-9235-41CC-9A32-32BA046779B7}" type="datetimeFigureOut">
               <a:rPr lang="en-US" smtClean="0"/>
-              <a:t>4/27/2021</a:t>
+              <a:t>4/28/2021</a:t>
             </a:fld>
             <a:endParaRPr lang="en-US"/>
           </a:p>
@@ -3613,13 +3733,92 @@
         </p:nvSpPr>
         <p:spPr/>
         <p:txBody>
-          <a:bodyPr/>
-          <a:lstStyle/>
-          <a:p>
-            <a:endParaRPr lang="en-US"/>
-          </a:p>
-        </p:txBody>
-      </p:sp>
+          <a:bodyPr vert="horz" lIns="91440" tIns="45720" rIns="91440" bIns="45720" rtlCol="0" anchor="t">
+            <a:normAutofit/>
+          </a:bodyPr>
+          <a:lstStyle/>
+          <a:p>
+            <a:r>
+              <a:rPr lang="en-US">
+                <a:cs typeface="Calibri"/>
+              </a:rPr>
+              <a:t>A Pokemon Battle engine coded in Java</a:t>
+            </a:r>
+          </a:p>
+          <a:p>
+            <a:r>
+              <a:rPr lang="en-US">
+                <a:cs typeface="Calibri"/>
+              </a:rPr>
+              <a:t>Has local and multiplayer options (though not perfect)</a:t>
+            </a:r>
+            <a:endParaRPr lang="en-US" dirty="0">
+              <a:cs typeface="Calibri"/>
+            </a:endParaRPr>
+          </a:p>
+          <a:p>
+            <a:r>
+              <a:rPr lang="en-US">
+                <a:cs typeface="Calibri"/>
+              </a:rPr>
+              <a:t>Runs from command line</a:t>
+            </a:r>
+            <a:endParaRPr lang="en-US" dirty="0">
+              <a:cs typeface="Calibri"/>
+            </a:endParaRPr>
+          </a:p>
+          <a:p>
+            <a:r>
+              <a:rPr lang="en-US">
+                <a:cs typeface="Calibri"/>
+              </a:rPr>
+              <a:t>Loads Pokemon team from .txt files and uses the traditional formatting other Pokemon simulators use</a:t>
+            </a:r>
+          </a:p>
+          <a:p>
+            <a:pPr lvl="1"/>
+            <a:r>
+              <a:rPr lang="en-US">
+                <a:cs typeface="Calibri"/>
+              </a:rPr>
+              <a:t>Allows for custom Pokemon team options</a:t>
+            </a:r>
+            <a:endParaRPr lang="en-US" dirty="0">
+              <a:cs typeface="Calibri"/>
+            </a:endParaRPr>
+          </a:p>
+        </p:txBody>
+      </p:sp>
+      <p:pic>
+        <p:nvPicPr>
+          <p:cNvPr id="4" name="Picture 4" descr="Logo&#10;&#10;Description automatically generated">
+            <a:extLst>
+              <a:ext uri="{FF2B5EF4-FFF2-40B4-BE49-F238E27FC236}">
+                <a16:creationId xmlns:a16="http://schemas.microsoft.com/office/drawing/2014/main" id="{1BFDEB0B-8704-4D02-A8EF-A455D546BB5D}"/>
+              </a:ext>
+            </a:extLst>
+          </p:cNvPr>
+          <p:cNvPicPr>
+            <a:picLocks noChangeAspect="1"/>
+          </p:cNvPicPr>
+          <p:nvPr/>
+        </p:nvPicPr>
+        <p:blipFill>
+          <a:blip r:embed="rId2"/>
+          <a:stretch>
+            <a:fillRect/>
+          </a:stretch>
+        </p:blipFill>
+        <p:spPr>
+          <a:xfrm>
+            <a:off x="8952271" y="225454"/>
+            <a:ext cx="2743200" cy="1245156"/>
+          </a:xfrm>
+          <a:prstGeom prst="rect">
+            <a:avLst/>
+          </a:prstGeom>
+        </p:spPr>
+      </p:pic>
     </p:spTree>
     <p:extLst>
       <p:ext uri="{BB962C8B-B14F-4D97-AF65-F5344CB8AC3E}">
@@ -3707,7 +3906,7 @@
           <a:p>
             <a:r>
               <a:rPr lang="en-US" dirty="0"/>
-              <a:t>Blackbox Testing (?)</a:t>
+              <a:t>Blackbox Testing (user based)</a:t>
             </a:r>
           </a:p>
           <a:p>
@@ -3770,8 +3969,8 @@
           <a:lstStyle/>
           <a:p>
             <a:r>
-              <a:rPr lang="en-US" dirty="0"/>
-              <a:t>(Coverage report?)</a:t>
+              <a:rPr lang="en-US"/>
+              <a:t>Coverage Report</a:t>
             </a:r>
           </a:p>
         </p:txBody>
@@ -3794,13 +3993,113 @@
         </p:nvSpPr>
         <p:spPr/>
         <p:txBody>
-          <a:bodyPr/>
-          <a:lstStyle/>
-          <a:p>
-            <a:endParaRPr lang="en-US"/>
-          </a:p>
-        </p:txBody>
-      </p:sp>
+          <a:bodyPr vert="horz" lIns="91440" tIns="45720" rIns="91440" bIns="45720" rtlCol="0" anchor="t">
+            <a:normAutofit/>
+          </a:bodyPr>
+          <a:lstStyle/>
+          <a:p>
+            <a:r>
+              <a:rPr lang="en-US">
+                <a:ea typeface="+mn-lt"/>
+                <a:cs typeface="+mn-lt"/>
+              </a:rPr>
+              <a:t>Overall 41% on project, ~70% on whitebox-tested classes</a:t>
+            </a:r>
+            <a:endParaRPr lang="en-US" dirty="0">
+              <a:ea typeface="+mn-lt"/>
+              <a:cs typeface="+mn-lt"/>
+            </a:endParaRPr>
+          </a:p>
+          <a:p>
+            <a:r>
+              <a:rPr lang="en-US">
+                <a:ea typeface="+mn-lt"/>
+                <a:cs typeface="+mn-lt"/>
+              </a:rPr>
+              <a:t>Reasons for lack of coverage</a:t>
+            </a:r>
+            <a:endParaRPr lang="en-US" dirty="0">
+              <a:ea typeface="+mn-lt"/>
+              <a:cs typeface="+mn-lt"/>
+            </a:endParaRPr>
+          </a:p>
+          <a:p>
+            <a:pPr lvl="1"/>
+            <a:r>
+              <a:rPr lang="en-US">
+                <a:ea typeface="+mn-lt"/>
+                <a:cs typeface="+mn-lt"/>
+              </a:rPr>
+              <a:t>Hardcoded inputs such as loading in a specific team .txt file from the project made it impossible to cover exception blocks.</a:t>
+            </a:r>
+          </a:p>
+          <a:p>
+            <a:pPr lvl="1"/>
+            <a:r>
+              <a:rPr lang="en-US">
+                <a:ea typeface="+mn-lt"/>
+                <a:cs typeface="+mn-lt"/>
+              </a:rPr>
+              <a:t>Some features partly implemented (ex: ultra effective code block</a:t>
+            </a:r>
+            <a:r>
+              <a:rPr lang="en-US" dirty="0">
+                <a:ea typeface="+mn-lt"/>
+                <a:cs typeface="+mn-lt"/>
+              </a:rPr>
+              <a:t>)</a:t>
+            </a:r>
+            <a:endParaRPr lang="en-US">
+              <a:ea typeface="+mn-lt"/>
+              <a:cs typeface="+mn-lt"/>
+            </a:endParaRPr>
+          </a:p>
+          <a:p>
+            <a:pPr lvl="1"/>
+            <a:r>
+              <a:rPr lang="en-US">
+                <a:ea typeface="+mn-lt"/>
+                <a:cs typeface="+mn-lt"/>
+              </a:rPr>
+              <a:t>Some classes require mock-testing, which is not included in coverage</a:t>
+            </a:r>
+            <a:endParaRPr lang="en-US" dirty="0">
+              <a:ea typeface="+mn-lt"/>
+              <a:cs typeface="+mn-lt"/>
+            </a:endParaRPr>
+          </a:p>
+        </p:txBody>
+      </p:sp>
+      <p:pic>
+        <p:nvPicPr>
+          <p:cNvPr id="4" name="Picture 4" descr="Chart&#10;&#10;Description automatically generated">
+            <a:extLst>
+              <a:ext uri="{FF2B5EF4-FFF2-40B4-BE49-F238E27FC236}">
+                <a16:creationId xmlns:a16="http://schemas.microsoft.com/office/drawing/2014/main" id="{58E04D11-2CBD-4F84-BCED-7E3CF86B8F1F}"/>
+              </a:ext>
+            </a:extLst>
+          </p:cNvPr>
+          <p:cNvPicPr>
+            <a:picLocks noChangeAspect="1"/>
+          </p:cNvPicPr>
+          <p:nvPr/>
+        </p:nvPicPr>
+        <p:blipFill>
+          <a:blip r:embed="rId2"/>
+          <a:stretch>
+            <a:fillRect/>
+          </a:stretch>
+        </p:blipFill>
+        <p:spPr>
+          <a:xfrm>
+            <a:off x="3487946" y="4531814"/>
+            <a:ext cx="4712898" cy="1949431"/>
+          </a:xfrm>
+          <a:prstGeom prst="rect">
+            <a:avLst/>
+          </a:prstGeom>
+        </p:spPr>
+      </p:pic>
     </p:spTree>
     <p:extLst>
       <p:ext uri="{BB962C8B-B14F-4D97-AF65-F5344CB8AC3E}">
@@ -3987,10 +4286,17 @@
         </p:nvSpPr>
         <p:spPr/>
         <p:txBody>
-          <a:bodyPr/>
-          <a:lstStyle/>
-          <a:p>
-            <a:endParaRPr lang="en-US"/>
+          <a:bodyPr vert="horz" lIns="91440" tIns="45720" rIns="91440" bIns="45720" rtlCol="0" anchor="t">
+            <a:normAutofit/>
+          </a:bodyPr>
+          <a:lstStyle/>
+          <a:p>
+            <a:pPr marL="0" indent="0">
+              <a:buNone/>
+            </a:pPr>
+            <a:endParaRPr lang="en-US" dirty="0">
+              <a:cs typeface="Calibri"/>
+            </a:endParaRPr>
           </a:p>
         </p:txBody>
       </p:sp>

--- a/PokemonPresentation.pptx
+++ b/PokemonPresentation.pptx
@@ -3,15 +3,16 @@
 <p:presentation xmlns:a="http://schemas.openxmlformats.org/drawingml/2006/main" xmlns:r="http://schemas.openxmlformats.org/officeDocument/2006/relationships" xmlns:p="http://schemas.openxmlformats.org/presentationml/2006/main" saveSubsetFonts="1">
   <p:sldMasterIdLst>
     <p:sldMasterId id="2147483648" r:id="rId1"/>
+    <p:sldMasterId id="2147483660" r:id="rId2"/>
   </p:sldMasterIdLst>
   <p:sldIdLst>
-    <p:sldId id="256" r:id="rId2"/>
-    <p:sldId id="257" r:id="rId3"/>
-    <p:sldId id="258" r:id="rId4"/>
-    <p:sldId id="260" r:id="rId5"/>
-    <p:sldId id="259" r:id="rId6"/>
-    <p:sldId id="261" r:id="rId7"/>
-    <p:sldId id="262" r:id="rId8"/>
+    <p:sldId id="256" r:id="rId3"/>
+    <p:sldId id="257" r:id="rId4"/>
+    <p:sldId id="258" r:id="rId5"/>
+    <p:sldId id="260" r:id="rId6"/>
+    <p:sldId id="259" r:id="rId7"/>
+    <p:sldId id="261" r:id="rId8"/>
+    <p:sldId id="262" r:id="rId9"/>
   </p:sldIdLst>
   <p:sldSz cx="12192000" cy="6858000"/>
   <p:notesSz cx="6858000" cy="9144000"/>
@@ -121,7 +122,9 @@
 <file path=ppt/revisionInfo.xml><?xml version="1.0" encoding="utf-8"?>
 <p1510:revInfo xmlns:a="http://schemas.openxmlformats.org/drawingml/2006/main" xmlns:r="http://schemas.openxmlformats.org/officeDocument/2006/relationships" xmlns:p1510="http://schemas.microsoft.com/office/powerpoint/2015/10/main">
   <p1510:revLst>
+    <p1510:client id="{3F842226-8888-4DE6-89C0-62A134D54048}" v="1" dt="2021-04-29T04:54:22.882"/>
     <p1510:client id="{55C561A1-2C73-48EE-839D-E41FB469E4E1}" v="1248" dt="2021-04-28T19:57:51.053"/>
+    <p1510:client id="{883C95B4-422D-48CC-BD13-244E137905ED}" v="4" dt="2021-04-28T22:43:48.958"/>
   </p1510:revLst>
 </p1510:revInfo>
 </file>
@@ -129,24 +132,179 @@
 <file path=ppt/changesInfos/changesInfo1.xml><?xml version="1.0" encoding="utf-8"?>
 <pc:chgInfo xmlns:a="http://schemas.openxmlformats.org/drawingml/2006/main" xmlns:r="http://schemas.openxmlformats.org/officeDocument/2006/relationships" xmlns:ac="http://schemas.microsoft.com/office/drawing/2013/main/command" xmlns:pc="http://schemas.microsoft.com/office/powerpoint/2013/main/command">
   <pc:docChgLst>
-    <pc:chgData name="Mason Cole" userId="e911393877ad0ee3" providerId="LiveId" clId="{3F842226-8888-4DE6-89C0-62A134D54048}"/>
+    <pc:chgData name="Guest User" providerId="Windows Live" clId="Web-{883C95B4-422D-48CC-BD13-244E137905ED}"/>
     <pc:docChg chg="modSld">
-      <pc:chgData name="Mason Cole" userId="e911393877ad0ee3" providerId="LiveId" clId="{3F842226-8888-4DE6-89C0-62A134D54048}" dt="2021-04-28T02:18:17.645" v="16" actId="20577"/>
+      <pc:chgData name="Guest User" userId="" providerId="Windows Live" clId="Web-{883C95B4-422D-48CC-BD13-244E137905ED}" dt="2021-04-28T22:43:48.177" v="0" actId="20577"/>
       <pc:docMkLst>
         <pc:docMk/>
       </pc:docMkLst>
+      <pc:sldChg chg="modSp">
+        <pc:chgData name="Guest User" userId="" providerId="Windows Live" clId="Web-{883C95B4-422D-48CC-BD13-244E137905ED}" dt="2021-04-28T22:43:48.177" v="0" actId="20577"/>
+        <pc:sldMkLst>
+          <pc:docMk/>
+          <pc:sldMk cId="2156031259" sldId="262"/>
+        </pc:sldMkLst>
+        <pc:spChg chg="mod">
+          <ac:chgData name="Guest User" userId="" providerId="Windows Live" clId="Web-{883C95B4-422D-48CC-BD13-244E137905ED}" dt="2021-04-28T22:43:48.177" v="0" actId="20577"/>
+          <ac:spMkLst>
+            <pc:docMk/>
+            <pc:sldMk cId="2156031259" sldId="262"/>
+            <ac:spMk id="2" creationId="{8925A9E7-874E-45D9-956A-6C19EFF3E455}"/>
+          </ac:spMkLst>
+        </pc:spChg>
+      </pc:sldChg>
+    </pc:docChg>
+  </pc:docChgLst>
+  <pc:docChgLst>
+    <pc:chgData name="Mason Cole" userId="e911393877ad0ee3" providerId="LiveId" clId="{3F842226-8888-4DE6-89C0-62A134D54048}"/>
+    <pc:docChg chg="modSld">
+      <pc:chgData name="Mason Cole" userId="e911393877ad0ee3" providerId="LiveId" clId="{3F842226-8888-4DE6-89C0-62A134D54048}" dt="2021-04-29T04:54:31.201" v="46" actId="1036"/>
+      <pc:docMkLst>
+        <pc:docMk/>
+      </pc:docMkLst>
+      <pc:sldChg chg="modSp">
+        <pc:chgData name="Mason Cole" userId="e911393877ad0ee3" providerId="LiveId" clId="{3F842226-8888-4DE6-89C0-62A134D54048}" dt="2021-04-29T04:54:22.882" v="17"/>
+        <pc:sldMkLst>
+          <pc:docMk/>
+          <pc:sldMk cId="2072145785" sldId="257"/>
+        </pc:sldMkLst>
+        <pc:spChg chg="mod">
+          <ac:chgData name="Mason Cole" userId="e911393877ad0ee3" providerId="LiveId" clId="{3F842226-8888-4DE6-89C0-62A134D54048}" dt="2021-04-29T04:54:22.882" v="17"/>
+          <ac:spMkLst>
+            <pc:docMk/>
+            <pc:sldMk cId="2072145785" sldId="257"/>
+            <ac:spMk id="2" creationId="{8EC33CCA-C03A-4A3E-B0D1-D3B06F760CBF}"/>
+          </ac:spMkLst>
+        </pc:spChg>
+        <pc:spChg chg="mod">
+          <ac:chgData name="Mason Cole" userId="e911393877ad0ee3" providerId="LiveId" clId="{3F842226-8888-4DE6-89C0-62A134D54048}" dt="2021-04-29T04:54:22.882" v="17"/>
+          <ac:spMkLst>
+            <pc:docMk/>
+            <pc:sldMk cId="2072145785" sldId="257"/>
+            <ac:spMk id="3" creationId="{E93E7BB8-1806-4F7C-8A75-D8A8C62ED2C8}"/>
+          </ac:spMkLst>
+        </pc:spChg>
+      </pc:sldChg>
       <pc:sldChg chg="modSp mod">
-        <pc:chgData name="Mason Cole" userId="e911393877ad0ee3" providerId="LiveId" clId="{3F842226-8888-4DE6-89C0-62A134D54048}" dt="2021-04-28T02:18:17.645" v="16" actId="20577"/>
+        <pc:chgData name="Mason Cole" userId="e911393877ad0ee3" providerId="LiveId" clId="{3F842226-8888-4DE6-89C0-62A134D54048}" dt="2021-04-29T04:54:22.882" v="17"/>
         <pc:sldMkLst>
           <pc:docMk/>
           <pc:sldMk cId="1057957826" sldId="258"/>
         </pc:sldMkLst>
         <pc:spChg chg="mod">
-          <ac:chgData name="Mason Cole" userId="e911393877ad0ee3" providerId="LiveId" clId="{3F842226-8888-4DE6-89C0-62A134D54048}" dt="2021-04-28T02:18:17.645" v="16" actId="20577"/>
+          <ac:chgData name="Mason Cole" userId="e911393877ad0ee3" providerId="LiveId" clId="{3F842226-8888-4DE6-89C0-62A134D54048}" dt="2021-04-29T04:54:22.882" v="17"/>
+          <ac:spMkLst>
+            <pc:docMk/>
+            <pc:sldMk cId="1057957826" sldId="258"/>
+            <ac:spMk id="2" creationId="{7F73D1CD-9D59-4A6E-9954-359FFF31AE06}"/>
+          </ac:spMkLst>
+        </pc:spChg>
+        <pc:spChg chg="mod">
+          <ac:chgData name="Mason Cole" userId="e911393877ad0ee3" providerId="LiveId" clId="{3F842226-8888-4DE6-89C0-62A134D54048}" dt="2021-04-29T04:54:22.882" v="17"/>
           <ac:spMkLst>
             <pc:docMk/>
             <pc:sldMk cId="1057957826" sldId="258"/>
             <ac:spMk id="3" creationId="{7C4ED4F9-7A85-48C4-9E69-0F950E734137}"/>
+          </ac:spMkLst>
+        </pc:spChg>
+      </pc:sldChg>
+      <pc:sldChg chg="modSp">
+        <pc:chgData name="Mason Cole" userId="e911393877ad0ee3" providerId="LiveId" clId="{3F842226-8888-4DE6-89C0-62A134D54048}" dt="2021-04-29T04:54:22.882" v="17"/>
+        <pc:sldMkLst>
+          <pc:docMk/>
+          <pc:sldMk cId="1225424838" sldId="259"/>
+        </pc:sldMkLst>
+        <pc:spChg chg="mod">
+          <ac:chgData name="Mason Cole" userId="e911393877ad0ee3" providerId="LiveId" clId="{3F842226-8888-4DE6-89C0-62A134D54048}" dt="2021-04-29T04:54:22.882" v="17"/>
+          <ac:spMkLst>
+            <pc:docMk/>
+            <pc:sldMk cId="1225424838" sldId="259"/>
+            <ac:spMk id="2" creationId="{B15096D4-6D75-4130-AC52-D9FBAABA40A4}"/>
+          </ac:spMkLst>
+        </pc:spChg>
+        <pc:spChg chg="mod">
+          <ac:chgData name="Mason Cole" userId="e911393877ad0ee3" providerId="LiveId" clId="{3F842226-8888-4DE6-89C0-62A134D54048}" dt="2021-04-29T04:54:22.882" v="17"/>
+          <ac:spMkLst>
+            <pc:docMk/>
+            <pc:sldMk cId="1225424838" sldId="259"/>
+            <ac:spMk id="3" creationId="{9EDAF597-4381-4A14-AF0D-FCB619C226FD}"/>
+          </ac:spMkLst>
+        </pc:spChg>
+      </pc:sldChg>
+      <pc:sldChg chg="modSp mod">
+        <pc:chgData name="Mason Cole" userId="e911393877ad0ee3" providerId="LiveId" clId="{3F842226-8888-4DE6-89C0-62A134D54048}" dt="2021-04-29T04:54:31.201" v="46" actId="1036"/>
+        <pc:sldMkLst>
+          <pc:docMk/>
+          <pc:sldMk cId="1905868876" sldId="260"/>
+        </pc:sldMkLst>
+        <pc:spChg chg="mod">
+          <ac:chgData name="Mason Cole" userId="e911393877ad0ee3" providerId="LiveId" clId="{3F842226-8888-4DE6-89C0-62A134D54048}" dt="2021-04-29T04:54:22.882" v="17"/>
+          <ac:spMkLst>
+            <pc:docMk/>
+            <pc:sldMk cId="1905868876" sldId="260"/>
+            <ac:spMk id="2" creationId="{AD2D246D-507A-4A83-9414-D41DD8417D08}"/>
+          </ac:spMkLst>
+        </pc:spChg>
+        <pc:spChg chg="mod">
+          <ac:chgData name="Mason Cole" userId="e911393877ad0ee3" providerId="LiveId" clId="{3F842226-8888-4DE6-89C0-62A134D54048}" dt="2021-04-29T04:54:22.882" v="17"/>
+          <ac:spMkLst>
+            <pc:docMk/>
+            <pc:sldMk cId="1905868876" sldId="260"/>
+            <ac:spMk id="3" creationId="{714D6CC5-E55E-4A34-B8EF-E40A451B24E3}"/>
+          </ac:spMkLst>
+        </pc:spChg>
+        <pc:picChg chg="mod">
+          <ac:chgData name="Mason Cole" userId="e911393877ad0ee3" providerId="LiveId" clId="{3F842226-8888-4DE6-89C0-62A134D54048}" dt="2021-04-29T04:54:31.201" v="46" actId="1036"/>
+          <ac:picMkLst>
+            <pc:docMk/>
+            <pc:sldMk cId="1905868876" sldId="260"/>
+            <ac:picMk id="4" creationId="{58E04D11-2CBD-4F84-BCED-7E3CF86B8F1F}"/>
+          </ac:picMkLst>
+        </pc:picChg>
+      </pc:sldChg>
+      <pc:sldChg chg="modSp">
+        <pc:chgData name="Mason Cole" userId="e911393877ad0ee3" providerId="LiveId" clId="{3F842226-8888-4DE6-89C0-62A134D54048}" dt="2021-04-29T04:54:22.882" v="17"/>
+        <pc:sldMkLst>
+          <pc:docMk/>
+          <pc:sldMk cId="1340040923" sldId="261"/>
+        </pc:sldMkLst>
+        <pc:spChg chg="mod">
+          <ac:chgData name="Mason Cole" userId="e911393877ad0ee3" providerId="LiveId" clId="{3F842226-8888-4DE6-89C0-62A134D54048}" dt="2021-04-29T04:54:22.882" v="17"/>
+          <ac:spMkLst>
+            <pc:docMk/>
+            <pc:sldMk cId="1340040923" sldId="261"/>
+            <ac:spMk id="2" creationId="{DA156DA3-5CF7-4241-9828-43B06A7F5228}"/>
+          </ac:spMkLst>
+        </pc:spChg>
+        <pc:spChg chg="mod">
+          <ac:chgData name="Mason Cole" userId="e911393877ad0ee3" providerId="LiveId" clId="{3F842226-8888-4DE6-89C0-62A134D54048}" dt="2021-04-29T04:54:22.882" v="17"/>
+          <ac:spMkLst>
+            <pc:docMk/>
+            <pc:sldMk cId="1340040923" sldId="261"/>
+            <ac:spMk id="3" creationId="{EB79CF82-82D1-44C7-B5B0-E22763A0D1FA}"/>
+          </ac:spMkLst>
+        </pc:spChg>
+      </pc:sldChg>
+      <pc:sldChg chg="modSp">
+        <pc:chgData name="Mason Cole" userId="e911393877ad0ee3" providerId="LiveId" clId="{3F842226-8888-4DE6-89C0-62A134D54048}" dt="2021-04-29T04:54:22.882" v="17"/>
+        <pc:sldMkLst>
+          <pc:docMk/>
+          <pc:sldMk cId="2156031259" sldId="262"/>
+        </pc:sldMkLst>
+        <pc:spChg chg="mod">
+          <ac:chgData name="Mason Cole" userId="e911393877ad0ee3" providerId="LiveId" clId="{3F842226-8888-4DE6-89C0-62A134D54048}" dt="2021-04-29T04:54:22.882" v="17"/>
+          <ac:spMkLst>
+            <pc:docMk/>
+            <pc:sldMk cId="2156031259" sldId="262"/>
+            <ac:spMk id="2" creationId="{8925A9E7-874E-45D9-956A-6C19EFF3E455}"/>
+          </ac:spMkLst>
+        </pc:spChg>
+        <pc:spChg chg="mod">
+          <ac:chgData name="Mason Cole" userId="e911393877ad0ee3" providerId="LiveId" clId="{3F842226-8888-4DE6-89C0-62A134D54048}" dt="2021-04-29T04:54:22.882" v="17"/>
+          <ac:spMkLst>
+            <pc:docMk/>
+            <pc:sldMk cId="2156031259" sldId="262"/>
+            <ac:spMk id="3" creationId="{E973F93B-B32A-453E-909A-D4CAB41AAF4D}"/>
           </ac:spMkLst>
         </pc:spChg>
       </pc:sldChg>
@@ -859,6 +1017,2166 @@
 </p:sldLayout>
 </file>
 
+<file path=ppt/slideLayouts/slideLayout12.xml><?xml version="1.0" encoding="utf-8"?>
+<p:sldLayout xmlns:a="http://schemas.openxmlformats.org/drawingml/2006/main" xmlns:r="http://schemas.openxmlformats.org/officeDocument/2006/relationships" xmlns:p="http://schemas.openxmlformats.org/presentationml/2006/main" showMasterSp="0" type="title" preserve="1">
+  <p:cSld name="Title Slide">
+    <p:spTree>
+      <p:nvGrpSpPr>
+        <p:cNvPr id="1" name=""/>
+        <p:cNvGrpSpPr/>
+        <p:nvPr/>
+      </p:nvGrpSpPr>
+      <p:grpSpPr>
+        <a:xfrm>
+          <a:off x="0" y="0"/>
+          <a:ext cx="0" cy="0"/>
+          <a:chOff x="0" y="0"/>
+          <a:chExt cx="0" cy="0"/>
+        </a:xfrm>
+      </p:grpSpPr>
+      <p:sp>
+        <p:nvSpPr>
+          <p:cNvPr id="7" name="Rectangle 6"/>
+          <p:cNvSpPr/>
+          <p:nvPr/>
+        </p:nvSpPr>
+        <p:spPr>
+          <a:xfrm>
+            <a:off x="3175" y="6400800"/>
+            <a:ext cx="12188825" cy="457200"/>
+          </a:xfrm>
+          <a:prstGeom prst="rect">
+            <a:avLst/>
+          </a:prstGeom>
+          <a:solidFill>
+            <a:schemeClr val="accent2"/>
+          </a:solidFill>
+          <a:ln>
+            <a:noFill/>
+          </a:ln>
+        </p:spPr>
+        <p:style>
+          <a:lnRef idx="2">
+            <a:schemeClr val="accent1">
+              <a:shade val="50000"/>
+            </a:schemeClr>
+          </a:lnRef>
+          <a:fillRef idx="1">
+            <a:schemeClr val="accent1"/>
+          </a:fillRef>
+          <a:effectRef idx="0">
+            <a:schemeClr val="accent1"/>
+          </a:effectRef>
+          <a:fontRef idx="minor">
+            <a:schemeClr val="lt1"/>
+          </a:fontRef>
+        </p:style>
+      </p:sp>
+      <p:sp>
+        <p:nvSpPr>
+          <p:cNvPr id="8" name="Rectangle 7"/>
+          <p:cNvSpPr/>
+          <p:nvPr/>
+        </p:nvSpPr>
+        <p:spPr>
+          <a:xfrm>
+            <a:off x="15" y="6334316"/>
+            <a:ext cx="12188825" cy="64008"/>
+          </a:xfrm>
+          <a:prstGeom prst="rect">
+            <a:avLst/>
+          </a:prstGeom>
+          <a:solidFill>
+            <a:schemeClr val="accent1"/>
+          </a:solidFill>
+          <a:ln>
+            <a:noFill/>
+          </a:ln>
+        </p:spPr>
+        <p:style>
+          <a:lnRef idx="2">
+            <a:schemeClr val="accent1">
+              <a:shade val="50000"/>
+            </a:schemeClr>
+          </a:lnRef>
+          <a:fillRef idx="1">
+            <a:schemeClr val="accent1"/>
+          </a:fillRef>
+          <a:effectRef idx="0">
+            <a:schemeClr val="accent1"/>
+          </a:effectRef>
+          <a:fontRef idx="minor">
+            <a:schemeClr val="lt1"/>
+          </a:fontRef>
+        </p:style>
+      </p:sp>
+      <p:sp>
+        <p:nvSpPr>
+          <p:cNvPr id="2" name="Title 1"/>
+          <p:cNvSpPr>
+            <a:spLocks noGrp="1"/>
+          </p:cNvSpPr>
+          <p:nvPr>
+            <p:ph type="ctrTitle"/>
+          </p:nvPr>
+        </p:nvSpPr>
+        <p:spPr>
+          <a:xfrm>
+            <a:off x="1097280" y="758952"/>
+            <a:ext cx="10058400" cy="3566160"/>
+          </a:xfrm>
+        </p:spPr>
+        <p:txBody>
+          <a:bodyPr anchor="b">
+            <a:normAutofit/>
+          </a:bodyPr>
+          <a:lstStyle>
+            <a:lvl1pPr algn="l">
+              <a:lnSpc>
+                <a:spcPct val="85000"/>
+              </a:lnSpc>
+              <a:defRPr sz="8000" spc="-50" baseline="0">
+                <a:solidFill>
+                  <a:schemeClr val="tx1">
+                    <a:lumMod val="85000"/>
+                    <a:lumOff val="15000"/>
+                  </a:schemeClr>
+                </a:solidFill>
+              </a:defRPr>
+            </a:lvl1pPr>
+          </a:lstStyle>
+          <a:p>
+            <a:r>
+              <a:rPr lang="en-US"/>
+              <a:t>Click to edit Master title style</a:t>
+            </a:r>
+            <a:endParaRPr lang="en-US" dirty="0"/>
+          </a:p>
+        </p:txBody>
+      </p:sp>
+      <p:sp>
+        <p:nvSpPr>
+          <p:cNvPr id="3" name="Subtitle 2"/>
+          <p:cNvSpPr>
+            <a:spLocks noGrp="1"/>
+          </p:cNvSpPr>
+          <p:nvPr>
+            <p:ph type="subTitle" idx="1"/>
+          </p:nvPr>
+        </p:nvSpPr>
+        <p:spPr>
+          <a:xfrm>
+            <a:off x="1100051" y="4455620"/>
+            <a:ext cx="10058400" cy="1143000"/>
+          </a:xfrm>
+        </p:spPr>
+        <p:txBody>
+          <a:bodyPr lIns="91440" rIns="91440">
+            <a:normAutofit/>
+          </a:bodyPr>
+          <a:lstStyle>
+            <a:lvl1pPr marL="0" indent="0" algn="l">
+              <a:buNone/>
+              <a:defRPr sz="2400" cap="all" spc="200" baseline="0">
+                <a:solidFill>
+                  <a:schemeClr val="tx2"/>
+                </a:solidFill>
+                <a:latin typeface="+mj-lt"/>
+              </a:defRPr>
+            </a:lvl1pPr>
+            <a:lvl2pPr marL="457200" indent="0" algn="ctr">
+              <a:buNone/>
+              <a:defRPr sz="2400"/>
+            </a:lvl2pPr>
+            <a:lvl3pPr marL="914400" indent="0" algn="ctr">
+              <a:buNone/>
+              <a:defRPr sz="2400"/>
+            </a:lvl3pPr>
+            <a:lvl4pPr marL="1371600" indent="0" algn="ctr">
+              <a:buNone/>
+              <a:defRPr sz="2000"/>
+            </a:lvl4pPr>
+            <a:lvl5pPr marL="1828800" indent="0" algn="ctr">
+              <a:buNone/>
+              <a:defRPr sz="2000"/>
+            </a:lvl5pPr>
+            <a:lvl6pPr marL="2286000" indent="0" algn="ctr">
+              <a:buNone/>
+              <a:defRPr sz="2000"/>
+            </a:lvl6pPr>
+            <a:lvl7pPr marL="2743200" indent="0" algn="ctr">
+              <a:buNone/>
+              <a:defRPr sz="2000"/>
+            </a:lvl7pPr>
+            <a:lvl8pPr marL="3200400" indent="0" algn="ctr">
+              <a:buNone/>
+              <a:defRPr sz="2000"/>
+            </a:lvl8pPr>
+            <a:lvl9pPr marL="3657600" indent="0" algn="ctr">
+              <a:buNone/>
+              <a:defRPr sz="2000"/>
+            </a:lvl9pPr>
+          </a:lstStyle>
+          <a:p>
+            <a:r>
+              <a:rPr lang="en-US"/>
+              <a:t>Click to edit Master subtitle style</a:t>
+            </a:r>
+            <a:endParaRPr lang="en-US" dirty="0"/>
+          </a:p>
+        </p:txBody>
+      </p:sp>
+      <p:sp>
+        <p:nvSpPr>
+          <p:cNvPr id="4" name="Date Placeholder 3"/>
+          <p:cNvSpPr>
+            <a:spLocks noGrp="1"/>
+          </p:cNvSpPr>
+          <p:nvPr>
+            <p:ph type="dt" sz="half" idx="10"/>
+          </p:nvPr>
+        </p:nvSpPr>
+        <p:spPr/>
+        <p:txBody>
+          <a:bodyPr/>
+          <a:lstStyle/>
+          <a:p>
+            <a:fld id="{1CB717E5-9235-41CC-9A32-32BA046779B7}" type="datetimeFigureOut">
+              <a:rPr lang="en-US" smtClean="0"/>
+              <a:t>4/28/2021</a:t>
+            </a:fld>
+            <a:endParaRPr lang="en-US"/>
+          </a:p>
+        </p:txBody>
+      </p:sp>
+      <p:sp>
+        <p:nvSpPr>
+          <p:cNvPr id="5" name="Footer Placeholder 4"/>
+          <p:cNvSpPr>
+            <a:spLocks noGrp="1"/>
+          </p:cNvSpPr>
+          <p:nvPr>
+            <p:ph type="ftr" sz="quarter" idx="11"/>
+          </p:nvPr>
+        </p:nvSpPr>
+        <p:spPr/>
+        <p:txBody>
+          <a:bodyPr/>
+          <a:lstStyle/>
+          <a:p>
+            <a:endParaRPr lang="en-US"/>
+          </a:p>
+        </p:txBody>
+      </p:sp>
+      <p:sp>
+        <p:nvSpPr>
+          <p:cNvPr id="6" name="Slide Number Placeholder 5"/>
+          <p:cNvSpPr>
+            <a:spLocks noGrp="1"/>
+          </p:cNvSpPr>
+          <p:nvPr>
+            <p:ph type="sldNum" sz="quarter" idx="12"/>
+          </p:nvPr>
+        </p:nvSpPr>
+        <p:spPr/>
+        <p:txBody>
+          <a:bodyPr/>
+          <a:lstStyle/>
+          <a:p>
+            <a:fld id="{4A626117-4F09-49DA-B9BA-586EB2C1604B}" type="slidenum">
+              <a:rPr lang="en-US" smtClean="0"/>
+              <a:t>‹#›</a:t>
+            </a:fld>
+            <a:endParaRPr lang="en-US"/>
+          </a:p>
+        </p:txBody>
+      </p:sp>
+      <p:cxnSp>
+        <p:nvCxnSpPr>
+          <p:cNvPr id="9" name="Straight Connector 8"/>
+          <p:cNvCxnSpPr/>
+          <p:nvPr/>
+        </p:nvCxnSpPr>
+        <p:spPr>
+          <a:xfrm>
+            <a:off x="1207658" y="4343400"/>
+            <a:ext cx="9875520" cy="0"/>
+          </a:xfrm>
+          <a:prstGeom prst="line">
+            <a:avLst/>
+          </a:prstGeom>
+          <a:ln w="6350">
+            <a:solidFill>
+              <a:schemeClr val="tx1">
+                <a:lumMod val="50000"/>
+                <a:lumOff val="50000"/>
+              </a:schemeClr>
+            </a:solidFill>
+          </a:ln>
+        </p:spPr>
+        <p:style>
+          <a:lnRef idx="1">
+            <a:schemeClr val="accent1"/>
+          </a:lnRef>
+          <a:fillRef idx="0">
+            <a:schemeClr val="accent1"/>
+          </a:fillRef>
+          <a:effectRef idx="0">
+            <a:schemeClr val="accent1"/>
+          </a:effectRef>
+          <a:fontRef idx="minor">
+            <a:schemeClr val="tx1"/>
+          </a:fontRef>
+        </p:style>
+      </p:cxnSp>
+    </p:spTree>
+    <p:extLst>
+      <p:ext uri="{BB962C8B-B14F-4D97-AF65-F5344CB8AC3E}">
+        <p14:creationId xmlns:p14="http://schemas.microsoft.com/office/powerpoint/2010/main" val="1135960224"/>
+      </p:ext>
+    </p:extLst>
+  </p:cSld>
+  <p:clrMapOvr>
+    <a:masterClrMapping/>
+  </p:clrMapOvr>
+</p:sldLayout>
+</file>
+
+<file path=ppt/slideLayouts/slideLayout13.xml><?xml version="1.0" encoding="utf-8"?>
+<p:sldLayout xmlns:a="http://schemas.openxmlformats.org/drawingml/2006/main" xmlns:r="http://schemas.openxmlformats.org/officeDocument/2006/relationships" xmlns:p="http://schemas.openxmlformats.org/presentationml/2006/main" type="obj" preserve="1">
+  <p:cSld name="Title and Content">
+    <p:spTree>
+      <p:nvGrpSpPr>
+        <p:cNvPr id="1" name=""/>
+        <p:cNvGrpSpPr/>
+        <p:nvPr/>
+      </p:nvGrpSpPr>
+      <p:grpSpPr>
+        <a:xfrm>
+          <a:off x="0" y="0"/>
+          <a:ext cx="0" cy="0"/>
+          <a:chOff x="0" y="0"/>
+          <a:chExt cx="0" cy="0"/>
+        </a:xfrm>
+      </p:grpSpPr>
+      <p:sp>
+        <p:nvSpPr>
+          <p:cNvPr id="2" name="Title 1"/>
+          <p:cNvSpPr>
+            <a:spLocks noGrp="1"/>
+          </p:cNvSpPr>
+          <p:nvPr>
+            <p:ph type="title"/>
+          </p:nvPr>
+        </p:nvSpPr>
+        <p:spPr/>
+        <p:txBody>
+          <a:bodyPr/>
+          <a:lstStyle>
+            <a:lvl1pPr marL="0">
+              <a:defRPr/>
+            </a:lvl1pPr>
+          </a:lstStyle>
+          <a:p>
+            <a:r>
+              <a:rPr lang="en-US"/>
+              <a:t>Click to edit Master title style</a:t>
+            </a:r>
+            <a:endParaRPr lang="en-US" dirty="0"/>
+          </a:p>
+        </p:txBody>
+      </p:sp>
+      <p:sp>
+        <p:nvSpPr>
+          <p:cNvPr id="3" name="Content Placeholder 2"/>
+          <p:cNvSpPr>
+            <a:spLocks noGrp="1"/>
+          </p:cNvSpPr>
+          <p:nvPr>
+            <p:ph idx="1"/>
+          </p:nvPr>
+        </p:nvSpPr>
+        <p:spPr/>
+        <p:txBody>
+          <a:bodyPr/>
+          <a:lstStyle/>
+          <a:p>
+            <a:pPr lvl="0"/>
+            <a:r>
+              <a:rPr lang="en-US"/>
+              <a:t>Click to edit Master text styles</a:t>
+            </a:r>
+          </a:p>
+          <a:p>
+            <a:pPr lvl="1"/>
+            <a:r>
+              <a:rPr lang="en-US"/>
+              <a:t>Second level</a:t>
+            </a:r>
+          </a:p>
+          <a:p>
+            <a:pPr lvl="2"/>
+            <a:r>
+              <a:rPr lang="en-US"/>
+              <a:t>Third level</a:t>
+            </a:r>
+          </a:p>
+          <a:p>
+            <a:pPr lvl="3"/>
+            <a:r>
+              <a:rPr lang="en-US"/>
+              <a:t>Fourth level</a:t>
+            </a:r>
+          </a:p>
+          <a:p>
+            <a:pPr lvl="4"/>
+            <a:r>
+              <a:rPr lang="en-US"/>
+              <a:t>Fifth level</a:t>
+            </a:r>
+            <a:endParaRPr lang="en-US" dirty="0"/>
+          </a:p>
+        </p:txBody>
+      </p:sp>
+      <p:sp>
+        <p:nvSpPr>
+          <p:cNvPr id="4" name="Date Placeholder 3"/>
+          <p:cNvSpPr>
+            <a:spLocks noGrp="1"/>
+          </p:cNvSpPr>
+          <p:nvPr>
+            <p:ph type="dt" sz="half" idx="10"/>
+          </p:nvPr>
+        </p:nvSpPr>
+        <p:spPr/>
+        <p:txBody>
+          <a:bodyPr/>
+          <a:lstStyle/>
+          <a:p>
+            <a:fld id="{1CB717E5-9235-41CC-9A32-32BA046779B7}" type="datetimeFigureOut">
+              <a:rPr lang="en-US" smtClean="0"/>
+              <a:t>4/28/2021</a:t>
+            </a:fld>
+            <a:endParaRPr lang="en-US"/>
+          </a:p>
+        </p:txBody>
+      </p:sp>
+      <p:sp>
+        <p:nvSpPr>
+          <p:cNvPr id="5" name="Footer Placeholder 4"/>
+          <p:cNvSpPr>
+            <a:spLocks noGrp="1"/>
+          </p:cNvSpPr>
+          <p:nvPr>
+            <p:ph type="ftr" sz="quarter" idx="11"/>
+          </p:nvPr>
+        </p:nvSpPr>
+        <p:spPr/>
+        <p:txBody>
+          <a:bodyPr/>
+          <a:lstStyle/>
+          <a:p>
+            <a:endParaRPr lang="en-US"/>
+          </a:p>
+        </p:txBody>
+      </p:sp>
+      <p:sp>
+        <p:nvSpPr>
+          <p:cNvPr id="6" name="Slide Number Placeholder 5"/>
+          <p:cNvSpPr>
+            <a:spLocks noGrp="1"/>
+          </p:cNvSpPr>
+          <p:nvPr>
+            <p:ph type="sldNum" sz="quarter" idx="12"/>
+          </p:nvPr>
+        </p:nvSpPr>
+        <p:spPr/>
+        <p:txBody>
+          <a:bodyPr/>
+          <a:lstStyle/>
+          <a:p>
+            <a:fld id="{4A626117-4F09-49DA-B9BA-586EB2C1604B}" type="slidenum">
+              <a:rPr lang="en-US" smtClean="0"/>
+              <a:t>‹#›</a:t>
+            </a:fld>
+            <a:endParaRPr lang="en-US"/>
+          </a:p>
+        </p:txBody>
+      </p:sp>
+    </p:spTree>
+    <p:extLst>
+      <p:ext uri="{BB962C8B-B14F-4D97-AF65-F5344CB8AC3E}">
+        <p14:creationId xmlns:p14="http://schemas.microsoft.com/office/powerpoint/2010/main" val="487769165"/>
+      </p:ext>
+    </p:extLst>
+  </p:cSld>
+  <p:clrMapOvr>
+    <a:masterClrMapping/>
+  </p:clrMapOvr>
+</p:sldLayout>
+</file>
+
+<file path=ppt/slideLayouts/slideLayout14.xml><?xml version="1.0" encoding="utf-8"?>
+<p:sldLayout xmlns:a="http://schemas.openxmlformats.org/drawingml/2006/main" xmlns:r="http://schemas.openxmlformats.org/officeDocument/2006/relationships" xmlns:p="http://schemas.openxmlformats.org/presentationml/2006/main" showMasterSp="0" type="secHead" preserve="1">
+  <p:cSld name="Section Header">
+    <p:bg>
+      <p:bgPr>
+        <a:solidFill>
+          <a:schemeClr val="bg1"/>
+        </a:solidFill>
+        <a:effectLst/>
+      </p:bgPr>
+    </p:bg>
+    <p:spTree>
+      <p:nvGrpSpPr>
+        <p:cNvPr id="1" name=""/>
+        <p:cNvGrpSpPr/>
+        <p:nvPr/>
+      </p:nvGrpSpPr>
+      <p:grpSpPr>
+        <a:xfrm>
+          <a:off x="0" y="0"/>
+          <a:ext cx="0" cy="0"/>
+          <a:chOff x="0" y="0"/>
+          <a:chExt cx="0" cy="0"/>
+        </a:xfrm>
+      </p:grpSpPr>
+      <p:sp>
+        <p:nvSpPr>
+          <p:cNvPr id="7" name="Rectangle 6"/>
+          <p:cNvSpPr/>
+          <p:nvPr/>
+        </p:nvSpPr>
+        <p:spPr>
+          <a:xfrm>
+            <a:off x="3175" y="6400800"/>
+            <a:ext cx="12188825" cy="457200"/>
+          </a:xfrm>
+          <a:prstGeom prst="rect">
+            <a:avLst/>
+          </a:prstGeom>
+          <a:solidFill>
+            <a:schemeClr val="accent2"/>
+          </a:solidFill>
+          <a:ln>
+            <a:noFill/>
+          </a:ln>
+        </p:spPr>
+        <p:style>
+          <a:lnRef idx="2">
+            <a:schemeClr val="accent1">
+              <a:shade val="50000"/>
+            </a:schemeClr>
+          </a:lnRef>
+          <a:fillRef idx="1">
+            <a:schemeClr val="accent1"/>
+          </a:fillRef>
+          <a:effectRef idx="0">
+            <a:schemeClr val="accent1"/>
+          </a:effectRef>
+          <a:fontRef idx="minor">
+            <a:schemeClr val="lt1"/>
+          </a:fontRef>
+        </p:style>
+      </p:sp>
+      <p:sp>
+        <p:nvSpPr>
+          <p:cNvPr id="8" name="Rectangle 7"/>
+          <p:cNvSpPr/>
+          <p:nvPr/>
+        </p:nvSpPr>
+        <p:spPr>
+          <a:xfrm>
+            <a:off x="15" y="6334316"/>
+            <a:ext cx="12188825" cy="64008"/>
+          </a:xfrm>
+          <a:prstGeom prst="rect">
+            <a:avLst/>
+          </a:prstGeom>
+          <a:solidFill>
+            <a:schemeClr val="accent1"/>
+          </a:solidFill>
+          <a:ln>
+            <a:noFill/>
+          </a:ln>
+        </p:spPr>
+        <p:style>
+          <a:lnRef idx="2">
+            <a:schemeClr val="accent1">
+              <a:shade val="50000"/>
+            </a:schemeClr>
+          </a:lnRef>
+          <a:fillRef idx="1">
+            <a:schemeClr val="accent1"/>
+          </a:fillRef>
+          <a:effectRef idx="0">
+            <a:schemeClr val="accent1"/>
+          </a:effectRef>
+          <a:fontRef idx="minor">
+            <a:schemeClr val="lt1"/>
+          </a:fontRef>
+        </p:style>
+      </p:sp>
+      <p:sp>
+        <p:nvSpPr>
+          <p:cNvPr id="2" name="Title 1"/>
+          <p:cNvSpPr>
+            <a:spLocks noGrp="1"/>
+          </p:cNvSpPr>
+          <p:nvPr>
+            <p:ph type="title"/>
+          </p:nvPr>
+        </p:nvSpPr>
+        <p:spPr>
+          <a:xfrm>
+            <a:off x="1097280" y="758952"/>
+            <a:ext cx="10058400" cy="3566160"/>
+          </a:xfrm>
+        </p:spPr>
+        <p:txBody>
+          <a:bodyPr anchor="b" anchorCtr="0">
+            <a:normAutofit/>
+          </a:bodyPr>
+          <a:lstStyle>
+            <a:lvl1pPr>
+              <a:lnSpc>
+                <a:spcPct val="85000"/>
+              </a:lnSpc>
+              <a:defRPr sz="8000" b="0">
+                <a:solidFill>
+                  <a:schemeClr val="tx1">
+                    <a:lumMod val="85000"/>
+                    <a:lumOff val="15000"/>
+                  </a:schemeClr>
+                </a:solidFill>
+              </a:defRPr>
+            </a:lvl1pPr>
+          </a:lstStyle>
+          <a:p>
+            <a:r>
+              <a:rPr lang="en-US"/>
+              <a:t>Click to edit Master title style</a:t>
+            </a:r>
+            <a:endParaRPr lang="en-US" dirty="0"/>
+          </a:p>
+        </p:txBody>
+      </p:sp>
+      <p:sp>
+        <p:nvSpPr>
+          <p:cNvPr id="3" name="Text Placeholder 2"/>
+          <p:cNvSpPr>
+            <a:spLocks noGrp="1"/>
+          </p:cNvSpPr>
+          <p:nvPr>
+            <p:ph type="body" idx="1"/>
+          </p:nvPr>
+        </p:nvSpPr>
+        <p:spPr>
+          <a:xfrm>
+            <a:off x="1097280" y="4453128"/>
+            <a:ext cx="10058400" cy="1143000"/>
+          </a:xfrm>
+        </p:spPr>
+        <p:txBody>
+          <a:bodyPr lIns="91440" rIns="91440" anchor="t" anchorCtr="0">
+            <a:normAutofit/>
+          </a:bodyPr>
+          <a:lstStyle>
+            <a:lvl1pPr marL="0" indent="0">
+              <a:buNone/>
+              <a:defRPr sz="2400" cap="all" spc="200" baseline="0">
+                <a:solidFill>
+                  <a:schemeClr val="tx2"/>
+                </a:solidFill>
+                <a:latin typeface="+mj-lt"/>
+              </a:defRPr>
+            </a:lvl1pPr>
+            <a:lvl2pPr marL="457200" indent="0">
+              <a:buNone/>
+              <a:defRPr sz="1800">
+                <a:solidFill>
+                  <a:schemeClr val="tx1">
+                    <a:tint val="75000"/>
+                  </a:schemeClr>
+                </a:solidFill>
+              </a:defRPr>
+            </a:lvl2pPr>
+            <a:lvl3pPr marL="914400" indent="0">
+              <a:buNone/>
+              <a:defRPr sz="1600">
+                <a:solidFill>
+                  <a:schemeClr val="tx1">
+                    <a:tint val="75000"/>
+                  </a:schemeClr>
+                </a:solidFill>
+              </a:defRPr>
+            </a:lvl3pPr>
+            <a:lvl4pPr marL="1371600" indent="0">
+              <a:buNone/>
+              <a:defRPr sz="1400">
+                <a:solidFill>
+                  <a:schemeClr val="tx1">
+                    <a:tint val="75000"/>
+                  </a:schemeClr>
+                </a:solidFill>
+              </a:defRPr>
+            </a:lvl4pPr>
+            <a:lvl5pPr marL="1828800" indent="0">
+              <a:buNone/>
+              <a:defRPr sz="1400">
+                <a:solidFill>
+                  <a:schemeClr val="tx1">
+                    <a:tint val="75000"/>
+                  </a:schemeClr>
+                </a:solidFill>
+              </a:defRPr>
+            </a:lvl5pPr>
+            <a:lvl6pPr marL="2286000" indent="0">
+              <a:buNone/>
+              <a:defRPr sz="1400">
+                <a:solidFill>
+                  <a:schemeClr val="tx1">
+                    <a:tint val="75000"/>
+                  </a:schemeClr>
+                </a:solidFill>
+              </a:defRPr>
+            </a:lvl6pPr>
+            <a:lvl7pPr marL="2743200" indent="0">
+              <a:buNone/>
+              <a:defRPr sz="1400">
+                <a:solidFill>
+                  <a:schemeClr val="tx1">
+                    <a:tint val="75000"/>
+                  </a:schemeClr>
+                </a:solidFill>
+              </a:defRPr>
+            </a:lvl7pPr>
+            <a:lvl8pPr marL="3200400" indent="0">
+              <a:buNone/>
+              <a:defRPr sz="1400">
+                <a:solidFill>
+                  <a:schemeClr val="tx1">
+                    <a:tint val="75000"/>
+                  </a:schemeClr>
+                </a:solidFill>
+              </a:defRPr>
+            </a:lvl8pPr>
+            <a:lvl9pPr marL="3657600" indent="0">
+              <a:buNone/>
+              <a:defRPr sz="1400">
+                <a:solidFill>
+                  <a:schemeClr val="tx1">
+                    <a:tint val="75000"/>
+                  </a:schemeClr>
+                </a:solidFill>
+              </a:defRPr>
+            </a:lvl9pPr>
+          </a:lstStyle>
+          <a:p>
+            <a:pPr lvl="0"/>
+            <a:r>
+              <a:rPr lang="en-US"/>
+              <a:t>Click to edit Master text styles</a:t>
+            </a:r>
+          </a:p>
+        </p:txBody>
+      </p:sp>
+      <p:sp>
+        <p:nvSpPr>
+          <p:cNvPr id="4" name="Date Placeholder 3"/>
+          <p:cNvSpPr>
+            <a:spLocks noGrp="1"/>
+          </p:cNvSpPr>
+          <p:nvPr>
+            <p:ph type="dt" sz="half" idx="10"/>
+          </p:nvPr>
+        </p:nvSpPr>
+        <p:spPr/>
+        <p:txBody>
+          <a:bodyPr/>
+          <a:lstStyle/>
+          <a:p>
+            <a:fld id="{1CB717E5-9235-41CC-9A32-32BA046779B7}" type="datetimeFigureOut">
+              <a:rPr lang="en-US" smtClean="0"/>
+              <a:t>4/28/2021</a:t>
+            </a:fld>
+            <a:endParaRPr lang="en-US"/>
+          </a:p>
+        </p:txBody>
+      </p:sp>
+      <p:sp>
+        <p:nvSpPr>
+          <p:cNvPr id="5" name="Footer Placeholder 4"/>
+          <p:cNvSpPr>
+            <a:spLocks noGrp="1"/>
+          </p:cNvSpPr>
+          <p:nvPr>
+            <p:ph type="ftr" sz="quarter" idx="11"/>
+          </p:nvPr>
+        </p:nvSpPr>
+        <p:spPr/>
+        <p:txBody>
+          <a:bodyPr/>
+          <a:lstStyle/>
+          <a:p>
+            <a:endParaRPr lang="en-US"/>
+          </a:p>
+        </p:txBody>
+      </p:sp>
+      <p:sp>
+        <p:nvSpPr>
+          <p:cNvPr id="6" name="Slide Number Placeholder 5"/>
+          <p:cNvSpPr>
+            <a:spLocks noGrp="1"/>
+          </p:cNvSpPr>
+          <p:nvPr>
+            <p:ph type="sldNum" sz="quarter" idx="12"/>
+          </p:nvPr>
+        </p:nvSpPr>
+        <p:spPr/>
+        <p:txBody>
+          <a:bodyPr/>
+          <a:lstStyle/>
+          <a:p>
+            <a:fld id="{4A626117-4F09-49DA-B9BA-586EB2C1604B}" type="slidenum">
+              <a:rPr lang="en-US" smtClean="0"/>
+              <a:t>‹#›</a:t>
+            </a:fld>
+            <a:endParaRPr lang="en-US"/>
+          </a:p>
+        </p:txBody>
+      </p:sp>
+      <p:cxnSp>
+        <p:nvCxnSpPr>
+          <p:cNvPr id="9" name="Straight Connector 8"/>
+          <p:cNvCxnSpPr/>
+          <p:nvPr/>
+        </p:nvCxnSpPr>
+        <p:spPr>
+          <a:xfrm>
+            <a:off x="1207658" y="4343400"/>
+            <a:ext cx="9875520" cy="0"/>
+          </a:xfrm>
+          <a:prstGeom prst="line">
+            <a:avLst/>
+          </a:prstGeom>
+          <a:ln w="6350">
+            <a:solidFill>
+              <a:schemeClr val="tx1">
+                <a:lumMod val="50000"/>
+                <a:lumOff val="50000"/>
+              </a:schemeClr>
+            </a:solidFill>
+          </a:ln>
+        </p:spPr>
+        <p:style>
+          <a:lnRef idx="1">
+            <a:schemeClr val="accent1"/>
+          </a:lnRef>
+          <a:fillRef idx="0">
+            <a:schemeClr val="accent1"/>
+          </a:fillRef>
+          <a:effectRef idx="0">
+            <a:schemeClr val="accent1"/>
+          </a:effectRef>
+          <a:fontRef idx="minor">
+            <a:schemeClr val="tx1"/>
+          </a:fontRef>
+        </p:style>
+      </p:cxnSp>
+    </p:spTree>
+    <p:extLst>
+      <p:ext uri="{BB962C8B-B14F-4D97-AF65-F5344CB8AC3E}">
+        <p14:creationId xmlns:p14="http://schemas.microsoft.com/office/powerpoint/2010/main" val="1611613453"/>
+      </p:ext>
+    </p:extLst>
+  </p:cSld>
+  <p:clrMapOvr>
+    <a:masterClrMapping/>
+  </p:clrMapOvr>
+</p:sldLayout>
+</file>
+
+<file path=ppt/slideLayouts/slideLayout15.xml><?xml version="1.0" encoding="utf-8"?>
+<p:sldLayout xmlns:a="http://schemas.openxmlformats.org/drawingml/2006/main" xmlns:r="http://schemas.openxmlformats.org/officeDocument/2006/relationships" xmlns:p="http://schemas.openxmlformats.org/presentationml/2006/main" type="twoObj" preserve="1">
+  <p:cSld name="Two Content">
+    <p:spTree>
+      <p:nvGrpSpPr>
+        <p:cNvPr id="1" name=""/>
+        <p:cNvGrpSpPr/>
+        <p:nvPr/>
+      </p:nvGrpSpPr>
+      <p:grpSpPr>
+        <a:xfrm>
+          <a:off x="0" y="0"/>
+          <a:ext cx="0" cy="0"/>
+          <a:chOff x="0" y="0"/>
+          <a:chExt cx="0" cy="0"/>
+        </a:xfrm>
+      </p:grpSpPr>
+      <p:sp>
+        <p:nvSpPr>
+          <p:cNvPr id="8" name="Title 7"/>
+          <p:cNvSpPr>
+            <a:spLocks noGrp="1"/>
+          </p:cNvSpPr>
+          <p:nvPr>
+            <p:ph type="title"/>
+          </p:nvPr>
+        </p:nvSpPr>
+        <p:spPr>
+          <a:xfrm>
+            <a:off x="1097280" y="286603"/>
+            <a:ext cx="10058400" cy="1450757"/>
+          </a:xfrm>
+        </p:spPr>
+        <p:txBody>
+          <a:bodyPr/>
+          <a:lstStyle/>
+          <a:p>
+            <a:r>
+              <a:rPr lang="en-US"/>
+              <a:t>Click to edit Master title style</a:t>
+            </a:r>
+            <a:endParaRPr lang="en-US" dirty="0"/>
+          </a:p>
+        </p:txBody>
+      </p:sp>
+      <p:sp>
+        <p:nvSpPr>
+          <p:cNvPr id="3" name="Content Placeholder 2"/>
+          <p:cNvSpPr>
+            <a:spLocks noGrp="1"/>
+          </p:cNvSpPr>
+          <p:nvPr>
+            <p:ph sz="half" idx="1"/>
+          </p:nvPr>
+        </p:nvSpPr>
+        <p:spPr>
+          <a:xfrm>
+            <a:off x="1097279" y="1845734"/>
+            <a:ext cx="4937760" cy="4023360"/>
+          </a:xfrm>
+        </p:spPr>
+        <p:txBody>
+          <a:bodyPr/>
+          <a:lstStyle/>
+          <a:p>
+            <a:pPr lvl="0"/>
+            <a:r>
+              <a:rPr lang="en-US"/>
+              <a:t>Click to edit Master text styles</a:t>
+            </a:r>
+          </a:p>
+          <a:p>
+            <a:pPr lvl="1"/>
+            <a:r>
+              <a:rPr lang="en-US"/>
+              <a:t>Second level</a:t>
+            </a:r>
+          </a:p>
+          <a:p>
+            <a:pPr lvl="2"/>
+            <a:r>
+              <a:rPr lang="en-US"/>
+              <a:t>Third level</a:t>
+            </a:r>
+          </a:p>
+          <a:p>
+            <a:pPr lvl="3"/>
+            <a:r>
+              <a:rPr lang="en-US"/>
+              <a:t>Fourth level</a:t>
+            </a:r>
+          </a:p>
+          <a:p>
+            <a:pPr lvl="4"/>
+            <a:r>
+              <a:rPr lang="en-US"/>
+              <a:t>Fifth level</a:t>
+            </a:r>
+            <a:endParaRPr lang="en-US" dirty="0"/>
+          </a:p>
+        </p:txBody>
+      </p:sp>
+      <p:sp>
+        <p:nvSpPr>
+          <p:cNvPr id="4" name="Content Placeholder 3"/>
+          <p:cNvSpPr>
+            <a:spLocks noGrp="1"/>
+          </p:cNvSpPr>
+          <p:nvPr>
+            <p:ph sz="half" idx="2"/>
+          </p:nvPr>
+        </p:nvSpPr>
+        <p:spPr>
+          <a:xfrm>
+            <a:off x="6217920" y="1845735"/>
+            <a:ext cx="4937760" cy="4023360"/>
+          </a:xfrm>
+        </p:spPr>
+        <p:txBody>
+          <a:bodyPr/>
+          <a:lstStyle/>
+          <a:p>
+            <a:pPr lvl="0"/>
+            <a:r>
+              <a:rPr lang="en-US"/>
+              <a:t>Click to edit Master text styles</a:t>
+            </a:r>
+          </a:p>
+          <a:p>
+            <a:pPr lvl="1"/>
+            <a:r>
+              <a:rPr lang="en-US"/>
+              <a:t>Second level</a:t>
+            </a:r>
+          </a:p>
+          <a:p>
+            <a:pPr lvl="2"/>
+            <a:r>
+              <a:rPr lang="en-US"/>
+              <a:t>Third level</a:t>
+            </a:r>
+          </a:p>
+          <a:p>
+            <a:pPr lvl="3"/>
+            <a:r>
+              <a:rPr lang="en-US"/>
+              <a:t>Fourth level</a:t>
+            </a:r>
+          </a:p>
+          <a:p>
+            <a:pPr lvl="4"/>
+            <a:r>
+              <a:rPr lang="en-US"/>
+              <a:t>Fifth level</a:t>
+            </a:r>
+            <a:endParaRPr lang="en-US" dirty="0"/>
+          </a:p>
+        </p:txBody>
+      </p:sp>
+      <p:sp>
+        <p:nvSpPr>
+          <p:cNvPr id="5" name="Date Placeholder 4"/>
+          <p:cNvSpPr>
+            <a:spLocks noGrp="1"/>
+          </p:cNvSpPr>
+          <p:nvPr>
+            <p:ph type="dt" sz="half" idx="10"/>
+          </p:nvPr>
+        </p:nvSpPr>
+        <p:spPr/>
+        <p:txBody>
+          <a:bodyPr/>
+          <a:lstStyle/>
+          <a:p>
+            <a:fld id="{1CB717E5-9235-41CC-9A32-32BA046779B7}" type="datetimeFigureOut">
+              <a:rPr lang="en-US" smtClean="0"/>
+              <a:t>4/28/2021</a:t>
+            </a:fld>
+            <a:endParaRPr lang="en-US"/>
+          </a:p>
+        </p:txBody>
+      </p:sp>
+      <p:sp>
+        <p:nvSpPr>
+          <p:cNvPr id="6" name="Footer Placeholder 5"/>
+          <p:cNvSpPr>
+            <a:spLocks noGrp="1"/>
+          </p:cNvSpPr>
+          <p:nvPr>
+            <p:ph type="ftr" sz="quarter" idx="11"/>
+          </p:nvPr>
+        </p:nvSpPr>
+        <p:spPr/>
+        <p:txBody>
+          <a:bodyPr/>
+          <a:lstStyle/>
+          <a:p>
+            <a:endParaRPr lang="en-US"/>
+          </a:p>
+        </p:txBody>
+      </p:sp>
+      <p:sp>
+        <p:nvSpPr>
+          <p:cNvPr id="7" name="Slide Number Placeholder 6"/>
+          <p:cNvSpPr>
+            <a:spLocks noGrp="1"/>
+          </p:cNvSpPr>
+          <p:nvPr>
+            <p:ph type="sldNum" sz="quarter" idx="12"/>
+          </p:nvPr>
+        </p:nvSpPr>
+        <p:spPr/>
+        <p:txBody>
+          <a:bodyPr/>
+          <a:lstStyle/>
+          <a:p>
+            <a:fld id="{4A626117-4F09-49DA-B9BA-586EB2C1604B}" type="slidenum">
+              <a:rPr lang="en-US" smtClean="0"/>
+              <a:t>‹#›</a:t>
+            </a:fld>
+            <a:endParaRPr lang="en-US"/>
+          </a:p>
+        </p:txBody>
+      </p:sp>
+    </p:spTree>
+    <p:extLst>
+      <p:ext uri="{BB962C8B-B14F-4D97-AF65-F5344CB8AC3E}">
+        <p14:creationId xmlns:p14="http://schemas.microsoft.com/office/powerpoint/2010/main" val="917021493"/>
+      </p:ext>
+    </p:extLst>
+  </p:cSld>
+  <p:clrMapOvr>
+    <a:masterClrMapping/>
+  </p:clrMapOvr>
+</p:sldLayout>
+</file>
+
+<file path=ppt/slideLayouts/slideLayout16.xml><?xml version="1.0" encoding="utf-8"?>
+<p:sldLayout xmlns:a="http://schemas.openxmlformats.org/drawingml/2006/main" xmlns:r="http://schemas.openxmlformats.org/officeDocument/2006/relationships" xmlns:p="http://schemas.openxmlformats.org/presentationml/2006/main" type="twoTxTwoObj" preserve="1">
+  <p:cSld name="Comparison">
+    <p:spTree>
+      <p:nvGrpSpPr>
+        <p:cNvPr id="1" name=""/>
+        <p:cNvGrpSpPr/>
+        <p:nvPr/>
+      </p:nvGrpSpPr>
+      <p:grpSpPr>
+        <a:xfrm>
+          <a:off x="0" y="0"/>
+          <a:ext cx="0" cy="0"/>
+          <a:chOff x="0" y="0"/>
+          <a:chExt cx="0" cy="0"/>
+        </a:xfrm>
+      </p:grpSpPr>
+      <p:sp>
+        <p:nvSpPr>
+          <p:cNvPr id="10" name="Title 9"/>
+          <p:cNvSpPr>
+            <a:spLocks noGrp="1"/>
+          </p:cNvSpPr>
+          <p:nvPr>
+            <p:ph type="title"/>
+          </p:nvPr>
+        </p:nvSpPr>
+        <p:spPr>
+          <a:xfrm>
+            <a:off x="1097280" y="286603"/>
+            <a:ext cx="10058400" cy="1450757"/>
+          </a:xfrm>
+        </p:spPr>
+        <p:txBody>
+          <a:bodyPr/>
+          <a:lstStyle/>
+          <a:p>
+            <a:r>
+              <a:rPr lang="en-US"/>
+              <a:t>Click to edit Master title style</a:t>
+            </a:r>
+            <a:endParaRPr lang="en-US" dirty="0"/>
+          </a:p>
+        </p:txBody>
+      </p:sp>
+      <p:sp>
+        <p:nvSpPr>
+          <p:cNvPr id="3" name="Text Placeholder 2"/>
+          <p:cNvSpPr>
+            <a:spLocks noGrp="1"/>
+          </p:cNvSpPr>
+          <p:nvPr>
+            <p:ph type="body" idx="1"/>
+          </p:nvPr>
+        </p:nvSpPr>
+        <p:spPr>
+          <a:xfrm>
+            <a:off x="1097280" y="1846052"/>
+            <a:ext cx="4937760" cy="736282"/>
+          </a:xfrm>
+        </p:spPr>
+        <p:txBody>
+          <a:bodyPr lIns="91440" rIns="91440" anchor="ctr">
+            <a:normAutofit/>
+          </a:bodyPr>
+          <a:lstStyle>
+            <a:lvl1pPr marL="0" indent="0">
+              <a:buNone/>
+              <a:defRPr sz="2000" b="0" cap="all" baseline="0">
+                <a:solidFill>
+                  <a:schemeClr val="tx2"/>
+                </a:solidFill>
+              </a:defRPr>
+            </a:lvl1pPr>
+            <a:lvl2pPr marL="457200" indent="0">
+              <a:buNone/>
+              <a:defRPr sz="2000" b="1"/>
+            </a:lvl2pPr>
+            <a:lvl3pPr marL="914400" indent="0">
+              <a:buNone/>
+              <a:defRPr sz="1800" b="1"/>
+            </a:lvl3pPr>
+            <a:lvl4pPr marL="1371600" indent="0">
+              <a:buNone/>
+              <a:defRPr sz="1600" b="1"/>
+            </a:lvl4pPr>
+            <a:lvl5pPr marL="1828800" indent="0">
+              <a:buNone/>
+              <a:defRPr sz="1600" b="1"/>
+            </a:lvl5pPr>
+            <a:lvl6pPr marL="2286000" indent="0">
+              <a:buNone/>
+              <a:defRPr sz="1600" b="1"/>
+            </a:lvl6pPr>
+            <a:lvl7pPr marL="2743200" indent="0">
+              <a:buNone/>
+              <a:defRPr sz="1600" b="1"/>
+            </a:lvl7pPr>
+            <a:lvl8pPr marL="3200400" indent="0">
+              <a:buNone/>
+              <a:defRPr sz="1600" b="1"/>
+            </a:lvl8pPr>
+            <a:lvl9pPr marL="3657600" indent="0">
+              <a:buNone/>
+              <a:defRPr sz="1600" b="1"/>
+            </a:lvl9pPr>
+          </a:lstStyle>
+          <a:p>
+            <a:pPr lvl="0"/>
+            <a:r>
+              <a:rPr lang="en-US"/>
+              <a:t>Click to edit Master text styles</a:t>
+            </a:r>
+          </a:p>
+        </p:txBody>
+      </p:sp>
+      <p:sp>
+        <p:nvSpPr>
+          <p:cNvPr id="4" name="Content Placeholder 3"/>
+          <p:cNvSpPr>
+            <a:spLocks noGrp="1"/>
+          </p:cNvSpPr>
+          <p:nvPr>
+            <p:ph sz="half" idx="2"/>
+          </p:nvPr>
+        </p:nvSpPr>
+        <p:spPr>
+          <a:xfrm>
+            <a:off x="1097280" y="2582334"/>
+            <a:ext cx="4937760" cy="3378200"/>
+          </a:xfrm>
+        </p:spPr>
+        <p:txBody>
+          <a:bodyPr/>
+          <a:lstStyle/>
+          <a:p>
+            <a:pPr lvl="0"/>
+            <a:r>
+              <a:rPr lang="en-US"/>
+              <a:t>Click to edit Master text styles</a:t>
+            </a:r>
+          </a:p>
+          <a:p>
+            <a:pPr lvl="1"/>
+            <a:r>
+              <a:rPr lang="en-US"/>
+              <a:t>Second level</a:t>
+            </a:r>
+          </a:p>
+          <a:p>
+            <a:pPr lvl="2"/>
+            <a:r>
+              <a:rPr lang="en-US"/>
+              <a:t>Third level</a:t>
+            </a:r>
+          </a:p>
+          <a:p>
+            <a:pPr lvl="3"/>
+            <a:r>
+              <a:rPr lang="en-US"/>
+              <a:t>Fourth level</a:t>
+            </a:r>
+          </a:p>
+          <a:p>
+            <a:pPr lvl="4"/>
+            <a:r>
+              <a:rPr lang="en-US"/>
+              <a:t>Fifth level</a:t>
+            </a:r>
+            <a:endParaRPr lang="en-US" dirty="0"/>
+          </a:p>
+        </p:txBody>
+      </p:sp>
+      <p:sp>
+        <p:nvSpPr>
+          <p:cNvPr id="5" name="Text Placeholder 4"/>
+          <p:cNvSpPr>
+            <a:spLocks noGrp="1"/>
+          </p:cNvSpPr>
+          <p:nvPr>
+            <p:ph type="body" sz="quarter" idx="3"/>
+          </p:nvPr>
+        </p:nvSpPr>
+        <p:spPr>
+          <a:xfrm>
+            <a:off x="6217920" y="1846052"/>
+            <a:ext cx="4937760" cy="736282"/>
+          </a:xfrm>
+        </p:spPr>
+        <p:txBody>
+          <a:bodyPr lIns="91440" rIns="91440" anchor="ctr">
+            <a:normAutofit/>
+          </a:bodyPr>
+          <a:lstStyle>
+            <a:lvl1pPr marL="0" indent="0">
+              <a:buNone/>
+              <a:defRPr sz="2000" b="0" cap="all" baseline="0">
+                <a:solidFill>
+                  <a:schemeClr val="tx2"/>
+                </a:solidFill>
+              </a:defRPr>
+            </a:lvl1pPr>
+            <a:lvl2pPr marL="457200" indent="0">
+              <a:buNone/>
+              <a:defRPr sz="2000" b="1"/>
+            </a:lvl2pPr>
+            <a:lvl3pPr marL="914400" indent="0">
+              <a:buNone/>
+              <a:defRPr sz="1800" b="1"/>
+            </a:lvl3pPr>
+            <a:lvl4pPr marL="1371600" indent="0">
+              <a:buNone/>
+              <a:defRPr sz="1600" b="1"/>
+            </a:lvl4pPr>
+            <a:lvl5pPr marL="1828800" indent="0">
+              <a:buNone/>
+              <a:defRPr sz="1600" b="1"/>
+            </a:lvl5pPr>
+            <a:lvl6pPr marL="2286000" indent="0">
+              <a:buNone/>
+              <a:defRPr sz="1600" b="1"/>
+            </a:lvl6pPr>
+            <a:lvl7pPr marL="2743200" indent="0">
+              <a:buNone/>
+              <a:defRPr sz="1600" b="1"/>
+            </a:lvl7pPr>
+            <a:lvl8pPr marL="3200400" indent="0">
+              <a:buNone/>
+              <a:defRPr sz="1600" b="1"/>
+            </a:lvl8pPr>
+            <a:lvl9pPr marL="3657600" indent="0">
+              <a:buNone/>
+              <a:defRPr sz="1600" b="1"/>
+            </a:lvl9pPr>
+          </a:lstStyle>
+          <a:p>
+            <a:pPr lvl="0"/>
+            <a:r>
+              <a:rPr lang="en-US"/>
+              <a:t>Click to edit Master text styles</a:t>
+            </a:r>
+          </a:p>
+        </p:txBody>
+      </p:sp>
+      <p:sp>
+        <p:nvSpPr>
+          <p:cNvPr id="6" name="Content Placeholder 5"/>
+          <p:cNvSpPr>
+            <a:spLocks noGrp="1"/>
+          </p:cNvSpPr>
+          <p:nvPr>
+            <p:ph sz="quarter" idx="4"/>
+          </p:nvPr>
+        </p:nvSpPr>
+        <p:spPr>
+          <a:xfrm>
+            <a:off x="6217920" y="2582334"/>
+            <a:ext cx="4937760" cy="3378200"/>
+          </a:xfrm>
+        </p:spPr>
+        <p:txBody>
+          <a:bodyPr/>
+          <a:lstStyle/>
+          <a:p>
+            <a:pPr lvl="0"/>
+            <a:r>
+              <a:rPr lang="en-US"/>
+              <a:t>Click to edit Master text styles</a:t>
+            </a:r>
+          </a:p>
+          <a:p>
+            <a:pPr lvl="1"/>
+            <a:r>
+              <a:rPr lang="en-US"/>
+              <a:t>Second level</a:t>
+            </a:r>
+          </a:p>
+          <a:p>
+            <a:pPr lvl="2"/>
+            <a:r>
+              <a:rPr lang="en-US"/>
+              <a:t>Third level</a:t>
+            </a:r>
+          </a:p>
+          <a:p>
+            <a:pPr lvl="3"/>
+            <a:r>
+              <a:rPr lang="en-US"/>
+              <a:t>Fourth level</a:t>
+            </a:r>
+          </a:p>
+          <a:p>
+            <a:pPr lvl="4"/>
+            <a:r>
+              <a:rPr lang="en-US"/>
+              <a:t>Fifth level</a:t>
+            </a:r>
+            <a:endParaRPr lang="en-US" dirty="0"/>
+          </a:p>
+        </p:txBody>
+      </p:sp>
+      <p:sp>
+        <p:nvSpPr>
+          <p:cNvPr id="7" name="Date Placeholder 6"/>
+          <p:cNvSpPr>
+            <a:spLocks noGrp="1"/>
+          </p:cNvSpPr>
+          <p:nvPr>
+            <p:ph type="dt" sz="half" idx="10"/>
+          </p:nvPr>
+        </p:nvSpPr>
+        <p:spPr/>
+        <p:txBody>
+          <a:bodyPr/>
+          <a:lstStyle/>
+          <a:p>
+            <a:fld id="{1CB717E5-9235-41CC-9A32-32BA046779B7}" type="datetimeFigureOut">
+              <a:rPr lang="en-US" smtClean="0"/>
+              <a:t>4/28/2021</a:t>
+            </a:fld>
+            <a:endParaRPr lang="en-US"/>
+          </a:p>
+        </p:txBody>
+      </p:sp>
+      <p:sp>
+        <p:nvSpPr>
+          <p:cNvPr id="8" name="Footer Placeholder 7"/>
+          <p:cNvSpPr>
+            <a:spLocks noGrp="1"/>
+          </p:cNvSpPr>
+          <p:nvPr>
+            <p:ph type="ftr" sz="quarter" idx="11"/>
+          </p:nvPr>
+        </p:nvSpPr>
+        <p:spPr/>
+        <p:txBody>
+          <a:bodyPr/>
+          <a:lstStyle/>
+          <a:p>
+            <a:endParaRPr lang="en-US"/>
+          </a:p>
+        </p:txBody>
+      </p:sp>
+      <p:sp>
+        <p:nvSpPr>
+          <p:cNvPr id="9" name="Slide Number Placeholder 8"/>
+          <p:cNvSpPr>
+            <a:spLocks noGrp="1"/>
+          </p:cNvSpPr>
+          <p:nvPr>
+            <p:ph type="sldNum" sz="quarter" idx="12"/>
+          </p:nvPr>
+        </p:nvSpPr>
+        <p:spPr/>
+        <p:txBody>
+          <a:bodyPr/>
+          <a:lstStyle/>
+          <a:p>
+            <a:fld id="{4A626117-4F09-49DA-B9BA-586EB2C1604B}" type="slidenum">
+              <a:rPr lang="en-US" smtClean="0"/>
+              <a:t>‹#›</a:t>
+            </a:fld>
+            <a:endParaRPr lang="en-US"/>
+          </a:p>
+        </p:txBody>
+      </p:sp>
+    </p:spTree>
+    <p:extLst>
+      <p:ext uri="{BB962C8B-B14F-4D97-AF65-F5344CB8AC3E}">
+        <p14:creationId xmlns:p14="http://schemas.microsoft.com/office/powerpoint/2010/main" val="3089990984"/>
+      </p:ext>
+    </p:extLst>
+  </p:cSld>
+  <p:clrMapOvr>
+    <a:masterClrMapping/>
+  </p:clrMapOvr>
+</p:sldLayout>
+</file>
+
+<file path=ppt/slideLayouts/slideLayout17.xml><?xml version="1.0" encoding="utf-8"?>
+<p:sldLayout xmlns:a="http://schemas.openxmlformats.org/drawingml/2006/main" xmlns:r="http://schemas.openxmlformats.org/officeDocument/2006/relationships" xmlns:p="http://schemas.openxmlformats.org/presentationml/2006/main" type="titleOnly" preserve="1">
+  <p:cSld name="Title Only">
+    <p:spTree>
+      <p:nvGrpSpPr>
+        <p:cNvPr id="1" name=""/>
+        <p:cNvGrpSpPr/>
+        <p:nvPr/>
+      </p:nvGrpSpPr>
+      <p:grpSpPr>
+        <a:xfrm>
+          <a:off x="0" y="0"/>
+          <a:ext cx="0" cy="0"/>
+          <a:chOff x="0" y="0"/>
+          <a:chExt cx="0" cy="0"/>
+        </a:xfrm>
+      </p:grpSpPr>
+      <p:sp>
+        <p:nvSpPr>
+          <p:cNvPr id="2" name="Title 1"/>
+          <p:cNvSpPr>
+            <a:spLocks noGrp="1"/>
+          </p:cNvSpPr>
+          <p:nvPr>
+            <p:ph type="title"/>
+          </p:nvPr>
+        </p:nvSpPr>
+        <p:spPr/>
+        <p:txBody>
+          <a:bodyPr/>
+          <a:lstStyle/>
+          <a:p>
+            <a:r>
+              <a:rPr lang="en-US"/>
+              <a:t>Click to edit Master title style</a:t>
+            </a:r>
+            <a:endParaRPr lang="en-US" dirty="0"/>
+          </a:p>
+        </p:txBody>
+      </p:sp>
+      <p:sp>
+        <p:nvSpPr>
+          <p:cNvPr id="3" name="Date Placeholder 2"/>
+          <p:cNvSpPr>
+            <a:spLocks noGrp="1"/>
+          </p:cNvSpPr>
+          <p:nvPr>
+            <p:ph type="dt" sz="half" idx="10"/>
+          </p:nvPr>
+        </p:nvSpPr>
+        <p:spPr/>
+        <p:txBody>
+          <a:bodyPr/>
+          <a:lstStyle/>
+          <a:p>
+            <a:fld id="{1CB717E5-9235-41CC-9A32-32BA046779B7}" type="datetimeFigureOut">
+              <a:rPr lang="en-US" smtClean="0"/>
+              <a:t>4/28/2021</a:t>
+            </a:fld>
+            <a:endParaRPr lang="en-US"/>
+          </a:p>
+        </p:txBody>
+      </p:sp>
+      <p:sp>
+        <p:nvSpPr>
+          <p:cNvPr id="4" name="Footer Placeholder 3"/>
+          <p:cNvSpPr>
+            <a:spLocks noGrp="1"/>
+          </p:cNvSpPr>
+          <p:nvPr>
+            <p:ph type="ftr" sz="quarter" idx="11"/>
+          </p:nvPr>
+        </p:nvSpPr>
+        <p:spPr/>
+        <p:txBody>
+          <a:bodyPr/>
+          <a:lstStyle/>
+          <a:p>
+            <a:endParaRPr lang="en-US"/>
+          </a:p>
+        </p:txBody>
+      </p:sp>
+      <p:sp>
+        <p:nvSpPr>
+          <p:cNvPr id="5" name="Slide Number Placeholder 4"/>
+          <p:cNvSpPr>
+            <a:spLocks noGrp="1"/>
+          </p:cNvSpPr>
+          <p:nvPr>
+            <p:ph type="sldNum" sz="quarter" idx="12"/>
+          </p:nvPr>
+        </p:nvSpPr>
+        <p:spPr/>
+        <p:txBody>
+          <a:bodyPr/>
+          <a:lstStyle/>
+          <a:p>
+            <a:fld id="{4A626117-4F09-49DA-B9BA-586EB2C1604B}" type="slidenum">
+              <a:rPr lang="en-US" smtClean="0"/>
+              <a:t>‹#›</a:t>
+            </a:fld>
+            <a:endParaRPr lang="en-US"/>
+          </a:p>
+        </p:txBody>
+      </p:sp>
+    </p:spTree>
+    <p:extLst>
+      <p:ext uri="{BB962C8B-B14F-4D97-AF65-F5344CB8AC3E}">
+        <p14:creationId xmlns:p14="http://schemas.microsoft.com/office/powerpoint/2010/main" val="2050906666"/>
+      </p:ext>
+    </p:extLst>
+  </p:cSld>
+  <p:clrMapOvr>
+    <a:masterClrMapping/>
+  </p:clrMapOvr>
+</p:sldLayout>
+</file>
+
+<file path=ppt/slideLayouts/slideLayout18.xml><?xml version="1.0" encoding="utf-8"?>
+<p:sldLayout xmlns:a="http://schemas.openxmlformats.org/drawingml/2006/main" xmlns:r="http://schemas.openxmlformats.org/officeDocument/2006/relationships" xmlns:p="http://schemas.openxmlformats.org/presentationml/2006/main" showMasterSp="0" type="blank" preserve="1">
+  <p:cSld name="Blank">
+    <p:spTree>
+      <p:nvGrpSpPr>
+        <p:cNvPr id="1" name=""/>
+        <p:cNvGrpSpPr/>
+        <p:nvPr/>
+      </p:nvGrpSpPr>
+      <p:grpSpPr>
+        <a:xfrm>
+          <a:off x="0" y="0"/>
+          <a:ext cx="0" cy="0"/>
+          <a:chOff x="0" y="0"/>
+          <a:chExt cx="0" cy="0"/>
+        </a:xfrm>
+      </p:grpSpPr>
+      <p:sp>
+        <p:nvSpPr>
+          <p:cNvPr id="5" name="Rectangle 4"/>
+          <p:cNvSpPr/>
+          <p:nvPr/>
+        </p:nvSpPr>
+        <p:spPr>
+          <a:xfrm>
+            <a:off x="3175" y="6400800"/>
+            <a:ext cx="12188825" cy="457200"/>
+          </a:xfrm>
+          <a:prstGeom prst="rect">
+            <a:avLst/>
+          </a:prstGeom>
+          <a:solidFill>
+            <a:schemeClr val="accent2"/>
+          </a:solidFill>
+          <a:ln>
+            <a:noFill/>
+          </a:ln>
+        </p:spPr>
+        <p:style>
+          <a:lnRef idx="2">
+            <a:schemeClr val="accent1">
+              <a:shade val="50000"/>
+            </a:schemeClr>
+          </a:lnRef>
+          <a:fillRef idx="1">
+            <a:schemeClr val="accent1"/>
+          </a:fillRef>
+          <a:effectRef idx="0">
+            <a:schemeClr val="accent1"/>
+          </a:effectRef>
+          <a:fontRef idx="minor">
+            <a:schemeClr val="lt1"/>
+          </a:fontRef>
+        </p:style>
+      </p:sp>
+      <p:sp>
+        <p:nvSpPr>
+          <p:cNvPr id="6" name="Rectangle 5"/>
+          <p:cNvSpPr/>
+          <p:nvPr/>
+        </p:nvSpPr>
+        <p:spPr>
+          <a:xfrm>
+            <a:off x="15" y="6334316"/>
+            <a:ext cx="12188825" cy="64008"/>
+          </a:xfrm>
+          <a:prstGeom prst="rect">
+            <a:avLst/>
+          </a:prstGeom>
+          <a:solidFill>
+            <a:schemeClr val="accent1"/>
+          </a:solidFill>
+          <a:ln>
+            <a:noFill/>
+          </a:ln>
+        </p:spPr>
+        <p:style>
+          <a:lnRef idx="2">
+            <a:schemeClr val="accent1">
+              <a:shade val="50000"/>
+            </a:schemeClr>
+          </a:lnRef>
+          <a:fillRef idx="1">
+            <a:schemeClr val="accent1"/>
+          </a:fillRef>
+          <a:effectRef idx="0">
+            <a:schemeClr val="accent1"/>
+          </a:effectRef>
+          <a:fontRef idx="minor">
+            <a:schemeClr val="lt1"/>
+          </a:fontRef>
+        </p:style>
+      </p:sp>
+      <p:sp>
+        <p:nvSpPr>
+          <p:cNvPr id="7" name="Date Placeholder 6"/>
+          <p:cNvSpPr>
+            <a:spLocks noGrp="1"/>
+          </p:cNvSpPr>
+          <p:nvPr>
+            <p:ph type="dt" sz="half" idx="10"/>
+          </p:nvPr>
+        </p:nvSpPr>
+        <p:spPr/>
+        <p:txBody>
+          <a:bodyPr/>
+          <a:lstStyle/>
+          <a:p>
+            <a:fld id="{1CB717E5-9235-41CC-9A32-32BA046779B7}" type="datetimeFigureOut">
+              <a:rPr lang="en-US" smtClean="0"/>
+              <a:t>4/28/2021</a:t>
+            </a:fld>
+            <a:endParaRPr lang="en-US"/>
+          </a:p>
+        </p:txBody>
+      </p:sp>
+      <p:sp>
+        <p:nvSpPr>
+          <p:cNvPr id="8" name="Footer Placeholder 7"/>
+          <p:cNvSpPr>
+            <a:spLocks noGrp="1"/>
+          </p:cNvSpPr>
+          <p:nvPr>
+            <p:ph type="ftr" sz="quarter" idx="11"/>
+          </p:nvPr>
+        </p:nvSpPr>
+        <p:spPr/>
+        <p:txBody>
+          <a:bodyPr/>
+          <a:lstStyle>
+            <a:lvl1pPr>
+              <a:defRPr>
+                <a:solidFill>
+                  <a:srgbClr val="FFFFFF"/>
+                </a:solidFill>
+              </a:defRPr>
+            </a:lvl1pPr>
+          </a:lstStyle>
+          <a:p>
+            <a:endParaRPr lang="en-US"/>
+          </a:p>
+        </p:txBody>
+      </p:sp>
+      <p:sp>
+        <p:nvSpPr>
+          <p:cNvPr id="9" name="Slide Number Placeholder 8"/>
+          <p:cNvSpPr>
+            <a:spLocks noGrp="1"/>
+          </p:cNvSpPr>
+          <p:nvPr>
+            <p:ph type="sldNum" sz="quarter" idx="12"/>
+          </p:nvPr>
+        </p:nvSpPr>
+        <p:spPr/>
+        <p:txBody>
+          <a:bodyPr/>
+          <a:lstStyle/>
+          <a:p>
+            <a:fld id="{4A626117-4F09-49DA-B9BA-586EB2C1604B}" type="slidenum">
+              <a:rPr lang="en-US" smtClean="0"/>
+              <a:t>‹#›</a:t>
+            </a:fld>
+            <a:endParaRPr lang="en-US"/>
+          </a:p>
+        </p:txBody>
+      </p:sp>
+    </p:spTree>
+    <p:extLst>
+      <p:ext uri="{BB962C8B-B14F-4D97-AF65-F5344CB8AC3E}">
+        <p14:creationId xmlns:p14="http://schemas.microsoft.com/office/powerpoint/2010/main" val="3439519427"/>
+      </p:ext>
+    </p:extLst>
+  </p:cSld>
+  <p:clrMapOvr>
+    <a:masterClrMapping/>
+  </p:clrMapOvr>
+</p:sldLayout>
+</file>
+
+<file path=ppt/slideLayouts/slideLayout19.xml><?xml version="1.0" encoding="utf-8"?>
+<p:sldLayout xmlns:a="http://schemas.openxmlformats.org/drawingml/2006/main" xmlns:r="http://schemas.openxmlformats.org/officeDocument/2006/relationships" xmlns:p="http://schemas.openxmlformats.org/presentationml/2006/main" showMasterSp="0" type="objTx" preserve="1">
+  <p:cSld name="Content with Caption">
+    <p:spTree>
+      <p:nvGrpSpPr>
+        <p:cNvPr id="1" name=""/>
+        <p:cNvGrpSpPr/>
+        <p:nvPr/>
+      </p:nvGrpSpPr>
+      <p:grpSpPr>
+        <a:xfrm>
+          <a:off x="0" y="0"/>
+          <a:ext cx="0" cy="0"/>
+          <a:chOff x="0" y="0"/>
+          <a:chExt cx="0" cy="0"/>
+        </a:xfrm>
+      </p:grpSpPr>
+      <p:sp>
+        <p:nvSpPr>
+          <p:cNvPr id="8" name="Rectangle 7"/>
+          <p:cNvSpPr/>
+          <p:nvPr/>
+        </p:nvSpPr>
+        <p:spPr>
+          <a:xfrm>
+            <a:off x="16" y="0"/>
+            <a:ext cx="4050791" cy="6858000"/>
+          </a:xfrm>
+          <a:prstGeom prst="rect">
+            <a:avLst/>
+          </a:prstGeom>
+          <a:solidFill>
+            <a:schemeClr val="accent2"/>
+          </a:solidFill>
+          <a:ln>
+            <a:noFill/>
+          </a:ln>
+        </p:spPr>
+        <p:style>
+          <a:lnRef idx="2">
+            <a:schemeClr val="accent1">
+              <a:shade val="50000"/>
+            </a:schemeClr>
+          </a:lnRef>
+          <a:fillRef idx="1">
+            <a:schemeClr val="accent1"/>
+          </a:fillRef>
+          <a:effectRef idx="0">
+            <a:schemeClr val="accent1"/>
+          </a:effectRef>
+          <a:fontRef idx="minor">
+            <a:schemeClr val="lt1"/>
+          </a:fontRef>
+        </p:style>
+      </p:sp>
+      <p:sp>
+        <p:nvSpPr>
+          <p:cNvPr id="9" name="Rectangle 8"/>
+          <p:cNvSpPr/>
+          <p:nvPr/>
+        </p:nvSpPr>
+        <p:spPr>
+          <a:xfrm>
+            <a:off x="4040071" y="0"/>
+            <a:ext cx="64008" cy="6858000"/>
+          </a:xfrm>
+          <a:prstGeom prst="rect">
+            <a:avLst/>
+          </a:prstGeom>
+          <a:solidFill>
+            <a:schemeClr val="accent1"/>
+          </a:solidFill>
+          <a:ln>
+            <a:noFill/>
+          </a:ln>
+        </p:spPr>
+        <p:style>
+          <a:lnRef idx="2">
+            <a:schemeClr val="accent1">
+              <a:shade val="50000"/>
+            </a:schemeClr>
+          </a:lnRef>
+          <a:fillRef idx="1">
+            <a:schemeClr val="accent1"/>
+          </a:fillRef>
+          <a:effectRef idx="0">
+            <a:schemeClr val="accent1"/>
+          </a:effectRef>
+          <a:fontRef idx="minor">
+            <a:schemeClr val="lt1"/>
+          </a:fontRef>
+        </p:style>
+      </p:sp>
+      <p:sp>
+        <p:nvSpPr>
+          <p:cNvPr id="2" name="Title 1"/>
+          <p:cNvSpPr>
+            <a:spLocks noGrp="1"/>
+          </p:cNvSpPr>
+          <p:nvPr>
+            <p:ph type="title"/>
+          </p:nvPr>
+        </p:nvSpPr>
+        <p:spPr>
+          <a:xfrm>
+            <a:off x="457200" y="594359"/>
+            <a:ext cx="3200400" cy="2286000"/>
+          </a:xfrm>
+        </p:spPr>
+        <p:txBody>
+          <a:bodyPr anchor="b">
+            <a:normAutofit/>
+          </a:bodyPr>
+          <a:lstStyle>
+            <a:lvl1pPr>
+              <a:defRPr sz="3600" b="0">
+                <a:solidFill>
+                  <a:srgbClr val="FFFFFF"/>
+                </a:solidFill>
+              </a:defRPr>
+            </a:lvl1pPr>
+          </a:lstStyle>
+          <a:p>
+            <a:r>
+              <a:rPr lang="en-US"/>
+              <a:t>Click to edit Master title style</a:t>
+            </a:r>
+            <a:endParaRPr lang="en-US" dirty="0"/>
+          </a:p>
+        </p:txBody>
+      </p:sp>
+      <p:sp>
+        <p:nvSpPr>
+          <p:cNvPr id="3" name="Content Placeholder 2"/>
+          <p:cNvSpPr>
+            <a:spLocks noGrp="1"/>
+          </p:cNvSpPr>
+          <p:nvPr>
+            <p:ph idx="1"/>
+          </p:nvPr>
+        </p:nvSpPr>
+        <p:spPr>
+          <a:xfrm>
+            <a:off x="4800600" y="731520"/>
+            <a:ext cx="6492240" cy="5257800"/>
+          </a:xfrm>
+        </p:spPr>
+        <p:txBody>
+          <a:bodyPr/>
+          <a:lstStyle/>
+          <a:p>
+            <a:pPr lvl="0"/>
+            <a:r>
+              <a:rPr lang="en-US"/>
+              <a:t>Click to edit Master text styles</a:t>
+            </a:r>
+          </a:p>
+          <a:p>
+            <a:pPr lvl="1"/>
+            <a:r>
+              <a:rPr lang="en-US"/>
+              <a:t>Second level</a:t>
+            </a:r>
+          </a:p>
+          <a:p>
+            <a:pPr lvl="2"/>
+            <a:r>
+              <a:rPr lang="en-US"/>
+              <a:t>Third level</a:t>
+            </a:r>
+          </a:p>
+          <a:p>
+            <a:pPr lvl="3"/>
+            <a:r>
+              <a:rPr lang="en-US"/>
+              <a:t>Fourth level</a:t>
+            </a:r>
+          </a:p>
+          <a:p>
+            <a:pPr lvl="4"/>
+            <a:r>
+              <a:rPr lang="en-US"/>
+              <a:t>Fifth level</a:t>
+            </a:r>
+            <a:endParaRPr lang="en-US" dirty="0"/>
+          </a:p>
+        </p:txBody>
+      </p:sp>
+      <p:sp>
+        <p:nvSpPr>
+          <p:cNvPr id="4" name="Text Placeholder 3"/>
+          <p:cNvSpPr>
+            <a:spLocks noGrp="1"/>
+          </p:cNvSpPr>
+          <p:nvPr>
+            <p:ph type="body" sz="half" idx="2"/>
+          </p:nvPr>
+        </p:nvSpPr>
+        <p:spPr>
+          <a:xfrm>
+            <a:off x="457200" y="2926080"/>
+            <a:ext cx="3200400" cy="3379124"/>
+          </a:xfrm>
+        </p:spPr>
+        <p:txBody>
+          <a:bodyPr lIns="91440" rIns="91440">
+            <a:normAutofit/>
+          </a:bodyPr>
+          <a:lstStyle>
+            <a:lvl1pPr marL="0" indent="0">
+              <a:buNone/>
+              <a:defRPr sz="1500">
+                <a:solidFill>
+                  <a:srgbClr val="FFFFFF"/>
+                </a:solidFill>
+              </a:defRPr>
+            </a:lvl1pPr>
+            <a:lvl2pPr marL="457200" indent="0">
+              <a:buNone/>
+              <a:defRPr sz="1200"/>
+            </a:lvl2pPr>
+            <a:lvl3pPr marL="914400" indent="0">
+              <a:buNone/>
+              <a:defRPr sz="1000"/>
+            </a:lvl3pPr>
+            <a:lvl4pPr marL="1371600" indent="0">
+              <a:buNone/>
+              <a:defRPr sz="900"/>
+            </a:lvl4pPr>
+            <a:lvl5pPr marL="1828800" indent="0">
+              <a:buNone/>
+              <a:defRPr sz="900"/>
+            </a:lvl5pPr>
+            <a:lvl6pPr marL="2286000" indent="0">
+              <a:buNone/>
+              <a:defRPr sz="900"/>
+            </a:lvl6pPr>
+            <a:lvl7pPr marL="2743200" indent="0">
+              <a:buNone/>
+              <a:defRPr sz="900"/>
+            </a:lvl7pPr>
+            <a:lvl8pPr marL="3200400" indent="0">
+              <a:buNone/>
+              <a:defRPr sz="900"/>
+            </a:lvl8pPr>
+            <a:lvl9pPr marL="3657600" indent="0">
+              <a:buNone/>
+              <a:defRPr sz="900"/>
+            </a:lvl9pPr>
+          </a:lstStyle>
+          <a:p>
+            <a:pPr lvl="0"/>
+            <a:r>
+              <a:rPr lang="en-US"/>
+              <a:t>Click to edit Master text styles</a:t>
+            </a:r>
+          </a:p>
+        </p:txBody>
+      </p:sp>
+      <p:sp>
+        <p:nvSpPr>
+          <p:cNvPr id="5" name="Date Placeholder 4"/>
+          <p:cNvSpPr>
+            <a:spLocks noGrp="1"/>
+          </p:cNvSpPr>
+          <p:nvPr>
+            <p:ph type="dt" sz="half" idx="10"/>
+          </p:nvPr>
+        </p:nvSpPr>
+        <p:spPr>
+          <a:xfrm>
+            <a:off x="465512" y="6459785"/>
+            <a:ext cx="2618510" cy="365125"/>
+          </a:xfrm>
+        </p:spPr>
+        <p:txBody>
+          <a:bodyPr/>
+          <a:lstStyle>
+            <a:lvl1pPr algn="l">
+              <a:defRPr/>
+            </a:lvl1pPr>
+          </a:lstStyle>
+          <a:p>
+            <a:fld id="{1CB717E5-9235-41CC-9A32-32BA046779B7}" type="datetimeFigureOut">
+              <a:rPr lang="en-US" smtClean="0"/>
+              <a:t>4/28/2021</a:t>
+            </a:fld>
+            <a:endParaRPr lang="en-US"/>
+          </a:p>
+        </p:txBody>
+      </p:sp>
+      <p:sp>
+        <p:nvSpPr>
+          <p:cNvPr id="6" name="Footer Placeholder 5"/>
+          <p:cNvSpPr>
+            <a:spLocks noGrp="1"/>
+          </p:cNvSpPr>
+          <p:nvPr>
+            <p:ph type="ftr" sz="quarter" idx="11"/>
+          </p:nvPr>
+        </p:nvSpPr>
+        <p:spPr>
+          <a:xfrm>
+            <a:off x="4800600" y="6459785"/>
+            <a:ext cx="4648200" cy="365125"/>
+          </a:xfrm>
+        </p:spPr>
+        <p:txBody>
+          <a:bodyPr/>
+          <a:lstStyle>
+            <a:lvl1pPr algn="l">
+              <a:defRPr>
+                <a:solidFill>
+                  <a:schemeClr val="tx2"/>
+                </a:solidFill>
+              </a:defRPr>
+            </a:lvl1pPr>
+          </a:lstStyle>
+          <a:p>
+            <a:endParaRPr lang="en-US"/>
+          </a:p>
+        </p:txBody>
+      </p:sp>
+      <p:sp>
+        <p:nvSpPr>
+          <p:cNvPr id="7" name="Slide Number Placeholder 6"/>
+          <p:cNvSpPr>
+            <a:spLocks noGrp="1"/>
+          </p:cNvSpPr>
+          <p:nvPr>
+            <p:ph type="sldNum" sz="quarter" idx="12"/>
+          </p:nvPr>
+        </p:nvSpPr>
+        <p:spPr/>
+        <p:txBody>
+          <a:bodyPr/>
+          <a:lstStyle>
+            <a:lvl1pPr>
+              <a:defRPr>
+                <a:solidFill>
+                  <a:schemeClr val="tx2"/>
+                </a:solidFill>
+              </a:defRPr>
+            </a:lvl1pPr>
+          </a:lstStyle>
+          <a:p>
+            <a:fld id="{4A626117-4F09-49DA-B9BA-586EB2C1604B}" type="slidenum">
+              <a:rPr lang="en-US" smtClean="0"/>
+              <a:t>‹#›</a:t>
+            </a:fld>
+            <a:endParaRPr lang="en-US"/>
+          </a:p>
+        </p:txBody>
+      </p:sp>
+    </p:spTree>
+    <p:extLst>
+      <p:ext uri="{BB962C8B-B14F-4D97-AF65-F5344CB8AC3E}">
+        <p14:creationId xmlns:p14="http://schemas.microsoft.com/office/powerpoint/2010/main" val="132835096"/>
+      </p:ext>
+    </p:extLst>
+  </p:cSld>
+  <p:clrMapOvr>
+    <a:masterClrMapping/>
+  </p:clrMapOvr>
+</p:sldLayout>
+</file>
+
 <file path=ppt/slideLayouts/slideLayout2.xml><?xml version="1.0" encoding="utf-8"?>
 <p:sldLayout xmlns:a="http://schemas.openxmlformats.org/drawingml/2006/main" xmlns:r="http://schemas.openxmlformats.org/officeDocument/2006/relationships" xmlns:p="http://schemas.openxmlformats.org/presentationml/2006/main" type="obj" preserve="1">
   <p:cSld name="Title and Content">
@@ -1048,6 +3366,793 @@
     <p:extLst>
       <p:ext uri="{BB962C8B-B14F-4D97-AF65-F5344CB8AC3E}">
         <p14:creationId xmlns:p14="http://schemas.microsoft.com/office/powerpoint/2010/main" val="3158900357"/>
+      </p:ext>
+    </p:extLst>
+  </p:cSld>
+  <p:clrMapOvr>
+    <a:masterClrMapping/>
+  </p:clrMapOvr>
+</p:sldLayout>
+</file>
+
+<file path=ppt/slideLayouts/slideLayout20.xml><?xml version="1.0" encoding="utf-8"?>
+<p:sldLayout xmlns:a="http://schemas.openxmlformats.org/drawingml/2006/main" xmlns:r="http://schemas.openxmlformats.org/officeDocument/2006/relationships" xmlns:p="http://schemas.openxmlformats.org/presentationml/2006/main" showMasterSp="0" type="picTx" preserve="1">
+  <p:cSld name="Picture with Caption">
+    <p:spTree>
+      <p:nvGrpSpPr>
+        <p:cNvPr id="1" name=""/>
+        <p:cNvGrpSpPr/>
+        <p:nvPr/>
+      </p:nvGrpSpPr>
+      <p:grpSpPr>
+        <a:xfrm>
+          <a:off x="0" y="0"/>
+          <a:ext cx="0" cy="0"/>
+          <a:chOff x="0" y="0"/>
+          <a:chExt cx="0" cy="0"/>
+        </a:xfrm>
+      </p:grpSpPr>
+      <p:sp>
+        <p:nvSpPr>
+          <p:cNvPr id="8" name="Rectangle 7"/>
+          <p:cNvSpPr/>
+          <p:nvPr/>
+        </p:nvSpPr>
+        <p:spPr>
+          <a:xfrm>
+            <a:off x="0" y="4953000"/>
+            <a:ext cx="12188825" cy="1905000"/>
+          </a:xfrm>
+          <a:prstGeom prst="rect">
+            <a:avLst/>
+          </a:prstGeom>
+          <a:solidFill>
+            <a:schemeClr val="accent2"/>
+          </a:solidFill>
+          <a:ln>
+            <a:noFill/>
+          </a:ln>
+        </p:spPr>
+        <p:style>
+          <a:lnRef idx="2">
+            <a:schemeClr val="accent1">
+              <a:shade val="50000"/>
+            </a:schemeClr>
+          </a:lnRef>
+          <a:fillRef idx="1">
+            <a:schemeClr val="accent1"/>
+          </a:fillRef>
+          <a:effectRef idx="0">
+            <a:schemeClr val="accent1"/>
+          </a:effectRef>
+          <a:fontRef idx="minor">
+            <a:schemeClr val="lt1"/>
+          </a:fontRef>
+        </p:style>
+      </p:sp>
+      <p:sp>
+        <p:nvSpPr>
+          <p:cNvPr id="9" name="Rectangle 8"/>
+          <p:cNvSpPr/>
+          <p:nvPr/>
+        </p:nvSpPr>
+        <p:spPr>
+          <a:xfrm>
+            <a:off x="15" y="4915076"/>
+            <a:ext cx="12188825" cy="64008"/>
+          </a:xfrm>
+          <a:prstGeom prst="rect">
+            <a:avLst/>
+          </a:prstGeom>
+          <a:solidFill>
+            <a:schemeClr val="accent1"/>
+          </a:solidFill>
+          <a:ln>
+            <a:noFill/>
+          </a:ln>
+        </p:spPr>
+        <p:style>
+          <a:lnRef idx="2">
+            <a:schemeClr val="accent1">
+              <a:shade val="50000"/>
+            </a:schemeClr>
+          </a:lnRef>
+          <a:fillRef idx="1">
+            <a:schemeClr val="accent1"/>
+          </a:fillRef>
+          <a:effectRef idx="0">
+            <a:schemeClr val="accent1"/>
+          </a:effectRef>
+          <a:fontRef idx="minor">
+            <a:schemeClr val="lt1"/>
+          </a:fontRef>
+        </p:style>
+      </p:sp>
+      <p:sp>
+        <p:nvSpPr>
+          <p:cNvPr id="2" name="Title 1"/>
+          <p:cNvSpPr>
+            <a:spLocks noGrp="1"/>
+          </p:cNvSpPr>
+          <p:nvPr>
+            <p:ph type="title"/>
+          </p:nvPr>
+        </p:nvSpPr>
+        <p:spPr>
+          <a:xfrm>
+            <a:off x="1097280" y="5074920"/>
+            <a:ext cx="10113264" cy="822960"/>
+          </a:xfrm>
+        </p:spPr>
+        <p:txBody>
+          <a:bodyPr lIns="91440" tIns="0" rIns="91440" bIns="0" anchor="b">
+            <a:noAutofit/>
+          </a:bodyPr>
+          <a:lstStyle>
+            <a:lvl1pPr>
+              <a:defRPr sz="3600" b="0">
+                <a:solidFill>
+                  <a:srgbClr val="FFFFFF"/>
+                </a:solidFill>
+              </a:defRPr>
+            </a:lvl1pPr>
+          </a:lstStyle>
+          <a:p>
+            <a:r>
+              <a:rPr lang="en-US"/>
+              <a:t>Click to edit Master title style</a:t>
+            </a:r>
+            <a:endParaRPr lang="en-US" dirty="0"/>
+          </a:p>
+        </p:txBody>
+      </p:sp>
+      <p:sp>
+        <p:nvSpPr>
+          <p:cNvPr id="3" name="Picture Placeholder 2"/>
+          <p:cNvSpPr>
+            <a:spLocks noGrp="1" noChangeAspect="1"/>
+          </p:cNvSpPr>
+          <p:nvPr>
+            <p:ph type="pic" idx="1"/>
+          </p:nvPr>
+        </p:nvSpPr>
+        <p:spPr>
+          <a:xfrm>
+            <a:off x="15" y="0"/>
+            <a:ext cx="12191985" cy="4915076"/>
+          </a:xfrm>
+          <a:blipFill>
+            <a:blip r:embed="rId2"/>
+            <a:stretch>
+              <a:fillRect/>
+            </a:stretch>
+          </a:blipFill>
+        </p:spPr>
+        <p:txBody>
+          <a:bodyPr lIns="457200" tIns="457200" anchor="t"/>
+          <a:lstStyle>
+            <a:lvl1pPr marL="0" indent="0">
+              <a:buNone/>
+              <a:defRPr sz="3200">
+                <a:solidFill>
+                  <a:schemeClr val="bg1"/>
+                </a:solidFill>
+              </a:defRPr>
+            </a:lvl1pPr>
+            <a:lvl2pPr marL="457200" indent="0">
+              <a:buNone/>
+              <a:defRPr sz="2800"/>
+            </a:lvl2pPr>
+            <a:lvl3pPr marL="914400" indent="0">
+              <a:buNone/>
+              <a:defRPr sz="2400"/>
+            </a:lvl3pPr>
+            <a:lvl4pPr marL="1371600" indent="0">
+              <a:buNone/>
+              <a:defRPr sz="2000"/>
+            </a:lvl4pPr>
+            <a:lvl5pPr marL="1828800" indent="0">
+              <a:buNone/>
+              <a:defRPr sz="2000"/>
+            </a:lvl5pPr>
+            <a:lvl6pPr marL="2286000" indent="0">
+              <a:buNone/>
+              <a:defRPr sz="2000"/>
+            </a:lvl6pPr>
+            <a:lvl7pPr marL="2743200" indent="0">
+              <a:buNone/>
+              <a:defRPr sz="2000"/>
+            </a:lvl7pPr>
+            <a:lvl8pPr marL="3200400" indent="0">
+              <a:buNone/>
+              <a:defRPr sz="2000"/>
+            </a:lvl8pPr>
+            <a:lvl9pPr marL="3657600" indent="0">
+              <a:buNone/>
+              <a:defRPr sz="2000"/>
+            </a:lvl9pPr>
+          </a:lstStyle>
+          <a:p>
+            <a:r>
+              <a:rPr lang="en-US"/>
+              <a:t>Click icon to add picture</a:t>
+            </a:r>
+            <a:endParaRPr lang="en-US" dirty="0"/>
+          </a:p>
+        </p:txBody>
+      </p:sp>
+      <p:sp>
+        <p:nvSpPr>
+          <p:cNvPr id="4" name="Text Placeholder 3"/>
+          <p:cNvSpPr>
+            <a:spLocks noGrp="1"/>
+          </p:cNvSpPr>
+          <p:nvPr>
+            <p:ph type="body" sz="half" idx="2"/>
+          </p:nvPr>
+        </p:nvSpPr>
+        <p:spPr>
+          <a:xfrm>
+            <a:off x="1097280" y="5907023"/>
+            <a:ext cx="10113264" cy="594360"/>
+          </a:xfrm>
+        </p:spPr>
+        <p:txBody>
+          <a:bodyPr lIns="91440" tIns="0" rIns="91440" bIns="0">
+            <a:normAutofit/>
+          </a:bodyPr>
+          <a:lstStyle>
+            <a:lvl1pPr marL="0" indent="0">
+              <a:spcBef>
+                <a:spcPts val="0"/>
+              </a:spcBef>
+              <a:spcAft>
+                <a:spcPts val="600"/>
+              </a:spcAft>
+              <a:buNone/>
+              <a:defRPr sz="1500">
+                <a:solidFill>
+                  <a:srgbClr val="FFFFFF"/>
+                </a:solidFill>
+              </a:defRPr>
+            </a:lvl1pPr>
+            <a:lvl2pPr marL="457200" indent="0">
+              <a:buNone/>
+              <a:defRPr sz="1200"/>
+            </a:lvl2pPr>
+            <a:lvl3pPr marL="914400" indent="0">
+              <a:buNone/>
+              <a:defRPr sz="1000"/>
+            </a:lvl3pPr>
+            <a:lvl4pPr marL="1371600" indent="0">
+              <a:buNone/>
+              <a:defRPr sz="900"/>
+            </a:lvl4pPr>
+            <a:lvl5pPr marL="1828800" indent="0">
+              <a:buNone/>
+              <a:defRPr sz="900"/>
+            </a:lvl5pPr>
+            <a:lvl6pPr marL="2286000" indent="0">
+              <a:buNone/>
+              <a:defRPr sz="900"/>
+            </a:lvl6pPr>
+            <a:lvl7pPr marL="2743200" indent="0">
+              <a:buNone/>
+              <a:defRPr sz="900"/>
+            </a:lvl7pPr>
+            <a:lvl8pPr marL="3200400" indent="0">
+              <a:buNone/>
+              <a:defRPr sz="900"/>
+            </a:lvl8pPr>
+            <a:lvl9pPr marL="3657600" indent="0">
+              <a:buNone/>
+              <a:defRPr sz="900"/>
+            </a:lvl9pPr>
+          </a:lstStyle>
+          <a:p>
+            <a:pPr lvl="0"/>
+            <a:r>
+              <a:rPr lang="en-US"/>
+              <a:t>Click to edit Master text styles</a:t>
+            </a:r>
+          </a:p>
+        </p:txBody>
+      </p:sp>
+      <p:sp>
+        <p:nvSpPr>
+          <p:cNvPr id="5" name="Date Placeholder 4"/>
+          <p:cNvSpPr>
+            <a:spLocks noGrp="1"/>
+          </p:cNvSpPr>
+          <p:nvPr>
+            <p:ph type="dt" sz="half" idx="10"/>
+          </p:nvPr>
+        </p:nvSpPr>
+        <p:spPr/>
+        <p:txBody>
+          <a:bodyPr/>
+          <a:lstStyle/>
+          <a:p>
+            <a:fld id="{1CB717E5-9235-41CC-9A32-32BA046779B7}" type="datetimeFigureOut">
+              <a:rPr lang="en-US" smtClean="0"/>
+              <a:t>4/28/2021</a:t>
+            </a:fld>
+            <a:endParaRPr lang="en-US"/>
+          </a:p>
+        </p:txBody>
+      </p:sp>
+      <p:sp>
+        <p:nvSpPr>
+          <p:cNvPr id="6" name="Footer Placeholder 5"/>
+          <p:cNvSpPr>
+            <a:spLocks noGrp="1"/>
+          </p:cNvSpPr>
+          <p:nvPr>
+            <p:ph type="ftr" sz="quarter" idx="11"/>
+          </p:nvPr>
+        </p:nvSpPr>
+        <p:spPr/>
+        <p:txBody>
+          <a:bodyPr/>
+          <a:lstStyle/>
+          <a:p>
+            <a:endParaRPr lang="en-US"/>
+          </a:p>
+        </p:txBody>
+      </p:sp>
+      <p:sp>
+        <p:nvSpPr>
+          <p:cNvPr id="7" name="Slide Number Placeholder 6"/>
+          <p:cNvSpPr>
+            <a:spLocks noGrp="1"/>
+          </p:cNvSpPr>
+          <p:nvPr>
+            <p:ph type="sldNum" sz="quarter" idx="12"/>
+          </p:nvPr>
+        </p:nvSpPr>
+        <p:spPr/>
+        <p:txBody>
+          <a:bodyPr/>
+          <a:lstStyle/>
+          <a:p>
+            <a:fld id="{4A626117-4F09-49DA-B9BA-586EB2C1604B}" type="slidenum">
+              <a:rPr lang="en-US" smtClean="0"/>
+              <a:t>‹#›</a:t>
+            </a:fld>
+            <a:endParaRPr lang="en-US"/>
+          </a:p>
+        </p:txBody>
+      </p:sp>
+    </p:spTree>
+    <p:extLst>
+      <p:ext uri="{BB962C8B-B14F-4D97-AF65-F5344CB8AC3E}">
+        <p14:creationId xmlns:p14="http://schemas.microsoft.com/office/powerpoint/2010/main" val="2948423426"/>
+      </p:ext>
+    </p:extLst>
+  </p:cSld>
+  <p:clrMapOvr>
+    <a:masterClrMapping/>
+  </p:clrMapOvr>
+</p:sldLayout>
+</file>
+
+<file path=ppt/slideLayouts/slideLayout21.xml><?xml version="1.0" encoding="utf-8"?>
+<p:sldLayout xmlns:a="http://schemas.openxmlformats.org/drawingml/2006/main" xmlns:r="http://schemas.openxmlformats.org/officeDocument/2006/relationships" xmlns:p="http://schemas.openxmlformats.org/presentationml/2006/main" type="vertTx" preserve="1">
+  <p:cSld name="Title and Vertical Text">
+    <p:spTree>
+      <p:nvGrpSpPr>
+        <p:cNvPr id="1" name=""/>
+        <p:cNvGrpSpPr/>
+        <p:nvPr/>
+      </p:nvGrpSpPr>
+      <p:grpSpPr>
+        <a:xfrm>
+          <a:off x="0" y="0"/>
+          <a:ext cx="0" cy="0"/>
+          <a:chOff x="0" y="0"/>
+          <a:chExt cx="0" cy="0"/>
+        </a:xfrm>
+      </p:grpSpPr>
+      <p:sp>
+        <p:nvSpPr>
+          <p:cNvPr id="2" name="Title 1"/>
+          <p:cNvSpPr>
+            <a:spLocks noGrp="1"/>
+          </p:cNvSpPr>
+          <p:nvPr>
+            <p:ph type="title"/>
+          </p:nvPr>
+        </p:nvSpPr>
+        <p:spPr/>
+        <p:txBody>
+          <a:bodyPr/>
+          <a:lstStyle/>
+          <a:p>
+            <a:r>
+              <a:rPr lang="en-US"/>
+              <a:t>Click to edit Master title style</a:t>
+            </a:r>
+            <a:endParaRPr lang="en-US" dirty="0"/>
+          </a:p>
+        </p:txBody>
+      </p:sp>
+      <p:sp>
+        <p:nvSpPr>
+          <p:cNvPr id="3" name="Vertical Text Placeholder 2"/>
+          <p:cNvSpPr>
+            <a:spLocks noGrp="1"/>
+          </p:cNvSpPr>
+          <p:nvPr>
+            <p:ph type="body" orient="vert" idx="1"/>
+          </p:nvPr>
+        </p:nvSpPr>
+        <p:spPr/>
+        <p:txBody>
+          <a:bodyPr vert="eaVert" lIns="45720" tIns="0" rIns="45720" bIns="0"/>
+          <a:lstStyle/>
+          <a:p>
+            <a:pPr lvl="0"/>
+            <a:r>
+              <a:rPr lang="en-US"/>
+              <a:t>Click to edit Master text styles</a:t>
+            </a:r>
+          </a:p>
+          <a:p>
+            <a:pPr lvl="1"/>
+            <a:r>
+              <a:rPr lang="en-US"/>
+              <a:t>Second level</a:t>
+            </a:r>
+          </a:p>
+          <a:p>
+            <a:pPr lvl="2"/>
+            <a:r>
+              <a:rPr lang="en-US"/>
+              <a:t>Third level</a:t>
+            </a:r>
+          </a:p>
+          <a:p>
+            <a:pPr lvl="3"/>
+            <a:r>
+              <a:rPr lang="en-US"/>
+              <a:t>Fourth level</a:t>
+            </a:r>
+          </a:p>
+          <a:p>
+            <a:pPr lvl="4"/>
+            <a:r>
+              <a:rPr lang="en-US"/>
+              <a:t>Fifth level</a:t>
+            </a:r>
+            <a:endParaRPr lang="en-US" dirty="0"/>
+          </a:p>
+        </p:txBody>
+      </p:sp>
+      <p:sp>
+        <p:nvSpPr>
+          <p:cNvPr id="4" name="Date Placeholder 3"/>
+          <p:cNvSpPr>
+            <a:spLocks noGrp="1"/>
+          </p:cNvSpPr>
+          <p:nvPr>
+            <p:ph type="dt" sz="half" idx="10"/>
+          </p:nvPr>
+        </p:nvSpPr>
+        <p:spPr/>
+        <p:txBody>
+          <a:bodyPr/>
+          <a:lstStyle/>
+          <a:p>
+            <a:fld id="{1CB717E5-9235-41CC-9A32-32BA046779B7}" type="datetimeFigureOut">
+              <a:rPr lang="en-US" smtClean="0"/>
+              <a:t>4/28/2021</a:t>
+            </a:fld>
+            <a:endParaRPr lang="en-US"/>
+          </a:p>
+        </p:txBody>
+      </p:sp>
+      <p:sp>
+        <p:nvSpPr>
+          <p:cNvPr id="5" name="Footer Placeholder 4"/>
+          <p:cNvSpPr>
+            <a:spLocks noGrp="1"/>
+          </p:cNvSpPr>
+          <p:nvPr>
+            <p:ph type="ftr" sz="quarter" idx="11"/>
+          </p:nvPr>
+        </p:nvSpPr>
+        <p:spPr/>
+        <p:txBody>
+          <a:bodyPr/>
+          <a:lstStyle/>
+          <a:p>
+            <a:endParaRPr lang="en-US"/>
+          </a:p>
+        </p:txBody>
+      </p:sp>
+      <p:sp>
+        <p:nvSpPr>
+          <p:cNvPr id="6" name="Slide Number Placeholder 5"/>
+          <p:cNvSpPr>
+            <a:spLocks noGrp="1"/>
+          </p:cNvSpPr>
+          <p:nvPr>
+            <p:ph type="sldNum" sz="quarter" idx="12"/>
+          </p:nvPr>
+        </p:nvSpPr>
+        <p:spPr/>
+        <p:txBody>
+          <a:bodyPr/>
+          <a:lstStyle/>
+          <a:p>
+            <a:fld id="{4A626117-4F09-49DA-B9BA-586EB2C1604B}" type="slidenum">
+              <a:rPr lang="en-US" smtClean="0"/>
+              <a:t>‹#›</a:t>
+            </a:fld>
+            <a:endParaRPr lang="en-US"/>
+          </a:p>
+        </p:txBody>
+      </p:sp>
+    </p:spTree>
+    <p:extLst>
+      <p:ext uri="{BB962C8B-B14F-4D97-AF65-F5344CB8AC3E}">
+        <p14:creationId xmlns:p14="http://schemas.microsoft.com/office/powerpoint/2010/main" val="4015124009"/>
+      </p:ext>
+    </p:extLst>
+  </p:cSld>
+  <p:clrMapOvr>
+    <a:masterClrMapping/>
+  </p:clrMapOvr>
+</p:sldLayout>
+</file>
+
+<file path=ppt/slideLayouts/slideLayout22.xml><?xml version="1.0" encoding="utf-8"?>
+<p:sldLayout xmlns:a="http://schemas.openxmlformats.org/drawingml/2006/main" xmlns:r="http://schemas.openxmlformats.org/officeDocument/2006/relationships" xmlns:p="http://schemas.openxmlformats.org/presentationml/2006/main" showMasterSp="0" type="vertTitleAndTx" preserve="1">
+  <p:cSld name="Vertical Title and Text">
+    <p:spTree>
+      <p:nvGrpSpPr>
+        <p:cNvPr id="1" name=""/>
+        <p:cNvGrpSpPr/>
+        <p:nvPr/>
+      </p:nvGrpSpPr>
+      <p:grpSpPr>
+        <a:xfrm>
+          <a:off x="0" y="0"/>
+          <a:ext cx="0" cy="0"/>
+          <a:chOff x="0" y="0"/>
+          <a:chExt cx="0" cy="0"/>
+        </a:xfrm>
+      </p:grpSpPr>
+      <p:sp>
+        <p:nvSpPr>
+          <p:cNvPr id="7" name="Rectangle 6"/>
+          <p:cNvSpPr/>
+          <p:nvPr/>
+        </p:nvSpPr>
+        <p:spPr>
+          <a:xfrm>
+            <a:off x="3175" y="6400800"/>
+            <a:ext cx="12188825" cy="457200"/>
+          </a:xfrm>
+          <a:prstGeom prst="rect">
+            <a:avLst/>
+          </a:prstGeom>
+          <a:solidFill>
+            <a:schemeClr val="accent2"/>
+          </a:solidFill>
+          <a:ln>
+            <a:noFill/>
+          </a:ln>
+        </p:spPr>
+        <p:style>
+          <a:lnRef idx="2">
+            <a:schemeClr val="accent1">
+              <a:shade val="50000"/>
+            </a:schemeClr>
+          </a:lnRef>
+          <a:fillRef idx="1">
+            <a:schemeClr val="accent1"/>
+          </a:fillRef>
+          <a:effectRef idx="0">
+            <a:schemeClr val="accent1"/>
+          </a:effectRef>
+          <a:fontRef idx="minor">
+            <a:schemeClr val="lt1"/>
+          </a:fontRef>
+        </p:style>
+      </p:sp>
+      <p:sp>
+        <p:nvSpPr>
+          <p:cNvPr id="8" name="Rectangle 7"/>
+          <p:cNvSpPr/>
+          <p:nvPr/>
+        </p:nvSpPr>
+        <p:spPr>
+          <a:xfrm>
+            <a:off x="15" y="6334316"/>
+            <a:ext cx="12188825" cy="64008"/>
+          </a:xfrm>
+          <a:prstGeom prst="rect">
+            <a:avLst/>
+          </a:prstGeom>
+          <a:solidFill>
+            <a:schemeClr val="accent1"/>
+          </a:solidFill>
+          <a:ln>
+            <a:noFill/>
+          </a:ln>
+        </p:spPr>
+        <p:style>
+          <a:lnRef idx="2">
+            <a:schemeClr val="accent1">
+              <a:shade val="50000"/>
+            </a:schemeClr>
+          </a:lnRef>
+          <a:fillRef idx="1">
+            <a:schemeClr val="accent1"/>
+          </a:fillRef>
+          <a:effectRef idx="0">
+            <a:schemeClr val="accent1"/>
+          </a:effectRef>
+          <a:fontRef idx="minor">
+            <a:schemeClr val="lt1"/>
+          </a:fontRef>
+        </p:style>
+      </p:sp>
+      <p:sp>
+        <p:nvSpPr>
+          <p:cNvPr id="2" name="Vertical Title 1"/>
+          <p:cNvSpPr>
+            <a:spLocks noGrp="1"/>
+          </p:cNvSpPr>
+          <p:nvPr>
+            <p:ph type="title" orient="vert"/>
+          </p:nvPr>
+        </p:nvSpPr>
+        <p:spPr>
+          <a:xfrm>
+            <a:off x="8724900" y="414778"/>
+            <a:ext cx="2628900" cy="5757421"/>
+          </a:xfrm>
+        </p:spPr>
+        <p:txBody>
+          <a:bodyPr vert="eaVert"/>
+          <a:lstStyle/>
+          <a:p>
+            <a:r>
+              <a:rPr lang="en-US"/>
+              <a:t>Click to edit Master title style</a:t>
+            </a:r>
+            <a:endParaRPr lang="en-US" dirty="0"/>
+          </a:p>
+        </p:txBody>
+      </p:sp>
+      <p:sp>
+        <p:nvSpPr>
+          <p:cNvPr id="3" name="Vertical Text Placeholder 2"/>
+          <p:cNvSpPr>
+            <a:spLocks noGrp="1"/>
+          </p:cNvSpPr>
+          <p:nvPr>
+            <p:ph type="body" orient="vert" idx="1"/>
+          </p:nvPr>
+        </p:nvSpPr>
+        <p:spPr>
+          <a:xfrm>
+            <a:off x="838200" y="414778"/>
+            <a:ext cx="7734300" cy="5757422"/>
+          </a:xfrm>
+        </p:spPr>
+        <p:txBody>
+          <a:bodyPr vert="eaVert" lIns="45720" tIns="0" rIns="45720" bIns="0"/>
+          <a:lstStyle/>
+          <a:p>
+            <a:pPr lvl="0"/>
+            <a:r>
+              <a:rPr lang="en-US"/>
+              <a:t>Click to edit Master text styles</a:t>
+            </a:r>
+          </a:p>
+          <a:p>
+            <a:pPr lvl="1"/>
+            <a:r>
+              <a:rPr lang="en-US"/>
+              <a:t>Second level</a:t>
+            </a:r>
+          </a:p>
+          <a:p>
+            <a:pPr lvl="2"/>
+            <a:r>
+              <a:rPr lang="en-US"/>
+              <a:t>Third level</a:t>
+            </a:r>
+          </a:p>
+          <a:p>
+            <a:pPr lvl="3"/>
+            <a:r>
+              <a:rPr lang="en-US"/>
+              <a:t>Fourth level</a:t>
+            </a:r>
+          </a:p>
+          <a:p>
+            <a:pPr lvl="4"/>
+            <a:r>
+              <a:rPr lang="en-US"/>
+              <a:t>Fifth level</a:t>
+            </a:r>
+            <a:endParaRPr lang="en-US" dirty="0"/>
+          </a:p>
+        </p:txBody>
+      </p:sp>
+      <p:sp>
+        <p:nvSpPr>
+          <p:cNvPr id="4" name="Date Placeholder 3"/>
+          <p:cNvSpPr>
+            <a:spLocks noGrp="1"/>
+          </p:cNvSpPr>
+          <p:nvPr>
+            <p:ph type="dt" sz="half" idx="10"/>
+          </p:nvPr>
+        </p:nvSpPr>
+        <p:spPr/>
+        <p:txBody>
+          <a:bodyPr/>
+          <a:lstStyle/>
+          <a:p>
+            <a:fld id="{1CB717E5-9235-41CC-9A32-32BA046779B7}" type="datetimeFigureOut">
+              <a:rPr lang="en-US" smtClean="0"/>
+              <a:t>4/28/2021</a:t>
+            </a:fld>
+            <a:endParaRPr lang="en-US"/>
+          </a:p>
+        </p:txBody>
+      </p:sp>
+      <p:sp>
+        <p:nvSpPr>
+          <p:cNvPr id="5" name="Footer Placeholder 4"/>
+          <p:cNvSpPr>
+            <a:spLocks noGrp="1"/>
+          </p:cNvSpPr>
+          <p:nvPr>
+            <p:ph type="ftr" sz="quarter" idx="11"/>
+          </p:nvPr>
+        </p:nvSpPr>
+        <p:spPr/>
+        <p:txBody>
+          <a:bodyPr/>
+          <a:lstStyle/>
+          <a:p>
+            <a:endParaRPr lang="en-US"/>
+          </a:p>
+        </p:txBody>
+      </p:sp>
+      <p:sp>
+        <p:nvSpPr>
+          <p:cNvPr id="6" name="Slide Number Placeholder 5"/>
+          <p:cNvSpPr>
+            <a:spLocks noGrp="1"/>
+          </p:cNvSpPr>
+          <p:nvPr>
+            <p:ph type="sldNum" sz="quarter" idx="12"/>
+          </p:nvPr>
+        </p:nvSpPr>
+        <p:spPr/>
+        <p:txBody>
+          <a:bodyPr/>
+          <a:lstStyle/>
+          <a:p>
+            <a:fld id="{4A626117-4F09-49DA-B9BA-586EB2C1604B}" type="slidenum">
+              <a:rPr lang="en-US" smtClean="0"/>
+              <a:t>‹#›</a:t>
+            </a:fld>
+            <a:endParaRPr lang="en-US"/>
+          </a:p>
+        </p:txBody>
+      </p:sp>
+    </p:spTree>
+    <p:extLst>
+      <p:ext uri="{BB962C8B-B14F-4D97-AF65-F5344CB8AC3E}">
+        <p14:creationId xmlns:p14="http://schemas.microsoft.com/office/powerpoint/2010/main" val="2409467782"/>
       </p:ext>
     </p:extLst>
   </p:cSld>
@@ -3430,6 +6535,739 @@
 </p:sldMaster>
 </file>
 
+<file path=ppt/slideMasters/slideMaster2.xml><?xml version="1.0" encoding="utf-8"?>
+<p:sldMaster xmlns:a="http://schemas.openxmlformats.org/drawingml/2006/main" xmlns:r="http://schemas.openxmlformats.org/officeDocument/2006/relationships" xmlns:p="http://schemas.openxmlformats.org/presentationml/2006/main">
+  <p:cSld>
+    <p:bg>
+      <p:bgRef idx="1001">
+        <a:schemeClr val="bg1"/>
+      </p:bgRef>
+    </p:bg>
+    <p:spTree>
+      <p:nvGrpSpPr>
+        <p:cNvPr id="1" name=""/>
+        <p:cNvGrpSpPr/>
+        <p:nvPr/>
+      </p:nvGrpSpPr>
+      <p:grpSpPr>
+        <a:xfrm>
+          <a:off x="0" y="0"/>
+          <a:ext cx="0" cy="0"/>
+          <a:chOff x="0" y="0"/>
+          <a:chExt cx="0" cy="0"/>
+        </a:xfrm>
+      </p:grpSpPr>
+      <p:sp>
+        <p:nvSpPr>
+          <p:cNvPr id="7" name="Rectangle 6"/>
+          <p:cNvSpPr/>
+          <p:nvPr/>
+        </p:nvSpPr>
+        <p:spPr>
+          <a:xfrm>
+            <a:off x="1" y="6400800"/>
+            <a:ext cx="12192000" cy="457200"/>
+          </a:xfrm>
+          <a:prstGeom prst="rect">
+            <a:avLst/>
+          </a:prstGeom>
+          <a:solidFill>
+            <a:schemeClr val="accent2"/>
+          </a:solidFill>
+          <a:ln>
+            <a:noFill/>
+          </a:ln>
+        </p:spPr>
+        <p:style>
+          <a:lnRef idx="2">
+            <a:schemeClr val="accent1">
+              <a:shade val="50000"/>
+            </a:schemeClr>
+          </a:lnRef>
+          <a:fillRef idx="1">
+            <a:schemeClr val="accent1"/>
+          </a:fillRef>
+          <a:effectRef idx="0">
+            <a:schemeClr val="accent1"/>
+          </a:effectRef>
+          <a:fontRef idx="minor">
+            <a:schemeClr val="lt1"/>
+          </a:fontRef>
+        </p:style>
+      </p:sp>
+      <p:sp>
+        <p:nvSpPr>
+          <p:cNvPr id="9" name="Rectangle 8"/>
+          <p:cNvSpPr/>
+          <p:nvPr/>
+        </p:nvSpPr>
+        <p:spPr>
+          <a:xfrm>
+            <a:off x="0" y="6334316"/>
+            <a:ext cx="12192001" cy="65998"/>
+          </a:xfrm>
+          <a:prstGeom prst="rect">
+            <a:avLst/>
+          </a:prstGeom>
+          <a:solidFill>
+            <a:schemeClr val="accent1"/>
+          </a:solidFill>
+          <a:ln>
+            <a:noFill/>
+          </a:ln>
+        </p:spPr>
+        <p:style>
+          <a:lnRef idx="2">
+            <a:schemeClr val="accent1">
+              <a:shade val="50000"/>
+            </a:schemeClr>
+          </a:lnRef>
+          <a:fillRef idx="1">
+            <a:schemeClr val="accent1"/>
+          </a:fillRef>
+          <a:effectRef idx="0">
+            <a:schemeClr val="accent1"/>
+          </a:effectRef>
+          <a:fontRef idx="minor">
+            <a:schemeClr val="lt1"/>
+          </a:fontRef>
+        </p:style>
+      </p:sp>
+      <p:sp>
+        <p:nvSpPr>
+          <p:cNvPr id="2" name="Title Placeholder 1"/>
+          <p:cNvSpPr>
+            <a:spLocks noGrp="1"/>
+          </p:cNvSpPr>
+          <p:nvPr>
+            <p:ph type="title"/>
+          </p:nvPr>
+        </p:nvSpPr>
+        <p:spPr>
+          <a:xfrm>
+            <a:off x="1097280" y="286603"/>
+            <a:ext cx="10058400" cy="1450757"/>
+          </a:xfrm>
+          <a:prstGeom prst="rect">
+            <a:avLst/>
+          </a:prstGeom>
+        </p:spPr>
+        <p:txBody>
+          <a:bodyPr vert="horz" lIns="91440" tIns="45720" rIns="91440" bIns="45720" rtlCol="0" anchor="b">
+            <a:normAutofit/>
+          </a:bodyPr>
+          <a:lstStyle/>
+          <a:p>
+            <a:r>
+              <a:rPr lang="en-US"/>
+              <a:t>Click to edit Master title style</a:t>
+            </a:r>
+            <a:endParaRPr lang="en-US" dirty="0"/>
+          </a:p>
+        </p:txBody>
+      </p:sp>
+      <p:sp>
+        <p:nvSpPr>
+          <p:cNvPr id="3" name="Text Placeholder 2"/>
+          <p:cNvSpPr>
+            <a:spLocks noGrp="1"/>
+          </p:cNvSpPr>
+          <p:nvPr>
+            <p:ph type="body" idx="1"/>
+          </p:nvPr>
+        </p:nvSpPr>
+        <p:spPr>
+          <a:xfrm>
+            <a:off x="1097280" y="1845734"/>
+            <a:ext cx="10058400" cy="4023360"/>
+          </a:xfrm>
+          <a:prstGeom prst="rect">
+            <a:avLst/>
+          </a:prstGeom>
+        </p:spPr>
+        <p:txBody>
+          <a:bodyPr vert="horz" lIns="0" tIns="45720" rIns="0" bIns="45720" rtlCol="0">
+            <a:normAutofit/>
+          </a:bodyPr>
+          <a:lstStyle/>
+          <a:p>
+            <a:pPr lvl="0"/>
+            <a:r>
+              <a:rPr lang="en-US"/>
+              <a:t>Click to edit Master text styles</a:t>
+            </a:r>
+          </a:p>
+          <a:p>
+            <a:pPr lvl="1"/>
+            <a:r>
+              <a:rPr lang="en-US"/>
+              <a:t>Second level</a:t>
+            </a:r>
+          </a:p>
+          <a:p>
+            <a:pPr lvl="2"/>
+            <a:r>
+              <a:rPr lang="en-US"/>
+              <a:t>Third level</a:t>
+            </a:r>
+          </a:p>
+          <a:p>
+            <a:pPr lvl="3"/>
+            <a:r>
+              <a:rPr lang="en-US"/>
+              <a:t>Fourth level</a:t>
+            </a:r>
+          </a:p>
+          <a:p>
+            <a:pPr lvl="4"/>
+            <a:r>
+              <a:rPr lang="en-US"/>
+              <a:t>Fifth level</a:t>
+            </a:r>
+            <a:endParaRPr lang="en-US" dirty="0"/>
+          </a:p>
+        </p:txBody>
+      </p:sp>
+      <p:sp>
+        <p:nvSpPr>
+          <p:cNvPr id="4" name="Date Placeholder 3"/>
+          <p:cNvSpPr>
+            <a:spLocks noGrp="1"/>
+          </p:cNvSpPr>
+          <p:nvPr>
+            <p:ph type="dt" sz="half" idx="2"/>
+          </p:nvPr>
+        </p:nvSpPr>
+        <p:spPr>
+          <a:xfrm>
+            <a:off x="1097280" y="6459785"/>
+            <a:ext cx="2472271" cy="365125"/>
+          </a:xfrm>
+          <a:prstGeom prst="rect">
+            <a:avLst/>
+          </a:prstGeom>
+        </p:spPr>
+        <p:txBody>
+          <a:bodyPr vert="horz" lIns="91440" tIns="45720" rIns="91440" bIns="45720" rtlCol="0" anchor="ctr"/>
+          <a:lstStyle>
+            <a:lvl1pPr algn="l">
+              <a:defRPr sz="900">
+                <a:solidFill>
+                  <a:srgbClr val="FFFFFF"/>
+                </a:solidFill>
+              </a:defRPr>
+            </a:lvl1pPr>
+          </a:lstStyle>
+          <a:p>
+            <a:fld id="{1CB717E5-9235-41CC-9A32-32BA046779B7}" type="datetimeFigureOut">
+              <a:rPr lang="en-US" smtClean="0"/>
+              <a:t>4/28/2021</a:t>
+            </a:fld>
+            <a:endParaRPr lang="en-US"/>
+          </a:p>
+        </p:txBody>
+      </p:sp>
+      <p:sp>
+        <p:nvSpPr>
+          <p:cNvPr id="5" name="Footer Placeholder 4"/>
+          <p:cNvSpPr>
+            <a:spLocks noGrp="1"/>
+          </p:cNvSpPr>
+          <p:nvPr>
+            <p:ph type="ftr" sz="quarter" idx="3"/>
+          </p:nvPr>
+        </p:nvSpPr>
+        <p:spPr>
+          <a:xfrm>
+            <a:off x="3686185" y="6459785"/>
+            <a:ext cx="4822804" cy="365125"/>
+          </a:xfrm>
+          <a:prstGeom prst="rect">
+            <a:avLst/>
+          </a:prstGeom>
+        </p:spPr>
+        <p:txBody>
+          <a:bodyPr vert="horz" lIns="91440" tIns="45720" rIns="91440" bIns="45720" rtlCol="0" anchor="ctr"/>
+          <a:lstStyle>
+            <a:lvl1pPr algn="ctr">
+              <a:defRPr sz="900" cap="all" baseline="0">
+                <a:solidFill>
+                  <a:srgbClr val="FFFFFF"/>
+                </a:solidFill>
+              </a:defRPr>
+            </a:lvl1pPr>
+          </a:lstStyle>
+          <a:p>
+            <a:endParaRPr lang="en-US"/>
+          </a:p>
+        </p:txBody>
+      </p:sp>
+      <p:sp>
+        <p:nvSpPr>
+          <p:cNvPr id="6" name="Slide Number Placeholder 5"/>
+          <p:cNvSpPr>
+            <a:spLocks noGrp="1"/>
+          </p:cNvSpPr>
+          <p:nvPr>
+            <p:ph type="sldNum" sz="quarter" idx="4"/>
+          </p:nvPr>
+        </p:nvSpPr>
+        <p:spPr>
+          <a:xfrm>
+            <a:off x="9900458" y="6459785"/>
+            <a:ext cx="1312025" cy="365125"/>
+          </a:xfrm>
+          <a:prstGeom prst="rect">
+            <a:avLst/>
+          </a:prstGeom>
+        </p:spPr>
+        <p:txBody>
+          <a:bodyPr vert="horz" lIns="91440" tIns="45720" rIns="91440" bIns="45720" rtlCol="0" anchor="ctr"/>
+          <a:lstStyle>
+            <a:lvl1pPr algn="r">
+              <a:defRPr sz="1050">
+                <a:solidFill>
+                  <a:srgbClr val="FFFFFF"/>
+                </a:solidFill>
+              </a:defRPr>
+            </a:lvl1pPr>
+          </a:lstStyle>
+          <a:p>
+            <a:fld id="{4A626117-4F09-49DA-B9BA-586EB2C1604B}" type="slidenum">
+              <a:rPr lang="en-US" smtClean="0"/>
+              <a:t>‹#›</a:t>
+            </a:fld>
+            <a:endParaRPr lang="en-US"/>
+          </a:p>
+        </p:txBody>
+      </p:sp>
+      <p:cxnSp>
+        <p:nvCxnSpPr>
+          <p:cNvPr id="10" name="Straight Connector 9"/>
+          <p:cNvCxnSpPr/>
+          <p:nvPr/>
+        </p:nvCxnSpPr>
+        <p:spPr>
+          <a:xfrm>
+            <a:off x="1193532" y="1737845"/>
+            <a:ext cx="9966960" cy="0"/>
+          </a:xfrm>
+          <a:prstGeom prst="line">
+            <a:avLst/>
+          </a:prstGeom>
+          <a:ln w="6350">
+            <a:solidFill>
+              <a:schemeClr val="tx1">
+                <a:lumMod val="50000"/>
+                <a:lumOff val="50000"/>
+              </a:schemeClr>
+            </a:solidFill>
+          </a:ln>
+        </p:spPr>
+        <p:style>
+          <a:lnRef idx="1">
+            <a:schemeClr val="accent1"/>
+          </a:lnRef>
+          <a:fillRef idx="0">
+            <a:schemeClr val="accent1"/>
+          </a:fillRef>
+          <a:effectRef idx="0">
+            <a:schemeClr val="accent1"/>
+          </a:effectRef>
+          <a:fontRef idx="minor">
+            <a:schemeClr val="tx1"/>
+          </a:fontRef>
+        </p:style>
+      </p:cxnSp>
+    </p:spTree>
+    <p:extLst>
+      <p:ext uri="{BB962C8B-B14F-4D97-AF65-F5344CB8AC3E}">
+        <p14:creationId xmlns:p14="http://schemas.microsoft.com/office/powerpoint/2010/main" val="254751102"/>
+      </p:ext>
+    </p:extLst>
+  </p:cSld>
+  <p:clrMap bg1="lt1" tx1="dk1" bg2="lt2" tx2="dk2" accent1="accent1" accent2="accent2" accent3="accent3" accent4="accent4" accent5="accent5" accent6="accent6" hlink="hlink" folHlink="folHlink"/>
+  <p:sldLayoutIdLst>
+    <p:sldLayoutId id="2147483661" r:id="rId1"/>
+    <p:sldLayoutId id="2147483662" r:id="rId2"/>
+    <p:sldLayoutId id="2147483663" r:id="rId3"/>
+    <p:sldLayoutId id="2147483664" r:id="rId4"/>
+    <p:sldLayoutId id="2147483665" r:id="rId5"/>
+    <p:sldLayoutId id="2147483666" r:id="rId6"/>
+    <p:sldLayoutId id="2147483667" r:id="rId7"/>
+    <p:sldLayoutId id="2147483668" r:id="rId8"/>
+    <p:sldLayoutId id="2147483669" r:id="rId9"/>
+    <p:sldLayoutId id="2147483670" r:id="rId10"/>
+    <p:sldLayoutId id="2147483671" r:id="rId11"/>
+  </p:sldLayoutIdLst>
+  <p:txStyles>
+    <p:titleStyle>
+      <a:lvl1pPr algn="l" defTabSz="914400" rtl="0" eaLnBrk="1" latinLnBrk="0" hangingPunct="1">
+        <a:lnSpc>
+          <a:spcPct val="85000"/>
+        </a:lnSpc>
+        <a:spcBef>
+          <a:spcPct val="0"/>
+        </a:spcBef>
+        <a:buNone/>
+        <a:defRPr sz="4800" kern="1200" spc="-50" baseline="0">
+          <a:solidFill>
+            <a:schemeClr val="tx1">
+              <a:lumMod val="75000"/>
+              <a:lumOff val="25000"/>
+            </a:schemeClr>
+          </a:solidFill>
+          <a:latin typeface="+mj-lt"/>
+          <a:ea typeface="+mj-ea"/>
+          <a:cs typeface="+mj-cs"/>
+        </a:defRPr>
+      </a:lvl1pPr>
+    </p:titleStyle>
+    <p:bodyStyle>
+      <a:lvl1pPr marL="91440" indent="-91440" algn="l" defTabSz="914400" rtl="0" eaLnBrk="1" latinLnBrk="0" hangingPunct="1">
+        <a:lnSpc>
+          <a:spcPct val="90000"/>
+        </a:lnSpc>
+        <a:spcBef>
+          <a:spcPts val="1200"/>
+        </a:spcBef>
+        <a:spcAft>
+          <a:spcPts val="200"/>
+        </a:spcAft>
+        <a:buClr>
+          <a:schemeClr val="accent1"/>
+        </a:buClr>
+        <a:buSzPct val="100000"/>
+        <a:buFont typeface="Calibri" panose="020F0502020204030204" pitchFamily="34" charset="0"/>
+        <a:buChar char=" "/>
+        <a:defRPr sz="2000" kern="1200">
+          <a:solidFill>
+            <a:schemeClr val="tx1">
+              <a:lumMod val="75000"/>
+              <a:lumOff val="25000"/>
+            </a:schemeClr>
+          </a:solidFill>
+          <a:latin typeface="+mn-lt"/>
+          <a:ea typeface="+mn-ea"/>
+          <a:cs typeface="+mn-cs"/>
+        </a:defRPr>
+      </a:lvl1pPr>
+      <a:lvl2pPr marL="384048" indent="-182880" algn="l" defTabSz="914400" rtl="0" eaLnBrk="1" latinLnBrk="0" hangingPunct="1">
+        <a:lnSpc>
+          <a:spcPct val="90000"/>
+        </a:lnSpc>
+        <a:spcBef>
+          <a:spcPts val="200"/>
+        </a:spcBef>
+        <a:spcAft>
+          <a:spcPts val="400"/>
+        </a:spcAft>
+        <a:buClr>
+          <a:schemeClr val="accent1"/>
+        </a:buClr>
+        <a:buFont typeface="Calibri" pitchFamily="34" charset="0"/>
+        <a:buChar char="◦"/>
+        <a:defRPr sz="1800" kern="1200">
+          <a:solidFill>
+            <a:schemeClr val="tx1">
+              <a:lumMod val="75000"/>
+              <a:lumOff val="25000"/>
+            </a:schemeClr>
+          </a:solidFill>
+          <a:latin typeface="+mn-lt"/>
+          <a:ea typeface="+mn-ea"/>
+          <a:cs typeface="+mn-cs"/>
+        </a:defRPr>
+      </a:lvl2pPr>
+      <a:lvl3pPr marL="566928" indent="-182880" algn="l" defTabSz="914400" rtl="0" eaLnBrk="1" latinLnBrk="0" hangingPunct="1">
+        <a:lnSpc>
+          <a:spcPct val="90000"/>
+        </a:lnSpc>
+        <a:spcBef>
+          <a:spcPts val="200"/>
+        </a:spcBef>
+        <a:spcAft>
+          <a:spcPts val="400"/>
+        </a:spcAft>
+        <a:buClr>
+          <a:schemeClr val="accent1"/>
+        </a:buClr>
+        <a:buFont typeface="Calibri" pitchFamily="34" charset="0"/>
+        <a:buChar char="◦"/>
+        <a:defRPr sz="1400" kern="1200">
+          <a:solidFill>
+            <a:schemeClr val="tx1">
+              <a:lumMod val="75000"/>
+              <a:lumOff val="25000"/>
+            </a:schemeClr>
+          </a:solidFill>
+          <a:latin typeface="+mn-lt"/>
+          <a:ea typeface="+mn-ea"/>
+          <a:cs typeface="+mn-cs"/>
+        </a:defRPr>
+      </a:lvl3pPr>
+      <a:lvl4pPr marL="749808" indent="-182880" algn="l" defTabSz="914400" rtl="0" eaLnBrk="1" latinLnBrk="0" hangingPunct="1">
+        <a:lnSpc>
+          <a:spcPct val="90000"/>
+        </a:lnSpc>
+        <a:spcBef>
+          <a:spcPts val="200"/>
+        </a:spcBef>
+        <a:spcAft>
+          <a:spcPts val="400"/>
+        </a:spcAft>
+        <a:buClr>
+          <a:schemeClr val="accent1"/>
+        </a:buClr>
+        <a:buFont typeface="Calibri" pitchFamily="34" charset="0"/>
+        <a:buChar char="◦"/>
+        <a:defRPr sz="1400" kern="1200">
+          <a:solidFill>
+            <a:schemeClr val="tx1">
+              <a:lumMod val="75000"/>
+              <a:lumOff val="25000"/>
+            </a:schemeClr>
+          </a:solidFill>
+          <a:latin typeface="+mn-lt"/>
+          <a:ea typeface="+mn-ea"/>
+          <a:cs typeface="+mn-cs"/>
+        </a:defRPr>
+      </a:lvl4pPr>
+      <a:lvl5pPr marL="932688" indent="-182880" algn="l" defTabSz="914400" rtl="0" eaLnBrk="1" latinLnBrk="0" hangingPunct="1">
+        <a:lnSpc>
+          <a:spcPct val="90000"/>
+        </a:lnSpc>
+        <a:spcBef>
+          <a:spcPts val="200"/>
+        </a:spcBef>
+        <a:spcAft>
+          <a:spcPts val="400"/>
+        </a:spcAft>
+        <a:buClr>
+          <a:schemeClr val="accent1"/>
+        </a:buClr>
+        <a:buFont typeface="Calibri" pitchFamily="34" charset="0"/>
+        <a:buChar char="◦"/>
+        <a:defRPr sz="1400" kern="1200">
+          <a:solidFill>
+            <a:schemeClr val="tx1">
+              <a:lumMod val="75000"/>
+              <a:lumOff val="25000"/>
+            </a:schemeClr>
+          </a:solidFill>
+          <a:latin typeface="+mn-lt"/>
+          <a:ea typeface="+mn-ea"/>
+          <a:cs typeface="+mn-cs"/>
+        </a:defRPr>
+      </a:lvl5pPr>
+      <a:lvl6pPr marL="1100000" indent="-228600" algn="l" defTabSz="914400" rtl="0" eaLnBrk="1" latinLnBrk="0" hangingPunct="1">
+        <a:lnSpc>
+          <a:spcPct val="90000"/>
+        </a:lnSpc>
+        <a:spcBef>
+          <a:spcPts val="200"/>
+        </a:spcBef>
+        <a:spcAft>
+          <a:spcPts val="400"/>
+        </a:spcAft>
+        <a:buClr>
+          <a:schemeClr val="accent1"/>
+        </a:buClr>
+        <a:buFont typeface="Calibri" pitchFamily="34" charset="0"/>
+        <a:buChar char="◦"/>
+        <a:defRPr sz="1400" kern="1200">
+          <a:solidFill>
+            <a:schemeClr val="tx1">
+              <a:lumMod val="75000"/>
+              <a:lumOff val="25000"/>
+            </a:schemeClr>
+          </a:solidFill>
+          <a:latin typeface="+mn-lt"/>
+          <a:ea typeface="+mn-ea"/>
+          <a:cs typeface="+mn-cs"/>
+        </a:defRPr>
+      </a:lvl6pPr>
+      <a:lvl7pPr marL="1300000" indent="-228600" algn="l" defTabSz="914400" rtl="0" eaLnBrk="1" latinLnBrk="0" hangingPunct="1">
+        <a:lnSpc>
+          <a:spcPct val="90000"/>
+        </a:lnSpc>
+        <a:spcBef>
+          <a:spcPts val="200"/>
+        </a:spcBef>
+        <a:spcAft>
+          <a:spcPts val="400"/>
+        </a:spcAft>
+        <a:buClr>
+          <a:schemeClr val="accent1"/>
+        </a:buClr>
+        <a:buFont typeface="Calibri" pitchFamily="34" charset="0"/>
+        <a:buChar char="◦"/>
+        <a:defRPr sz="1400" kern="1200">
+          <a:solidFill>
+            <a:schemeClr val="tx1">
+              <a:lumMod val="75000"/>
+              <a:lumOff val="25000"/>
+            </a:schemeClr>
+          </a:solidFill>
+          <a:latin typeface="+mn-lt"/>
+          <a:ea typeface="+mn-ea"/>
+          <a:cs typeface="+mn-cs"/>
+        </a:defRPr>
+      </a:lvl7pPr>
+      <a:lvl8pPr marL="1500000" indent="-228600" algn="l" defTabSz="914400" rtl="0" eaLnBrk="1" latinLnBrk="0" hangingPunct="1">
+        <a:lnSpc>
+          <a:spcPct val="90000"/>
+        </a:lnSpc>
+        <a:spcBef>
+          <a:spcPts val="200"/>
+        </a:spcBef>
+        <a:spcAft>
+          <a:spcPts val="400"/>
+        </a:spcAft>
+        <a:buClr>
+          <a:schemeClr val="accent1"/>
+        </a:buClr>
+        <a:buFont typeface="Calibri" pitchFamily="34" charset="0"/>
+        <a:buChar char="◦"/>
+        <a:defRPr sz="1400" kern="1200">
+          <a:solidFill>
+            <a:schemeClr val="tx1">
+              <a:lumMod val="75000"/>
+              <a:lumOff val="25000"/>
+            </a:schemeClr>
+          </a:solidFill>
+          <a:latin typeface="+mn-lt"/>
+          <a:ea typeface="+mn-ea"/>
+          <a:cs typeface="+mn-cs"/>
+        </a:defRPr>
+      </a:lvl8pPr>
+      <a:lvl9pPr marL="1700000" indent="-228600" algn="l" defTabSz="914400" rtl="0" eaLnBrk="1" latinLnBrk="0" hangingPunct="1">
+        <a:lnSpc>
+          <a:spcPct val="90000"/>
+        </a:lnSpc>
+        <a:spcBef>
+          <a:spcPts val="200"/>
+        </a:spcBef>
+        <a:spcAft>
+          <a:spcPts val="400"/>
+        </a:spcAft>
+        <a:buClr>
+          <a:schemeClr val="accent1"/>
+        </a:buClr>
+        <a:buFont typeface="Calibri" pitchFamily="34" charset="0"/>
+        <a:buChar char="◦"/>
+        <a:defRPr sz="1400" kern="1200">
+          <a:solidFill>
+            <a:schemeClr val="tx1">
+              <a:lumMod val="75000"/>
+              <a:lumOff val="25000"/>
+            </a:schemeClr>
+          </a:solidFill>
+          <a:latin typeface="+mn-lt"/>
+          <a:ea typeface="+mn-ea"/>
+          <a:cs typeface="+mn-cs"/>
+        </a:defRPr>
+      </a:lvl9pPr>
+    </p:bodyStyle>
+    <p:otherStyle>
+      <a:defPPr>
+        <a:defRPr lang="en-US"/>
+      </a:defPPr>
+      <a:lvl1pPr marL="0" algn="l" defTabSz="914400" rtl="0" eaLnBrk="1" latinLnBrk="0" hangingPunct="1">
+        <a:defRPr sz="1800" kern="1200">
+          <a:solidFill>
+            <a:schemeClr val="tx1"/>
+          </a:solidFill>
+          <a:latin typeface="+mn-lt"/>
+          <a:ea typeface="+mn-ea"/>
+          <a:cs typeface="+mn-cs"/>
+        </a:defRPr>
+      </a:lvl1pPr>
+      <a:lvl2pPr marL="457200" algn="l" defTabSz="914400" rtl="0" eaLnBrk="1" latinLnBrk="0" hangingPunct="1">
+        <a:defRPr sz="1800" kern="1200">
+          <a:solidFill>
+            <a:schemeClr val="tx1"/>
+          </a:solidFill>
+          <a:latin typeface="+mn-lt"/>
+          <a:ea typeface="+mn-ea"/>
+          <a:cs typeface="+mn-cs"/>
+        </a:defRPr>
+      </a:lvl2pPr>
+      <a:lvl3pPr marL="914400" algn="l" defTabSz="914400" rtl="0" eaLnBrk="1" latinLnBrk="0" hangingPunct="1">
+        <a:defRPr sz="1800" kern="1200">
+          <a:solidFill>
+            <a:schemeClr val="tx1"/>
+          </a:solidFill>
+          <a:latin typeface="+mn-lt"/>
+          <a:ea typeface="+mn-ea"/>
+          <a:cs typeface="+mn-cs"/>
+        </a:defRPr>
+      </a:lvl3pPr>
+      <a:lvl4pPr marL="1371600" algn="l" defTabSz="914400" rtl="0" eaLnBrk="1" latinLnBrk="0" hangingPunct="1">
+        <a:defRPr sz="1800" kern="1200">
+          <a:solidFill>
+            <a:schemeClr val="tx1"/>
+          </a:solidFill>
+          <a:latin typeface="+mn-lt"/>
+          <a:ea typeface="+mn-ea"/>
+          <a:cs typeface="+mn-cs"/>
+        </a:defRPr>
+      </a:lvl4pPr>
+      <a:lvl5pPr marL="1828800" algn="l" defTabSz="914400" rtl="0" eaLnBrk="1" latinLnBrk="0" hangingPunct="1">
+        <a:defRPr sz="1800" kern="1200">
+          <a:solidFill>
+            <a:schemeClr val="tx1"/>
+          </a:solidFill>
+          <a:latin typeface="+mn-lt"/>
+          <a:ea typeface="+mn-ea"/>
+          <a:cs typeface="+mn-cs"/>
+        </a:defRPr>
+      </a:lvl5pPr>
+      <a:lvl6pPr marL="2286000" algn="l" defTabSz="914400" rtl="0" eaLnBrk="1" latinLnBrk="0" hangingPunct="1">
+        <a:defRPr sz="1800" kern="1200">
+          <a:solidFill>
+            <a:schemeClr val="tx1"/>
+          </a:solidFill>
+          <a:latin typeface="+mn-lt"/>
+          <a:ea typeface="+mn-ea"/>
+          <a:cs typeface="+mn-cs"/>
+        </a:defRPr>
+      </a:lvl6pPr>
+      <a:lvl7pPr marL="2743200" algn="l" defTabSz="914400" rtl="0" eaLnBrk="1" latinLnBrk="0" hangingPunct="1">
+        <a:defRPr sz="1800" kern="1200">
+          <a:solidFill>
+            <a:schemeClr val="tx1"/>
+          </a:solidFill>
+          <a:latin typeface="+mn-lt"/>
+          <a:ea typeface="+mn-ea"/>
+          <a:cs typeface="+mn-cs"/>
+        </a:defRPr>
+      </a:lvl7pPr>
+      <a:lvl8pPr marL="3200400" algn="l" defTabSz="914400" rtl="0" eaLnBrk="1" latinLnBrk="0" hangingPunct="1">
+        <a:defRPr sz="1800" kern="1200">
+          <a:solidFill>
+            <a:schemeClr val="tx1"/>
+          </a:solidFill>
+          <a:latin typeface="+mn-lt"/>
+          <a:ea typeface="+mn-ea"/>
+          <a:cs typeface="+mn-cs"/>
+        </a:defRPr>
+      </a:lvl8pPr>
+      <a:lvl9pPr marL="3657600" algn="l" defTabSz="914400" rtl="0" eaLnBrk="1" latinLnBrk="0" hangingPunct="1">
+        <a:defRPr sz="1800" kern="1200">
+          <a:solidFill>
+            <a:schemeClr val="tx1"/>
+          </a:solidFill>
+          <a:latin typeface="+mn-lt"/>
+          <a:ea typeface="+mn-ea"/>
+          <a:cs typeface="+mn-cs"/>
+        </a:defRPr>
+      </a:lvl9pPr>
+    </p:otherStyle>
+  </p:txStyles>
+</p:sldMaster>
+</file>
+
 <file path=ppt/slides/slide1.xml><?xml version="1.0" encoding="utf-8"?>
 <p:sld xmlns:a="http://schemas.openxmlformats.org/drawingml/2006/main" xmlns:r="http://schemas.openxmlformats.org/officeDocument/2006/relationships" xmlns:p="http://schemas.openxmlformats.org/presentationml/2006/main">
   <p:cSld>
@@ -3561,7 +7399,7 @@
           <a:lstStyle/>
           <a:p>
             <a:r>
-              <a:rPr lang="en-US" sz="6000" dirty="0">
+              <a:rPr lang="en-US" sz="6000">
                 <a:solidFill>
                   <a:schemeClr val="bg1"/>
                 </a:solidFill>
@@ -3572,7 +7410,7 @@
             </a:r>
           </a:p>
           <a:p>
-            <a:endParaRPr lang="en-US" sz="6000" dirty="0">
+            <a:endParaRPr lang="en-US" sz="6000">
               <a:solidFill>
                 <a:schemeClr val="bg1"/>
               </a:solidFill>
@@ -3582,7 +7420,7 @@
           </a:p>
           <a:p>
             <a:r>
-              <a:rPr lang="en-US" sz="2400" dirty="0">
+              <a:rPr lang="en-US" sz="2400">
                 <a:solidFill>
                   <a:schemeClr val="bg1"/>
                 </a:solidFill>
@@ -3594,7 +7432,7 @@
           </a:p>
           <a:p>
             <a:r>
-              <a:rPr lang="en-US" sz="2400" dirty="0">
+              <a:rPr lang="en-US" sz="2400">
                 <a:solidFill>
                   <a:schemeClr val="bg1"/>
                 </a:solidFill>
@@ -3606,7 +7444,7 @@
           </a:p>
           <a:p>
             <a:r>
-              <a:rPr lang="en-US" sz="2400" dirty="0">
+              <a:rPr lang="en-US" sz="2400">
                 <a:solidFill>
                   <a:schemeClr val="bg1"/>
                 </a:solidFill>
@@ -3617,7 +7455,7 @@
             </a:r>
           </a:p>
           <a:p>
-            <a:endParaRPr lang="en-US" sz="2400" dirty="0">
+            <a:endParaRPr lang="en-US" sz="2400">
               <a:solidFill>
                 <a:schemeClr val="bg1"/>
               </a:solidFill>
@@ -3626,7 +7464,7 @@
             </a:endParaRPr>
           </a:p>
           <a:p>
-            <a:endParaRPr lang="en-US" sz="2400" dirty="0">
+            <a:endParaRPr lang="en-US" sz="2400">
               <a:solidFill>
                 <a:schemeClr val="bg1"/>
               </a:solidFill>
@@ -3635,7 +7473,7 @@
             </a:endParaRPr>
           </a:p>
           <a:p>
-            <a:endParaRPr lang="en-US" sz="2400" dirty="0">
+            <a:endParaRPr lang="en-US" sz="2400">
               <a:solidFill>
                 <a:schemeClr val="bg1"/>
               </a:solidFill>
@@ -3645,7 +7483,7 @@
           </a:p>
           <a:p>
             <a:r>
-              <a:rPr lang="en-US" sz="2400" dirty="0">
+              <a:rPr lang="en-US" sz="2400">
                 <a:solidFill>
                   <a:schemeClr val="bg1"/>
                 </a:solidFill>
@@ -3709,7 +7547,7 @@
           <a:lstStyle/>
           <a:p>
             <a:r>
-              <a:rPr lang="en-US" dirty="0"/>
+              <a:rPr lang="en-US"/>
               <a:t>The SUT</a:t>
             </a:r>
           </a:p>
@@ -3752,9 +7590,6 @@
               </a:rPr>
               <a:t>Has local and multiplayer options (though not perfect)</a:t>
             </a:r>
-            <a:endParaRPr lang="en-US" dirty="0">
-              <a:cs typeface="Calibri"/>
-            </a:endParaRPr>
           </a:p>
           <a:p>
             <a:r>
@@ -3763,9 +7598,6 @@
               </a:rPr>
               <a:t>Runs from command line</a:t>
             </a:r>
-            <a:endParaRPr lang="en-US" dirty="0">
-              <a:cs typeface="Calibri"/>
-            </a:endParaRPr>
           </a:p>
           <a:p>
             <a:r>
@@ -3783,9 +7615,6 @@
               </a:rPr>
               <a:t>Allows for custom Pokemon team options</a:t>
             </a:r>
-            <a:endParaRPr lang="en-US" dirty="0">
-              <a:cs typeface="Calibri"/>
-            </a:endParaRPr>
           </a:p>
         </p:txBody>
       </p:sp>
@@ -3871,7 +7700,7 @@
           <a:lstStyle/>
           <a:p>
             <a:r>
-              <a:rPr lang="en-US" dirty="0"/>
+              <a:rPr lang="en-US"/>
               <a:t>Types of Testing</a:t>
             </a:r>
           </a:p>
@@ -3899,19 +7728,19 @@
           <a:lstStyle/>
           <a:p>
             <a:r>
-              <a:rPr lang="en-US" dirty="0"/>
+              <a:rPr lang="en-US"/>
               <a:t>Whitebox Testing</a:t>
             </a:r>
           </a:p>
           <a:p>
             <a:r>
-              <a:rPr lang="en-US" dirty="0"/>
+              <a:rPr lang="en-US"/>
               <a:t>Blackbox Testing (user based)</a:t>
             </a:r>
           </a:p>
           <a:p>
             <a:r>
-              <a:rPr lang="en-US" dirty="0"/>
+              <a:rPr lang="en-US"/>
               <a:t>Mock Testing</a:t>
             </a:r>
           </a:p>
@@ -4005,10 +7834,6 @@
               </a:rPr>
               <a:t>Overall 41% on project, ~70% on whitebox-tested classes</a:t>
             </a:r>
-            <a:endParaRPr lang="en-US" dirty="0">
-              <a:ea typeface="+mn-lt"/>
-              <a:cs typeface="+mn-lt"/>
-            </a:endParaRPr>
           </a:p>
           <a:p>
             <a:r>
@@ -4018,10 +7843,6 @@
               </a:rPr>
               <a:t>Reasons for lack of coverage</a:t>
             </a:r>
-            <a:endParaRPr lang="en-US" dirty="0">
-              <a:ea typeface="+mn-lt"/>
-              <a:cs typeface="+mn-lt"/>
-            </a:endParaRPr>
           </a:p>
           <a:p>
             <a:pPr lvl="1"/>
@@ -4040,19 +7861,8 @@
                 <a:ea typeface="+mn-lt"/>
                 <a:cs typeface="+mn-lt"/>
               </a:rPr>
-              <a:t>Some features partly implemented (ex: ultra effective code block</a:t>
-            </a:r>
-            <a:r>
-              <a:rPr lang="en-US" dirty="0">
-                <a:ea typeface="+mn-lt"/>
-                <a:cs typeface="+mn-lt"/>
-              </a:rPr>
-              <a:t>)</a:t>
-            </a:r>
-            <a:endParaRPr lang="en-US">
-              <a:ea typeface="+mn-lt"/>
-              <a:cs typeface="+mn-lt"/>
-            </a:endParaRPr>
+              <a:t>Some features partly implemented (ex: ultra effective code block)</a:t>
+            </a:r>
           </a:p>
           <a:p>
             <a:pPr lvl="1"/>
@@ -4063,10 +7873,6 @@
               </a:rPr>
               <a:t>Some classes require mock-testing, which is not included in coverage</a:t>
             </a:r>
-            <a:endParaRPr lang="en-US" dirty="0">
-              <a:ea typeface="+mn-lt"/>
-              <a:cs typeface="+mn-lt"/>
-            </a:endParaRPr>
           </a:p>
         </p:txBody>
       </p:sp>
@@ -4092,7 +7898,7 @@
         </p:blipFill>
         <p:spPr>
           <a:xfrm>
-            <a:off x="3487946" y="4531814"/>
+            <a:off x="3487946" y="4063124"/>
             <a:ext cx="4712898" cy="1949431"/>
           </a:xfrm>
           <a:prstGeom prst="rect">
@@ -4152,7 +7958,7 @@
           <a:lstStyle/>
           <a:p>
             <a:r>
-              <a:rPr lang="en-US" dirty="0"/>
+              <a:rPr lang="en-US"/>
               <a:t>Frustrations</a:t>
             </a:r>
           </a:p>
@@ -4180,31 +7986,31 @@
           <a:lstStyle/>
           <a:p>
             <a:r>
-              <a:rPr lang="en-US" dirty="0"/>
+              <a:rPr lang="en-US"/>
               <a:t>Coupling</a:t>
             </a:r>
           </a:p>
           <a:p>
             <a:r>
-              <a:rPr lang="en-US" dirty="0"/>
+              <a:rPr lang="en-US"/>
               <a:t>Poor architecture</a:t>
             </a:r>
           </a:p>
           <a:p>
             <a:r>
-              <a:rPr lang="en-US" dirty="0"/>
+              <a:rPr lang="en-US"/>
               <a:t>No documentation</a:t>
             </a:r>
           </a:p>
           <a:p>
             <a:r>
-              <a:rPr lang="en-US" dirty="0"/>
+              <a:rPr lang="en-US"/>
               <a:t>Some things left unfinished</a:t>
             </a:r>
           </a:p>
           <a:p>
             <a:r>
-              <a:rPr lang="en-US" dirty="0"/>
+              <a:rPr lang="en-US"/>
               <a:t>Hardcoded inputs</a:t>
             </a:r>
           </a:p>
@@ -4262,7 +8068,7 @@
           <a:lstStyle/>
           <a:p>
             <a:r>
-              <a:rPr lang="en-US" dirty="0"/>
+              <a:rPr lang="en-US"/>
               <a:t>(Specific examples of frustrating things?)</a:t>
             </a:r>
           </a:p>
@@ -4294,7 +8100,7 @@
             <a:pPr marL="0" indent="0">
               <a:buNone/>
             </a:pPr>
-            <a:endParaRPr lang="en-US" dirty="0">
+            <a:endParaRPr lang="en-US">
               <a:cs typeface="Calibri"/>
             </a:endParaRPr>
           </a:p>
@@ -4352,8 +8158,8 @@
           <a:lstStyle/>
           <a:p>
             <a:r>
-              <a:rPr lang="en-US" dirty="0"/>
-              <a:t>Faults (?)</a:t>
+              <a:rPr lang="en-US"/>
+              <a:t>Faults </a:t>
             </a:r>
           </a:p>
         </p:txBody>
@@ -4380,31 +8186,31 @@
           <a:lstStyle/>
           <a:p>
             <a:r>
-              <a:rPr lang="en-US" dirty="0"/>
+              <a:rPr lang="en-US"/>
               <a:t>Misspellings (lots)</a:t>
             </a:r>
           </a:p>
           <a:p>
             <a:r>
-              <a:rPr lang="en-US" dirty="0"/>
+              <a:rPr lang="en-US"/>
               <a:t>Current and base stats are the same array</a:t>
             </a:r>
           </a:p>
           <a:p>
             <a:r>
-              <a:rPr lang="en-US" dirty="0"/>
+              <a:rPr lang="en-US"/>
               <a:t>No input sanitization</a:t>
             </a:r>
           </a:p>
           <a:p>
             <a:r>
-              <a:rPr lang="en-US" dirty="0"/>
+              <a:rPr lang="en-US"/>
               <a:t>Two of the three constructors for Pokémon don’t initialize their moves</a:t>
             </a:r>
           </a:p>
           <a:p>
             <a:r>
-              <a:rPr lang="en-US" dirty="0"/>
+              <a:rPr lang="en-US"/>
               <a:t>Team input and move input are on the same input stream in the server</a:t>
             </a:r>
           </a:p>
@@ -4716,4 +8522,287 @@
     </a:ext>
   </a:extLst>
 </a:theme>
+</file>
+
+<file path=ppt/theme/theme2.xml><?xml version="1.0" encoding="utf-8"?>
+<a:theme xmlns:a="http://schemas.openxmlformats.org/drawingml/2006/main" name="Retrospect">
+  <a:themeElements>
+    <a:clrScheme name="Retrospect">
+      <a:dk1>
+        <a:srgbClr val="000000"/>
+      </a:dk1>
+      <a:lt1>
+        <a:sysClr val="window" lastClr="FFFFFF"/>
+      </a:lt1>
+      <a:dk2>
+        <a:srgbClr val="637052"/>
+      </a:dk2>
+      <a:lt2>
+        <a:srgbClr val="CCDDEA"/>
+      </a:lt2>
+      <a:accent1>
+        <a:srgbClr val="E48312"/>
+      </a:accent1>
+      <a:accent2>
+        <a:srgbClr val="BD582C"/>
+      </a:accent2>
+      <a:accent3>
+        <a:srgbClr val="865640"/>
+      </a:accent3>
+      <a:accent4>
+        <a:srgbClr val="9B8357"/>
+      </a:accent4>
+      <a:accent5>
+        <a:srgbClr val="C2BC80"/>
+      </a:accent5>
+      <a:accent6>
+        <a:srgbClr val="94A088"/>
+      </a:accent6>
+      <a:hlink>
+        <a:srgbClr val="2998E3"/>
+      </a:hlink>
+      <a:folHlink>
+        <a:srgbClr val="8C8C8C"/>
+      </a:folHlink>
+    </a:clrScheme>
+    <a:fontScheme name="Retrospect">
+      <a:majorFont>
+        <a:latin typeface="Calibri Light" panose="020F0302020204030204"/>
+        <a:ea typeface=""/>
+        <a:cs typeface=""/>
+        <a:font script="Jpan" typeface="ＭＳ Ｐゴシック"/>
+        <a:font script="Hang" typeface="맑은 고딕"/>
+        <a:font script="Hans" typeface="宋体"/>
+        <a:font script="Hant" typeface="新細明體"/>
+        <a:font script="Arab" typeface="Times New Roman"/>
+        <a:font script="Hebr" typeface="Times New Roman"/>
+        <a:font script="Thai" typeface="Angsana New"/>
+        <a:font script="Ethi" typeface="Nyala"/>
+        <a:font script="Beng" typeface="Vrinda"/>
+        <a:font script="Gujr" typeface="Shruti"/>
+        <a:font script="Khmr" typeface="MoolBoran"/>
+        <a:font script="Knda" typeface="Tunga"/>
+        <a:font script="Guru" typeface="Raavi"/>
+        <a:font script="Cans" typeface="Euphemia"/>
+        <a:font script="Cher" typeface="Plantagenet Cherokee"/>
+        <a:font script="Yiii" typeface="Microsoft Yi Baiti"/>
+        <a:font script="Tibt" typeface="Microsoft Himalaya"/>
+        <a:font script="Thaa" typeface="MV Boli"/>
+        <a:font script="Deva" typeface="Mangal"/>
+        <a:font script="Telu" typeface="Gautami"/>
+        <a:font script="Taml" typeface="Latha"/>
+        <a:font script="Syrc" typeface="Estrangelo Edessa"/>
+        <a:font script="Orya" typeface="Kalinga"/>
+        <a:font script="Mlym" typeface="Kartika"/>
+        <a:font script="Laoo" typeface="DokChampa"/>
+        <a:font script="Sinh" typeface="Iskoola Pota"/>
+        <a:font script="Mong" typeface="Mongolian Baiti"/>
+        <a:font script="Viet" typeface="Times New Roman"/>
+        <a:font script="Uigh" typeface="Microsoft Uighur"/>
+        <a:font script="Geor" typeface="Sylfaen"/>
+      </a:majorFont>
+      <a:minorFont>
+        <a:latin typeface="Calibri" panose="020F0502020204030204"/>
+        <a:ea typeface=""/>
+        <a:cs typeface=""/>
+        <a:font script="Jpan" typeface="ＭＳ Ｐゴシック"/>
+        <a:font script="Hang" typeface="맑은 고딕"/>
+        <a:font script="Hans" typeface="宋体"/>
+        <a:font script="Hant" typeface="新細明體"/>
+        <a:font script="Arab" typeface="Arial"/>
+        <a:font script="Hebr" typeface="Arial"/>
+        <a:font script="Thai" typeface="Cordia New"/>
+        <a:font script="Ethi" typeface="Nyala"/>
+        <a:font script="Beng" typeface="Vrinda"/>
+        <a:font script="Gujr" typeface="Shruti"/>
+        <a:font script="Khmr" typeface="DaunPenh"/>
+        <a:font script="Knda" typeface="Tunga"/>
+        <a:font script="Guru" typeface="Raavi"/>
+        <a:font script="Cans" typeface="Euphemia"/>
+        <a:font script="Cher" typeface="Plantagenet Cherokee"/>
+        <a:font script="Yiii" typeface="Microsoft Yi Baiti"/>
+        <a:font script="Tibt" typeface="Microsoft Himalaya"/>
+        <a:font script="Thaa" typeface="MV Boli"/>
+        <a:font script="Deva" typeface="Mangal"/>
+        <a:font script="Telu" typeface="Gautami"/>
+        <a:font script="Taml" typeface="Latha"/>
+        <a:font script="Syrc" typeface="Estrangelo Edessa"/>
+        <a:font script="Orya" typeface="Kalinga"/>
+        <a:font script="Mlym" typeface="Kartika"/>
+        <a:font script="Laoo" typeface="DokChampa"/>
+        <a:font script="Sinh" typeface="Iskoola Pota"/>
+        <a:font script="Mong" typeface="Mongolian Baiti"/>
+        <a:font script="Viet" typeface="Arial"/>
+        <a:font script="Uigh" typeface="Microsoft Uighur"/>
+        <a:font script="Geor" typeface="Sylfaen"/>
+      </a:minorFont>
+    </a:fontScheme>
+    <a:fmtScheme name="Retrospect">
+      <a:fillStyleLst>
+        <a:solidFill>
+          <a:schemeClr val="phClr"/>
+        </a:solidFill>
+        <a:gradFill rotWithShape="1">
+          <a:gsLst>
+            <a:gs pos="0">
+              <a:schemeClr val="phClr">
+                <a:tint val="65000"/>
+                <a:shade val="92000"/>
+                <a:satMod val="130000"/>
+              </a:schemeClr>
+            </a:gs>
+            <a:gs pos="45000">
+              <a:schemeClr val="phClr">
+                <a:tint val="60000"/>
+                <a:shade val="99000"/>
+                <a:satMod val="120000"/>
+              </a:schemeClr>
+            </a:gs>
+            <a:gs pos="100000">
+              <a:schemeClr val="phClr">
+                <a:tint val="55000"/>
+                <a:satMod val="140000"/>
+              </a:schemeClr>
+            </a:gs>
+          </a:gsLst>
+          <a:path path="circle">
+            <a:fillToRect l="100000" t="100000" r="100000" b="100000"/>
+          </a:path>
+        </a:gradFill>
+        <a:gradFill rotWithShape="1">
+          <a:gsLst>
+            <a:gs pos="0">
+              <a:schemeClr val="phClr">
+                <a:shade val="85000"/>
+                <a:satMod val="130000"/>
+              </a:schemeClr>
+            </a:gs>
+            <a:gs pos="34000">
+              <a:schemeClr val="phClr">
+                <a:shade val="87000"/>
+                <a:satMod val="125000"/>
+              </a:schemeClr>
+            </a:gs>
+            <a:gs pos="70000">
+              <a:schemeClr val="phClr">
+                <a:tint val="100000"/>
+                <a:shade val="90000"/>
+                <a:satMod val="130000"/>
+              </a:schemeClr>
+            </a:gs>
+            <a:gs pos="100000">
+              <a:schemeClr val="phClr">
+                <a:tint val="100000"/>
+                <a:shade val="100000"/>
+                <a:satMod val="110000"/>
+              </a:schemeClr>
+            </a:gs>
+          </a:gsLst>
+          <a:path path="circle">
+            <a:fillToRect l="100000" t="100000" r="100000" b="100000"/>
+          </a:path>
+        </a:gradFill>
+      </a:fillStyleLst>
+      <a:lnStyleLst>
+        <a:ln w="12700" cap="flat" cmpd="sng" algn="ctr">
+          <a:solidFill>
+            <a:schemeClr val="phClr"/>
+          </a:solidFill>
+          <a:prstDash val="solid"/>
+        </a:ln>
+        <a:ln w="15875" cap="flat" cmpd="sng" algn="ctr">
+          <a:solidFill>
+            <a:schemeClr val="phClr"/>
+          </a:solidFill>
+          <a:prstDash val="solid"/>
+        </a:ln>
+        <a:ln w="25400" cap="flat" cmpd="sng" algn="ctr">
+          <a:solidFill>
+            <a:schemeClr val="phClr"/>
+          </a:solidFill>
+          <a:prstDash val="solid"/>
+        </a:ln>
+      </a:lnStyleLst>
+      <a:effectStyleLst>
+        <a:effectStyle>
+          <a:effectLst/>
+        </a:effectStyle>
+        <a:effectStyle>
+          <a:effectLst>
+            <a:outerShdw blurRad="38100" dist="25400" dir="2700000" algn="br" rotWithShape="0">
+              <a:srgbClr val="000000">
+                <a:alpha val="60000"/>
+              </a:srgbClr>
+            </a:outerShdw>
+          </a:effectLst>
+        </a:effectStyle>
+        <a:effectStyle>
+          <a:effectLst>
+            <a:outerShdw blurRad="44450" dist="25400" dir="2700000" algn="br" rotWithShape="0">
+              <a:srgbClr val="000000">
+                <a:alpha val="60000"/>
+              </a:srgbClr>
+            </a:outerShdw>
+          </a:effectLst>
+          <a:scene3d>
+            <a:camera prst="orthographicFront">
+              <a:rot lat="0" lon="0" rev="0"/>
+            </a:camera>
+            <a:lightRig rig="threePt" dir="t">
+              <a:rot lat="0" lon="0" rev="19800000"/>
+            </a:lightRig>
+          </a:scene3d>
+          <a:sp3d prstMaterial="flat">
+            <a:bevelT w="25400" h="31750"/>
+          </a:sp3d>
+        </a:effectStyle>
+      </a:effectStyleLst>
+      <a:bgFillStyleLst>
+        <a:solidFill>
+          <a:schemeClr val="phClr"/>
+        </a:solidFill>
+        <a:solidFill>
+          <a:schemeClr val="phClr">
+            <a:tint val="90000"/>
+            <a:shade val="97000"/>
+            <a:satMod val="130000"/>
+          </a:schemeClr>
+        </a:solidFill>
+        <a:gradFill rotWithShape="1">
+          <a:gsLst>
+            <a:gs pos="0">
+              <a:schemeClr val="phClr">
+                <a:tint val="96000"/>
+                <a:shade val="99000"/>
+                <a:satMod val="140000"/>
+              </a:schemeClr>
+            </a:gs>
+            <a:gs pos="65000">
+              <a:schemeClr val="phClr">
+                <a:tint val="100000"/>
+                <a:shade val="80000"/>
+                <a:satMod val="130000"/>
+              </a:schemeClr>
+            </a:gs>
+            <a:gs pos="100000">
+              <a:schemeClr val="phClr">
+                <a:tint val="100000"/>
+                <a:shade val="48000"/>
+                <a:satMod val="120000"/>
+              </a:schemeClr>
+            </a:gs>
+          </a:gsLst>
+          <a:lin ang="16200000" scaled="0"/>
+        </a:gradFill>
+      </a:bgFillStyleLst>
+    </a:fmtScheme>
+  </a:themeElements>
+  <a:objectDefaults/>
+  <a:extraClrSchemeLst/>
+  <a:extLst>
+    <a:ext uri="{05A4C25C-085E-4340-85A3-A5531E510DB2}">
+      <thm15:themeFamily xmlns:thm15="http://schemas.microsoft.com/office/thememl/2012/main" name="Retrospect" id="{5F128B03-DCCA-4EEB-AB3B-CF2899314A46}" vid="{3F1AAB62-24C6-49D2-8E01-B56FAC9A3DCD}"/>
+    </a:ext>
+  </a:extLst>
+</a:theme>
 </file>
--- a/PokemonPresentation.pptx
+++ b/PokemonPresentation.pptx
@@ -157,8 +157,8 @@
   </pc:docChgLst>
   <pc:docChgLst>
     <pc:chgData name="Mason Cole" userId="e911393877ad0ee3" providerId="LiveId" clId="{3F842226-8888-4DE6-89C0-62A134D54048}"/>
-    <pc:docChg chg="modSld">
-      <pc:chgData name="Mason Cole" userId="e911393877ad0ee3" providerId="LiveId" clId="{3F842226-8888-4DE6-89C0-62A134D54048}" dt="2021-04-29T04:54:31.201" v="46" actId="1036"/>
+    <pc:docChg chg="undo redo custSel modSld">
+      <pc:chgData name="Mason Cole" userId="e911393877ad0ee3" providerId="LiveId" clId="{3F842226-8888-4DE6-89C0-62A134D54048}" dt="2021-04-29T11:06:35.181" v="143" actId="20577"/>
       <pc:docMkLst>
         <pc:docMk/>
       </pc:docMkLst>
@@ -232,7 +232,7 @@
         </pc:spChg>
       </pc:sldChg>
       <pc:sldChg chg="modSp mod">
-        <pc:chgData name="Mason Cole" userId="e911393877ad0ee3" providerId="LiveId" clId="{3F842226-8888-4DE6-89C0-62A134D54048}" dt="2021-04-29T04:54:31.201" v="46" actId="1036"/>
+        <pc:chgData name="Mason Cole" userId="e911393877ad0ee3" providerId="LiveId" clId="{3F842226-8888-4DE6-89C0-62A134D54048}" dt="2021-04-29T05:26:29.274" v="50" actId="1076"/>
         <pc:sldMkLst>
           <pc:docMk/>
           <pc:sldMk cId="1905868876" sldId="260"/>
@@ -254,7 +254,7 @@
           </ac:spMkLst>
         </pc:spChg>
         <pc:picChg chg="mod">
-          <ac:chgData name="Mason Cole" userId="e911393877ad0ee3" providerId="LiveId" clId="{3F842226-8888-4DE6-89C0-62A134D54048}" dt="2021-04-29T04:54:31.201" v="46" actId="1036"/>
+          <ac:chgData name="Mason Cole" userId="e911393877ad0ee3" providerId="LiveId" clId="{3F842226-8888-4DE6-89C0-62A134D54048}" dt="2021-04-29T05:26:29.274" v="50" actId="1076"/>
           <ac:picMkLst>
             <pc:docMk/>
             <pc:sldMk cId="1905868876" sldId="260"/>
@@ -262,8 +262,8 @@
           </ac:picMkLst>
         </pc:picChg>
       </pc:sldChg>
-      <pc:sldChg chg="modSp">
-        <pc:chgData name="Mason Cole" userId="e911393877ad0ee3" providerId="LiveId" clId="{3F842226-8888-4DE6-89C0-62A134D54048}" dt="2021-04-29T04:54:22.882" v="17"/>
+      <pc:sldChg chg="modSp mod">
+        <pc:chgData name="Mason Cole" userId="e911393877ad0ee3" providerId="LiveId" clId="{3F842226-8888-4DE6-89C0-62A134D54048}" dt="2021-04-29T11:06:35.181" v="143" actId="20577"/>
         <pc:sldMkLst>
           <pc:docMk/>
           <pc:sldMk cId="1340040923" sldId="261"/>
@@ -277,7 +277,7 @@
           </ac:spMkLst>
         </pc:spChg>
         <pc:spChg chg="mod">
-          <ac:chgData name="Mason Cole" userId="e911393877ad0ee3" providerId="LiveId" clId="{3F842226-8888-4DE6-89C0-62A134D54048}" dt="2021-04-29T04:54:22.882" v="17"/>
+          <ac:chgData name="Mason Cole" userId="e911393877ad0ee3" providerId="LiveId" clId="{3F842226-8888-4DE6-89C0-62A134D54048}" dt="2021-04-29T11:06:35.181" v="143" actId="20577"/>
           <ac:spMkLst>
             <pc:docMk/>
             <pc:sldMk cId="1340040923" sldId="261"/>
@@ -538,7 +538,7 @@
           <a:p>
             <a:fld id="{1CB717E5-9235-41CC-9A32-32BA046779B7}" type="datetimeFigureOut">
               <a:rPr lang="en-US" smtClean="0"/>
-              <a:t>4/28/2021</a:t>
+              <a:t>4/29/2021</a:t>
             </a:fld>
             <a:endParaRPr lang="en-US"/>
           </a:p>
@@ -736,7 +736,7 @@
           <a:p>
             <a:fld id="{1CB717E5-9235-41CC-9A32-32BA046779B7}" type="datetimeFigureOut">
               <a:rPr lang="en-US" smtClean="0"/>
-              <a:t>4/28/2021</a:t>
+              <a:t>4/29/2021</a:t>
             </a:fld>
             <a:endParaRPr lang="en-US"/>
           </a:p>
@@ -944,7 +944,7 @@
           <a:p>
             <a:fld id="{1CB717E5-9235-41CC-9A32-32BA046779B7}" type="datetimeFigureOut">
               <a:rPr lang="en-US" smtClean="0"/>
-              <a:t>4/28/2021</a:t>
+              <a:t>4/29/2021</a:t>
             </a:fld>
             <a:endParaRPr lang="en-US"/>
           </a:p>
@@ -1243,7 +1243,7 @@
           <a:p>
             <a:fld id="{1CB717E5-9235-41CC-9A32-32BA046779B7}" type="datetimeFigureOut">
               <a:rPr lang="en-US" smtClean="0"/>
-              <a:t>4/28/2021</a:t>
+              <a:t>4/29/2021</a:t>
             </a:fld>
             <a:endParaRPr lang="en-US"/>
           </a:p>
@@ -1455,7 +1455,7 @@
           <a:p>
             <a:fld id="{1CB717E5-9235-41CC-9A32-32BA046779B7}" type="datetimeFigureOut">
               <a:rPr lang="en-US" smtClean="0"/>
-              <a:t>4/28/2021</a:t>
+              <a:t>4/29/2021</a:t>
             </a:fld>
             <a:endParaRPr lang="en-US"/>
           </a:p>
@@ -1798,7 +1798,7 @@
           <a:p>
             <a:fld id="{1CB717E5-9235-41CC-9A32-32BA046779B7}" type="datetimeFigureOut">
               <a:rPr lang="en-US" smtClean="0"/>
-              <a:t>4/28/2021</a:t>
+              <a:t>4/29/2021</a:t>
             </a:fld>
             <a:endParaRPr lang="en-US"/>
           </a:p>
@@ -2073,7 +2073,7 @@
           <a:p>
             <a:fld id="{1CB717E5-9235-41CC-9A32-32BA046779B7}" type="datetimeFigureOut">
               <a:rPr lang="en-US" smtClean="0"/>
-              <a:t>4/28/2021</a:t>
+              <a:t>4/29/2021</a:t>
             </a:fld>
             <a:endParaRPr lang="en-US"/>
           </a:p>
@@ -2452,7 +2452,7 @@
           <a:p>
             <a:fld id="{1CB717E5-9235-41CC-9A32-32BA046779B7}" type="datetimeFigureOut">
               <a:rPr lang="en-US" smtClean="0"/>
-              <a:t>4/28/2021</a:t>
+              <a:t>4/29/2021</a:t>
             </a:fld>
             <a:endParaRPr lang="en-US"/>
           </a:p>
@@ -2570,7 +2570,7 @@
           <a:p>
             <a:fld id="{1CB717E5-9235-41CC-9A32-32BA046779B7}" type="datetimeFigureOut">
               <a:rPr lang="en-US" smtClean="0"/>
-              <a:t>4/28/2021</a:t>
+              <a:t>4/29/2021</a:t>
             </a:fld>
             <a:endParaRPr lang="en-US"/>
           </a:p>
@@ -2741,7 +2741,7 @@
           <a:p>
             <a:fld id="{1CB717E5-9235-41CC-9A32-32BA046779B7}" type="datetimeFigureOut">
               <a:rPr lang="en-US" smtClean="0"/>
-              <a:t>4/28/2021</a:t>
+              <a:t>4/29/2021</a:t>
             </a:fld>
             <a:endParaRPr lang="en-US"/>
           </a:p>
@@ -3095,7 +3095,7 @@
           <a:p>
             <a:fld id="{1CB717E5-9235-41CC-9A32-32BA046779B7}" type="datetimeFigureOut">
               <a:rPr lang="en-US" smtClean="0"/>
-              <a:t>4/28/2021</a:t>
+              <a:t>4/29/2021</a:t>
             </a:fld>
             <a:endParaRPr lang="en-US"/>
           </a:p>
@@ -3302,7 +3302,7 @@
           <a:p>
             <a:fld id="{1CB717E5-9235-41CC-9A32-32BA046779B7}" type="datetimeFigureOut">
               <a:rPr lang="en-US" smtClean="0"/>
-              <a:t>4/28/2021</a:t>
+              <a:t>4/29/2021</a:t>
             </a:fld>
             <a:endParaRPr lang="en-US"/>
           </a:p>
@@ -3675,7 +3675,7 @@
           <a:p>
             <a:fld id="{1CB717E5-9235-41CC-9A32-32BA046779B7}" type="datetimeFigureOut">
               <a:rPr lang="en-US" smtClean="0"/>
-              <a:t>4/28/2021</a:t>
+              <a:t>4/29/2021</a:t>
             </a:fld>
             <a:endParaRPr lang="en-US"/>
           </a:p>
@@ -3845,7 +3845,7 @@
           <a:p>
             <a:fld id="{1CB717E5-9235-41CC-9A32-32BA046779B7}" type="datetimeFigureOut">
               <a:rPr lang="en-US" smtClean="0"/>
-              <a:t>4/28/2021</a:t>
+              <a:t>4/29/2021</a:t>
             </a:fld>
             <a:endParaRPr lang="en-US"/>
           </a:p>
@@ -4101,7 +4101,7 @@
           <a:p>
             <a:fld id="{1CB717E5-9235-41CC-9A32-32BA046779B7}" type="datetimeFigureOut">
               <a:rPr lang="en-US" smtClean="0"/>
-              <a:t>4/28/2021</a:t>
+              <a:t>4/29/2021</a:t>
             </a:fld>
             <a:endParaRPr lang="en-US"/>
           </a:p>
@@ -4364,7 +4364,7 @@
           <a:p>
             <a:fld id="{1CB717E5-9235-41CC-9A32-32BA046779B7}" type="datetimeFigureOut">
               <a:rPr lang="en-US" smtClean="0"/>
-              <a:t>4/28/2021</a:t>
+              <a:t>4/29/2021</a:t>
             </a:fld>
             <a:endParaRPr lang="en-US"/>
           </a:p>
@@ -4629,7 +4629,7 @@
           <a:p>
             <a:fld id="{1CB717E5-9235-41CC-9A32-32BA046779B7}" type="datetimeFigureOut">
               <a:rPr lang="en-US" smtClean="0"/>
-              <a:t>4/28/2021</a:t>
+              <a:t>4/29/2021</a:t>
             </a:fld>
             <a:endParaRPr lang="en-US"/>
           </a:p>
@@ -5041,7 +5041,7 @@
           <a:p>
             <a:fld id="{1CB717E5-9235-41CC-9A32-32BA046779B7}" type="datetimeFigureOut">
               <a:rPr lang="en-US" smtClean="0"/>
-              <a:t>4/28/2021</a:t>
+              <a:t>4/29/2021</a:t>
             </a:fld>
             <a:endParaRPr lang="en-US"/>
           </a:p>
@@ -5182,7 +5182,7 @@
           <a:p>
             <a:fld id="{1CB717E5-9235-41CC-9A32-32BA046779B7}" type="datetimeFigureOut">
               <a:rPr lang="en-US" smtClean="0"/>
-              <a:t>4/28/2021</a:t>
+              <a:t>4/29/2021</a:t>
             </a:fld>
             <a:endParaRPr lang="en-US"/>
           </a:p>
@@ -5295,7 +5295,7 @@
           <a:p>
             <a:fld id="{1CB717E5-9235-41CC-9A32-32BA046779B7}" type="datetimeFigureOut">
               <a:rPr lang="en-US" smtClean="0"/>
-              <a:t>4/28/2021</a:t>
+              <a:t>4/29/2021</a:t>
             </a:fld>
             <a:endParaRPr lang="en-US"/>
           </a:p>
@@ -5606,7 +5606,7 @@
           <a:p>
             <a:fld id="{1CB717E5-9235-41CC-9A32-32BA046779B7}" type="datetimeFigureOut">
               <a:rPr lang="en-US" smtClean="0"/>
-              <a:t>4/28/2021</a:t>
+              <a:t>4/29/2021</a:t>
             </a:fld>
             <a:endParaRPr lang="en-US"/>
           </a:p>
@@ -5894,7 +5894,7 @@
           <a:p>
             <a:fld id="{1CB717E5-9235-41CC-9A32-32BA046779B7}" type="datetimeFigureOut">
               <a:rPr lang="en-US" smtClean="0"/>
-              <a:t>4/28/2021</a:t>
+              <a:t>4/29/2021</a:t>
             </a:fld>
             <a:endParaRPr lang="en-US"/>
           </a:p>
@@ -6135,7 +6135,7 @@
           <a:p>
             <a:fld id="{1CB717E5-9235-41CC-9A32-32BA046779B7}" type="datetimeFigureOut">
               <a:rPr lang="en-US" smtClean="0"/>
-              <a:t>4/28/2021</a:t>
+              <a:t>4/29/2021</a:t>
             </a:fld>
             <a:endParaRPr lang="en-US"/>
           </a:p>
@@ -6761,7 +6761,7 @@
           <a:p>
             <a:fld id="{1CB717E5-9235-41CC-9A32-32BA046779B7}" type="datetimeFigureOut">
               <a:rPr lang="en-US" smtClean="0"/>
-              <a:t>4/28/2021</a:t>
+              <a:t>4/29/2021</a:t>
             </a:fld>
             <a:endParaRPr lang="en-US"/>
           </a:p>
@@ -7798,7 +7798,7 @@
           <a:lstStyle/>
           <a:p>
             <a:r>
-              <a:rPr lang="en-US"/>
+              <a:rPr lang="en-US" dirty="0"/>
               <a:t>Coverage Report</a:t>
             </a:r>
           </a:p>
@@ -7828,16 +7828,30 @@
           <a:lstStyle/>
           <a:p>
             <a:r>
-              <a:rPr lang="en-US">
+              <a:rPr lang="en-US" dirty="0">
                 <a:ea typeface="+mn-lt"/>
                 <a:cs typeface="+mn-lt"/>
               </a:rPr>
-              <a:t>Overall 41% on project, ~70% on whitebox-tested classes</a:t>
-            </a:r>
-          </a:p>
-          <a:p>
-            <a:r>
-              <a:rPr lang="en-US">
+              <a:t>Overall 41% on project, ~70% on </a:t>
+            </a:r>
+            <a:r>
+              <a:rPr lang="en-US" dirty="0" err="1">
+                <a:ea typeface="+mn-lt"/>
+                <a:cs typeface="+mn-lt"/>
+              </a:rPr>
+              <a:t>whitebox</a:t>
+            </a:r>
+            <a:r>
+              <a:rPr lang="en-US" dirty="0">
+                <a:ea typeface="+mn-lt"/>
+                <a:cs typeface="+mn-lt"/>
+              </a:rPr>
+              <a:t>-tested classes</a:t>
+            </a:r>
+          </a:p>
+          <a:p>
+            <a:r>
+              <a:rPr lang="en-US" dirty="0">
                 <a:ea typeface="+mn-lt"/>
                 <a:cs typeface="+mn-lt"/>
               </a:rPr>
@@ -7847,7 +7861,7 @@
           <a:p>
             <a:pPr lvl="1"/>
             <a:r>
-              <a:rPr lang="en-US">
+              <a:rPr lang="en-US" dirty="0">
                 <a:ea typeface="+mn-lt"/>
                 <a:cs typeface="+mn-lt"/>
               </a:rPr>
@@ -7857,7 +7871,7 @@
           <a:p>
             <a:pPr lvl="1"/>
             <a:r>
-              <a:rPr lang="en-US">
+              <a:rPr lang="en-US" dirty="0">
                 <a:ea typeface="+mn-lt"/>
                 <a:cs typeface="+mn-lt"/>
               </a:rPr>
@@ -7867,7 +7881,7 @@
           <a:p>
             <a:pPr lvl="1"/>
             <a:r>
-              <a:rPr lang="en-US">
+              <a:rPr lang="en-US" dirty="0">
                 <a:ea typeface="+mn-lt"/>
                 <a:cs typeface="+mn-lt"/>
               </a:rPr>
@@ -7986,31 +8000,31 @@
           <a:lstStyle/>
           <a:p>
             <a:r>
-              <a:rPr lang="en-US"/>
+              <a:rPr lang="en-US" dirty="0"/>
               <a:t>Coupling</a:t>
             </a:r>
           </a:p>
           <a:p>
             <a:r>
-              <a:rPr lang="en-US"/>
+              <a:rPr lang="en-US" dirty="0"/>
               <a:t>Poor architecture</a:t>
             </a:r>
           </a:p>
           <a:p>
             <a:r>
-              <a:rPr lang="en-US"/>
+              <a:rPr lang="en-US" dirty="0"/>
               <a:t>No documentation</a:t>
             </a:r>
           </a:p>
           <a:p>
             <a:r>
-              <a:rPr lang="en-US"/>
+              <a:rPr lang="en-US" dirty="0"/>
               <a:t>Some things left unfinished</a:t>
             </a:r>
           </a:p>
           <a:p>
             <a:r>
-              <a:rPr lang="en-US"/>
+              <a:rPr lang="en-US" dirty="0"/>
               <a:t>Hardcoded inputs</a:t>
             </a:r>
           </a:p>
@@ -8100,7 +8114,45 @@
             <a:pPr marL="0" indent="0">
               <a:buNone/>
             </a:pPr>
-            <a:endParaRPr lang="en-US">
+            <a:r>
+              <a:rPr lang="en-US" dirty="0">
+                <a:cs typeface="Calibri"/>
+              </a:rPr>
+              <a:t>While the SUT doesn't come with direct specifications or an API, the rules it uses are encoded into the mainline Pokémon games which we can use to facilitate black-box testing.</a:t>
+            </a:r>
+          </a:p>
+          <a:p>
+            <a:pPr marL="0" indent="0">
+              <a:buNone/>
+            </a:pPr>
+            <a:endParaRPr lang="en-US" dirty="0">
+              <a:cs typeface="Calibri"/>
+            </a:endParaRPr>
+          </a:p>
+          <a:p>
+            <a:pPr marL="0" indent="0">
+              <a:buNone/>
+            </a:pPr>
+            <a:r>
+              <a:rPr lang="en-US" dirty="0">
+                <a:cs typeface="Calibri"/>
+              </a:rPr>
+              <a:t>Multiplayer gets stuck in an infinite loop during Black-Box Testing</a:t>
+            </a:r>
+          </a:p>
+          <a:p>
+            <a:pPr marL="0" indent="0">
+              <a:buNone/>
+            </a:pPr>
+            <a:endParaRPr lang="en-US" dirty="0">
+              <a:cs typeface="Calibri"/>
+            </a:endParaRPr>
+          </a:p>
+          <a:p>
+            <a:pPr marL="0" indent="0">
+              <a:buNone/>
+            </a:pPr>
+            <a:endParaRPr lang="en-US" dirty="0">
               <a:cs typeface="Calibri"/>
             </a:endParaRPr>
           </a:p>

--- a/PokemonPresentation.pptx
+++ b/PokemonPresentation.pptx
@@ -158,7 +158,7 @@
   <pc:docChgLst>
     <pc:chgData name="Mason Cole" userId="e911393877ad0ee3" providerId="LiveId" clId="{3F842226-8888-4DE6-89C0-62A134D54048}"/>
     <pc:docChg chg="undo redo custSel modSld">
-      <pc:chgData name="Mason Cole" userId="e911393877ad0ee3" providerId="LiveId" clId="{3F842226-8888-4DE6-89C0-62A134D54048}" dt="2021-04-29T11:06:35.181" v="143" actId="20577"/>
+      <pc:chgData name="Mason Cole" userId="e911393877ad0ee3" providerId="LiveId" clId="{3F842226-8888-4DE6-89C0-62A134D54048}" dt="2021-04-29T12:03:27.993" v="481" actId="20577"/>
       <pc:docMkLst>
         <pc:docMk/>
       </pc:docMkLst>
@@ -263,13 +263,13 @@
         </pc:picChg>
       </pc:sldChg>
       <pc:sldChg chg="modSp mod">
-        <pc:chgData name="Mason Cole" userId="e911393877ad0ee3" providerId="LiveId" clId="{3F842226-8888-4DE6-89C0-62A134D54048}" dt="2021-04-29T11:06:35.181" v="143" actId="20577"/>
+        <pc:chgData name="Mason Cole" userId="e911393877ad0ee3" providerId="LiveId" clId="{3F842226-8888-4DE6-89C0-62A134D54048}" dt="2021-04-29T12:03:27.993" v="481" actId="20577"/>
         <pc:sldMkLst>
           <pc:docMk/>
           <pc:sldMk cId="1340040923" sldId="261"/>
         </pc:sldMkLst>
         <pc:spChg chg="mod">
-          <ac:chgData name="Mason Cole" userId="e911393877ad0ee3" providerId="LiveId" clId="{3F842226-8888-4DE6-89C0-62A134D54048}" dt="2021-04-29T04:54:22.882" v="17"/>
+          <ac:chgData name="Mason Cole" userId="e911393877ad0ee3" providerId="LiveId" clId="{3F842226-8888-4DE6-89C0-62A134D54048}" dt="2021-04-29T12:01:44.635" v="186" actId="20577"/>
           <ac:spMkLst>
             <pc:docMk/>
             <pc:sldMk cId="1340040923" sldId="261"/>
@@ -277,7 +277,7 @@
           </ac:spMkLst>
         </pc:spChg>
         <pc:spChg chg="mod">
-          <ac:chgData name="Mason Cole" userId="e911393877ad0ee3" providerId="LiveId" clId="{3F842226-8888-4DE6-89C0-62A134D54048}" dt="2021-04-29T11:06:35.181" v="143" actId="20577"/>
+          <ac:chgData name="Mason Cole" userId="e911393877ad0ee3" providerId="LiveId" clId="{3F842226-8888-4DE6-89C0-62A134D54048}" dt="2021-04-29T12:03:27.993" v="481" actId="20577"/>
           <ac:spMkLst>
             <pc:docMk/>
             <pc:sldMk cId="1340040923" sldId="261"/>
@@ -8082,8 +8082,8 @@
           <a:lstStyle/>
           <a:p>
             <a:r>
-              <a:rPr lang="en-US"/>
-              <a:t>(Specific examples of frustrating things?)</a:t>
+              <a:rPr lang="en-US" dirty="0"/>
+              <a:t>Some Examples And Workarounds</a:t>
             </a:r>
           </a:p>
         </p:txBody>
@@ -8134,27 +8134,36 @@
               <a:buNone/>
             </a:pPr>
             <a:r>
+              <a:rPr lang="en-US">
+                <a:cs typeface="Calibri"/>
+              </a:rPr>
+              <a:t>Automated testing </a:t>
+            </a:r>
+            <a:r>
+              <a:rPr lang="en-US" dirty="0">
+                <a:cs typeface="Calibri"/>
+              </a:rPr>
+              <a:t>prevented by loops on main thread and RNG – Required Manual Black-Box Testing</a:t>
+            </a:r>
+          </a:p>
+          <a:p>
+            <a:pPr marL="0" indent="0">
+              <a:buNone/>
+            </a:pPr>
+            <a:endParaRPr lang="en-US" dirty="0">
+              <a:cs typeface="Calibri"/>
+            </a:endParaRPr>
+          </a:p>
+          <a:p>
+            <a:pPr marL="0" indent="0">
+              <a:buNone/>
+            </a:pPr>
+            <a:r>
               <a:rPr lang="en-US" dirty="0">
                 <a:cs typeface="Calibri"/>
               </a:rPr>
               <a:t>Multiplayer gets stuck in an infinite loop during Black-Box Testing</a:t>
             </a:r>
-          </a:p>
-          <a:p>
-            <a:pPr marL="0" indent="0">
-              <a:buNone/>
-            </a:pPr>
-            <a:endParaRPr lang="en-US" dirty="0">
-              <a:cs typeface="Calibri"/>
-            </a:endParaRPr>
-          </a:p>
-          <a:p>
-            <a:pPr marL="0" indent="0">
-              <a:buNone/>
-            </a:pPr>
-            <a:endParaRPr lang="en-US" dirty="0">
-              <a:cs typeface="Calibri"/>
-            </a:endParaRPr>
           </a:p>
         </p:txBody>
       </p:sp>

--- a/PokemonPresentation.pptx
+++ b/PokemonPresentation.pptx
@@ -125,6 +125,8 @@
     <p1510:client id="{3F842226-8888-4DE6-89C0-62A134D54048}" v="1" dt="2021-04-29T04:54:22.882"/>
     <p1510:client id="{55C561A1-2C73-48EE-839D-E41FB469E4E1}" v="1248" dt="2021-04-28T19:57:51.053"/>
     <p1510:client id="{883C95B4-422D-48CC-BD13-244E137905ED}" v="4" dt="2021-04-28T22:43:48.958"/>
+    <p1510:client id="{897A078B-C095-43F3-99C7-246C7BCAAE73}" v="16" dt="2021-04-29T16:57:40.232"/>
+    <p1510:client id="{F60AE576-5FD9-4373-8CA2-7CE5E76D9D35}" v="421" dt="2021-04-29T16:48:04.526"/>
   </p1510:revLst>
 </p1510:revInfo>
 </file>
@@ -132,24 +134,39 @@
 <file path=ppt/changesInfos/changesInfo1.xml><?xml version="1.0" encoding="utf-8"?>
 <pc:chgInfo xmlns:a="http://schemas.openxmlformats.org/drawingml/2006/main" xmlns:r="http://schemas.openxmlformats.org/officeDocument/2006/relationships" xmlns:ac="http://schemas.microsoft.com/office/drawing/2013/main/command" xmlns:pc="http://schemas.microsoft.com/office/powerpoint/2013/main/command">
   <pc:docChgLst>
-    <pc:chgData name="Guest User" providerId="Windows Live" clId="Web-{883C95B4-422D-48CC-BD13-244E137905ED}"/>
+    <pc:chgData name="Guest User" providerId="Windows Live" clId="Web-{F60AE576-5FD9-4373-8CA2-7CE5E76D9D35}"/>
     <pc:docChg chg="modSld">
-      <pc:chgData name="Guest User" userId="" providerId="Windows Live" clId="Web-{883C95B4-422D-48CC-BD13-244E137905ED}" dt="2021-04-28T22:43:48.177" v="0" actId="20577"/>
+      <pc:chgData name="Guest User" userId="" providerId="Windows Live" clId="Web-{F60AE576-5FD9-4373-8CA2-7CE5E76D9D35}" dt="2021-04-29T16:48:04.526" v="202" actId="20577"/>
       <pc:docMkLst>
         <pc:docMk/>
       </pc:docMkLst>
       <pc:sldChg chg="modSp">
-        <pc:chgData name="Guest User" userId="" providerId="Windows Live" clId="Web-{883C95B4-422D-48CC-BD13-244E137905ED}" dt="2021-04-28T22:43:48.177" v="0" actId="20577"/>
+        <pc:chgData name="Guest User" userId="" providerId="Windows Live" clId="Web-{F60AE576-5FD9-4373-8CA2-7CE5E76D9D35}" dt="2021-04-29T16:48:04.526" v="202" actId="20577"/>
+        <pc:sldMkLst>
+          <pc:docMk/>
+          <pc:sldMk cId="1225424838" sldId="259"/>
+        </pc:sldMkLst>
+        <pc:spChg chg="mod">
+          <ac:chgData name="Guest User" userId="" providerId="Windows Live" clId="Web-{F60AE576-5FD9-4373-8CA2-7CE5E76D9D35}" dt="2021-04-29T16:48:04.526" v="202" actId="20577"/>
+          <ac:spMkLst>
+            <pc:docMk/>
+            <pc:sldMk cId="1225424838" sldId="259"/>
+            <ac:spMk id="3" creationId="{9EDAF597-4381-4A14-AF0D-FCB619C226FD}"/>
+          </ac:spMkLst>
+        </pc:spChg>
+      </pc:sldChg>
+      <pc:sldChg chg="modSp">
+        <pc:chgData name="Guest User" userId="" providerId="Windows Live" clId="Web-{F60AE576-5FD9-4373-8CA2-7CE5E76D9D35}" dt="2021-04-29T16:47:35.901" v="198" actId="20577"/>
         <pc:sldMkLst>
           <pc:docMk/>
           <pc:sldMk cId="2156031259" sldId="262"/>
         </pc:sldMkLst>
         <pc:spChg chg="mod">
-          <ac:chgData name="Guest User" userId="" providerId="Windows Live" clId="Web-{883C95B4-422D-48CC-BD13-244E137905ED}" dt="2021-04-28T22:43:48.177" v="0" actId="20577"/>
+          <ac:chgData name="Guest User" userId="" providerId="Windows Live" clId="Web-{F60AE576-5FD9-4373-8CA2-7CE5E76D9D35}" dt="2021-04-29T16:47:35.901" v="198" actId="20577"/>
           <ac:spMkLst>
             <pc:docMk/>
             <pc:sldMk cId="2156031259" sldId="262"/>
-            <ac:spMk id="2" creationId="{8925A9E7-874E-45D9-956A-6C19EFF3E455}"/>
+            <ac:spMk id="3" creationId="{E973F93B-B32A-453E-909A-D4CAB41AAF4D}"/>
           </ac:spMkLst>
         </pc:spChg>
       </pc:sldChg>
@@ -311,6 +328,54 @@
     </pc:docChg>
   </pc:docChgLst>
   <pc:docChgLst>
+    <pc:chgData name="Guest User" providerId="Windows Live" clId="Web-{897A078B-C095-43F3-99C7-246C7BCAAE73}"/>
+    <pc:docChg chg="modSld">
+      <pc:chgData name="Guest User" userId="" providerId="Windows Live" clId="Web-{897A078B-C095-43F3-99C7-246C7BCAAE73}" dt="2021-04-29T16:57:40.232" v="7" actId="20577"/>
+      <pc:docMkLst>
+        <pc:docMk/>
+      </pc:docMkLst>
+      <pc:sldChg chg="modSp">
+        <pc:chgData name="Guest User" userId="" providerId="Windows Live" clId="Web-{897A078B-C095-43F3-99C7-246C7BCAAE73}" dt="2021-04-29T16:57:40.232" v="7" actId="20577"/>
+        <pc:sldMkLst>
+          <pc:docMk/>
+          <pc:sldMk cId="2072145785" sldId="257"/>
+        </pc:sldMkLst>
+        <pc:spChg chg="mod">
+          <ac:chgData name="Guest User" userId="" providerId="Windows Live" clId="Web-{897A078B-C095-43F3-99C7-246C7BCAAE73}" dt="2021-04-29T16:57:40.232" v="7" actId="20577"/>
+          <ac:spMkLst>
+            <pc:docMk/>
+            <pc:sldMk cId="2072145785" sldId="257"/>
+            <ac:spMk id="3" creationId="{E93E7BB8-1806-4F7C-8A75-D8A8C62ED2C8}"/>
+          </ac:spMkLst>
+        </pc:spChg>
+      </pc:sldChg>
+    </pc:docChg>
+  </pc:docChgLst>
+  <pc:docChgLst>
+    <pc:chgData name="Guest User" providerId="Windows Live" clId="Web-{883C95B4-422D-48CC-BD13-244E137905ED}"/>
+    <pc:docChg chg="modSld">
+      <pc:chgData name="Guest User" userId="" providerId="Windows Live" clId="Web-{883C95B4-422D-48CC-BD13-244E137905ED}" dt="2021-04-28T22:43:48.177" v="0" actId="20577"/>
+      <pc:docMkLst>
+        <pc:docMk/>
+      </pc:docMkLst>
+      <pc:sldChg chg="modSp">
+        <pc:chgData name="Guest User" userId="" providerId="Windows Live" clId="Web-{883C95B4-422D-48CC-BD13-244E137905ED}" dt="2021-04-28T22:43:48.177" v="0" actId="20577"/>
+        <pc:sldMkLst>
+          <pc:docMk/>
+          <pc:sldMk cId="2156031259" sldId="262"/>
+        </pc:sldMkLst>
+        <pc:spChg chg="mod">
+          <ac:chgData name="Guest User" userId="" providerId="Windows Live" clId="Web-{883C95B4-422D-48CC-BD13-244E137905ED}" dt="2021-04-28T22:43:48.177" v="0" actId="20577"/>
+          <ac:spMkLst>
+            <pc:docMk/>
+            <pc:sldMk cId="2156031259" sldId="262"/>
+            <ac:spMk id="2" creationId="{8925A9E7-874E-45D9-956A-6C19EFF3E455}"/>
+          </ac:spMkLst>
+        </pc:spChg>
+      </pc:sldChg>
+    </pc:docChg>
+  </pc:docChgLst>
+  <pc:docChgLst>
     <pc:chgData name="Guest User" providerId="Windows Live" clId="Web-{55C561A1-2C73-48EE-839D-E41FB469E4E1}"/>
     <pc:docChg chg="modSld">
       <pc:chgData name="Guest User" userId="" providerId="Windows Live" clId="Web-{55C561A1-2C73-48EE-839D-E41FB469E4E1}" dt="2021-04-28T19:57:51.053" v="612" actId="1076"/>
@@ -1150,7 +1215,6 @@
               <a:rPr lang="en-US"/>
               <a:t>Click to edit Master title style</a:t>
             </a:r>
-            <a:endParaRPr lang="en-US" dirty="0"/>
           </a:p>
         </p:txBody>
       </p:sp>
@@ -1222,7 +1286,6 @@
               <a:rPr lang="en-US"/>
               <a:t>Click to edit Master subtitle style</a:t>
             </a:r>
-            <a:endParaRPr lang="en-US" dirty="0"/>
           </a:p>
         </p:txBody>
       </p:sp>
@@ -1382,7 +1445,6 @@
               <a:rPr lang="en-US"/>
               <a:t>Click to edit Master title style</a:t>
             </a:r>
-            <a:endParaRPr lang="en-US" dirty="0"/>
           </a:p>
         </p:txBody>
       </p:sp>
@@ -1434,7 +1496,6 @@
               <a:rPr lang="en-US"/>
               <a:t>Fifth level</a:t>
             </a:r>
-            <a:endParaRPr lang="en-US" dirty="0"/>
           </a:p>
         </p:txBody>
       </p:sp>
@@ -1657,7 +1718,6 @@
               <a:rPr lang="en-US"/>
               <a:t>Click to edit Master title style</a:t>
             </a:r>
-            <a:endParaRPr lang="en-US" dirty="0"/>
           </a:p>
         </p:txBody>
       </p:sp>
@@ -1938,7 +1998,6 @@
               <a:rPr lang="en-US"/>
               <a:t>Click to edit Master title style</a:t>
             </a:r>
-            <a:endParaRPr lang="en-US" dirty="0"/>
           </a:p>
         </p:txBody>
       </p:sp>
@@ -1995,7 +2054,6 @@
               <a:rPr lang="en-US"/>
               <a:t>Fifth level</a:t>
             </a:r>
-            <a:endParaRPr lang="en-US" dirty="0"/>
           </a:p>
         </p:txBody>
       </p:sp>
@@ -2052,7 +2110,6 @@
               <a:rPr lang="en-US"/>
               <a:t>Fifth level</a:t>
             </a:r>
-            <a:endParaRPr lang="en-US" dirty="0"/>
           </a:p>
         </p:txBody>
       </p:sp>
@@ -2175,7 +2232,6 @@
               <a:rPr lang="en-US"/>
               <a:t>Click to edit Master title style</a:t>
             </a:r>
-            <a:endParaRPr lang="en-US" dirty="0"/>
           </a:p>
         </p:txBody>
       </p:sp>
@@ -2303,7 +2359,6 @@
               <a:rPr lang="en-US"/>
               <a:t>Fifth level</a:t>
             </a:r>
-            <a:endParaRPr lang="en-US" dirty="0"/>
           </a:p>
         </p:txBody>
       </p:sp>
@@ -2431,7 +2486,6 @@
               <a:rPr lang="en-US"/>
               <a:t>Fifth level</a:t>
             </a:r>
-            <a:endParaRPr lang="en-US" dirty="0"/>
           </a:p>
         </p:txBody>
       </p:sp>
@@ -2549,7 +2603,6 @@
               <a:rPr lang="en-US"/>
               <a:t>Click to edit Master title style</a:t>
             </a:r>
-            <a:endParaRPr lang="en-US" dirty="0"/>
           </a:p>
         </p:txBody>
       </p:sp>
@@ -2937,7 +2990,6 @@
               <a:rPr lang="en-US"/>
               <a:t>Click to edit Master title style</a:t>
             </a:r>
-            <a:endParaRPr lang="en-US" dirty="0"/>
           </a:p>
         </p:txBody>
       </p:sp>
@@ -2994,7 +3046,6 @@
               <a:rPr lang="en-US"/>
               <a:t>Fifth level</a:t>
             </a:r>
-            <a:endParaRPr lang="en-US" dirty="0"/>
           </a:p>
         </p:txBody>
       </p:sp>
@@ -3502,7 +3553,6 @@
               <a:rPr lang="en-US"/>
               <a:t>Click to edit Master title style</a:t>
             </a:r>
-            <a:endParaRPr lang="en-US" dirty="0"/>
           </a:p>
         </p:txBody>
       </p:sp>
@@ -3577,7 +3627,6 @@
               <a:rPr lang="en-US"/>
               <a:t>Click icon to add picture</a:t>
             </a:r>
-            <a:endParaRPr lang="en-US" dirty="0"/>
           </a:p>
         </p:txBody>
       </p:sp>
@@ -3772,7 +3821,6 @@
               <a:rPr lang="en-US"/>
               <a:t>Click to edit Master title style</a:t>
             </a:r>
-            <a:endParaRPr lang="en-US" dirty="0"/>
           </a:p>
         </p:txBody>
       </p:sp>
@@ -3824,7 +3872,6 @@
               <a:rPr lang="en-US"/>
               <a:t>Fifth level</a:t>
             </a:r>
-            <a:endParaRPr lang="en-US" dirty="0"/>
           </a:p>
         </p:txBody>
       </p:sp>
@@ -4023,7 +4070,6 @@
               <a:rPr lang="en-US"/>
               <a:t>Click to edit Master title style</a:t>
             </a:r>
-            <a:endParaRPr lang="en-US" dirty="0"/>
           </a:p>
         </p:txBody>
       </p:sp>
@@ -4080,7 +4126,6 @@
               <a:rPr lang="en-US"/>
               <a:t>Fifth level</a:t>
             </a:r>
-            <a:endParaRPr lang="en-US" dirty="0"/>
           </a:p>
         </p:txBody>
       </p:sp>
@@ -6662,7 +6707,6 @@
               <a:rPr lang="en-US"/>
               <a:t>Click to edit Master title style</a:t>
             </a:r>
-            <a:endParaRPr lang="en-US" dirty="0"/>
           </a:p>
         </p:txBody>
       </p:sp>
@@ -6724,7 +6768,6 @@
               <a:rPr lang="en-US"/>
               <a:t>Fifth level</a:t>
             </a:r>
-            <a:endParaRPr lang="en-US" dirty="0"/>
           </a:p>
         </p:txBody>
       </p:sp>
@@ -7580,7 +7623,17 @@
               <a:rPr lang="en-US">
                 <a:cs typeface="Calibri"/>
               </a:rPr>
-              <a:t>A Pokemon Battle engine coded in Java</a:t>
+              <a:t>A Pok</a:t>
+            </a:r>
+            <a:r>
+              <a:rPr lang="en-US"/>
+              <a:t>émon</a:t>
+            </a:r>
+            <a:r>
+              <a:rPr lang="en-US">
+                <a:cs typeface="Calibri"/>
+              </a:rPr>
+              <a:t> Battle engine coded in Java</a:t>
             </a:r>
           </a:p>
           <a:p>
@@ -7604,16 +7657,55 @@
               <a:rPr lang="en-US">
                 <a:cs typeface="Calibri"/>
               </a:rPr>
-              <a:t>Loads Pokemon team from .txt files and uses the traditional formatting other Pokemon simulators use</a:t>
-            </a:r>
-          </a:p>
-          <a:p>
-            <a:pPr lvl="1"/>
+              <a:t>Loads Pok</a:t>
+            </a:r>
+            <a:r>
+              <a:rPr lang="en-US">
+                <a:ea typeface="+mn-lt"/>
+                <a:cs typeface="+mn-lt"/>
+              </a:rPr>
+              <a:t>é</a:t>
+            </a:r>
             <a:r>
               <a:rPr lang="en-US">
                 <a:cs typeface="Calibri"/>
               </a:rPr>
-              <a:t>Allows for custom Pokemon team options</a:t>
+              <a:t>mon team from .txt files and uses the traditional formatting other Pok</a:t>
+            </a:r>
+            <a:r>
+              <a:rPr lang="en-US">
+                <a:ea typeface="+mn-lt"/>
+                <a:cs typeface="+mn-lt"/>
+              </a:rPr>
+              <a:t>é</a:t>
+            </a:r>
+            <a:r>
+              <a:rPr lang="en-US">
+                <a:cs typeface="Calibri"/>
+              </a:rPr>
+              <a:t>mon simulators use</a:t>
+            </a:r>
+          </a:p>
+          <a:p>
+            <a:pPr marL="383540" lvl="1"/>
+            <a:r>
+              <a:rPr lang="en-US">
+                <a:cs typeface="Calibri"/>
+              </a:rPr>
+              <a:t>Allows for custom Pok</a:t>
+            </a:r>
+            <a:r>
+              <a:rPr lang="en-US">
+                <a:ea typeface="+mn-lt"/>
+                <a:cs typeface="+mn-lt"/>
+              </a:rPr>
+              <a:t>é</a:t>
+            </a:r>
+            <a:r>
+              <a:rPr lang="en-US">
+                <a:cs typeface="Calibri"/>
+              </a:rPr>
+              <a:t>mon team options</a:t>
             </a:r>
           </a:p>
         </p:txBody>
@@ -7798,7 +7890,7 @@
           <a:lstStyle/>
           <a:p>
             <a:r>
-              <a:rPr lang="en-US" dirty="0"/>
+              <a:rPr lang="en-US"/>
               <a:t>Coverage Report</a:t>
             </a:r>
           </a:p>
@@ -7828,21 +7920,21 @@
           <a:lstStyle/>
           <a:p>
             <a:r>
-              <a:rPr lang="en-US" dirty="0">
+              <a:rPr lang="en-US">
                 <a:ea typeface="+mn-lt"/>
                 <a:cs typeface="+mn-lt"/>
               </a:rPr>
               <a:t>Overall 41% on project, ~70% on </a:t>
             </a:r>
             <a:r>
-              <a:rPr lang="en-US" dirty="0" err="1">
+              <a:rPr lang="en-US" err="1">
                 <a:ea typeface="+mn-lt"/>
                 <a:cs typeface="+mn-lt"/>
               </a:rPr>
               <a:t>whitebox</a:t>
             </a:r>
             <a:r>
-              <a:rPr lang="en-US" dirty="0">
+              <a:rPr lang="en-US">
                 <a:ea typeface="+mn-lt"/>
                 <a:cs typeface="+mn-lt"/>
               </a:rPr>
@@ -7851,7 +7943,7 @@
           </a:p>
           <a:p>
             <a:r>
-              <a:rPr lang="en-US" dirty="0">
+              <a:rPr lang="en-US">
                 <a:ea typeface="+mn-lt"/>
                 <a:cs typeface="+mn-lt"/>
               </a:rPr>
@@ -7861,7 +7953,7 @@
           <a:p>
             <a:pPr lvl="1"/>
             <a:r>
-              <a:rPr lang="en-US" dirty="0">
+              <a:rPr lang="en-US">
                 <a:ea typeface="+mn-lt"/>
                 <a:cs typeface="+mn-lt"/>
               </a:rPr>
@@ -7871,7 +7963,7 @@
           <a:p>
             <a:pPr lvl="1"/>
             <a:r>
-              <a:rPr lang="en-US" dirty="0">
+              <a:rPr lang="en-US">
                 <a:ea typeface="+mn-lt"/>
                 <a:cs typeface="+mn-lt"/>
               </a:rPr>
@@ -7881,7 +7973,7 @@
           <a:p>
             <a:pPr lvl="1"/>
             <a:r>
-              <a:rPr lang="en-US" dirty="0">
+              <a:rPr lang="en-US">
                 <a:ea typeface="+mn-lt"/>
                 <a:cs typeface="+mn-lt"/>
               </a:rPr>
@@ -7996,36 +8088,73 @@
         </p:nvSpPr>
         <p:spPr/>
         <p:txBody>
-          <a:bodyPr/>
-          <a:lstStyle/>
-          <a:p>
-            <a:r>
-              <a:rPr lang="en-US" dirty="0"/>
+          <a:bodyPr vert="horz" lIns="0" tIns="45720" rIns="0" bIns="45720" rtlCol="0" anchor="t">
+            <a:normAutofit/>
+          </a:bodyPr>
+          <a:lstStyle/>
+          <a:p>
+            <a:r>
+              <a:rPr lang="en-US">
+                <a:cs typeface="Calibri"/>
+              </a:rPr>
+              <a:t>Poor architecture</a:t>
+            </a:r>
+            <a:endParaRPr lang="en-US"/>
+          </a:p>
+          <a:p>
+            <a:pPr marL="383540" lvl="1"/>
+            <a:r>
+              <a:rPr lang="en-US">
+                <a:cs typeface="Calibri" panose="020F0502020204030204"/>
+              </a:rPr>
+              <a:t>No consistent style</a:t>
+            </a:r>
+          </a:p>
+          <a:p>
+            <a:pPr marL="383540" lvl="1"/>
+            <a:r>
+              <a:rPr lang="en-US">
+                <a:cs typeface="Calibri" panose="020F0502020204030204"/>
+              </a:rPr>
               <a:t>Coupling</a:t>
             </a:r>
           </a:p>
           <a:p>
-            <a:r>
-              <a:rPr lang="en-US" dirty="0"/>
-              <a:t>Poor architecture</a:t>
-            </a:r>
-          </a:p>
-          <a:p>
-            <a:r>
-              <a:rPr lang="en-US" dirty="0"/>
+            <a:pPr marL="383540" lvl="1"/>
+            <a:r>
+              <a:rPr lang="en-US">
+                <a:cs typeface="Calibri" panose="020F0502020204030204"/>
+              </a:rPr>
+              <a:t>Hardcoded inputs</a:t>
+            </a:r>
+            <a:endParaRPr lang="en-US"/>
+          </a:p>
+          <a:p>
+            <a:pPr marL="383540" lvl="1"/>
+            <a:r>
+              <a:rPr lang="en-US">
+                <a:cs typeface="Calibri"/>
+              </a:rPr>
+              <a:t>Code duplication</a:t>
+            </a:r>
+            <a:endParaRPr lang="en-US"/>
+          </a:p>
+          <a:p>
+            <a:r>
+              <a:rPr lang="en-US"/>
+              <a:t>Unfinished</a:t>
+            </a:r>
+            <a:endParaRPr lang="en-US">
+              <a:cs typeface="Calibri"/>
+            </a:endParaRPr>
+          </a:p>
+          <a:p>
+            <a:pPr marL="383540" lvl="1"/>
+            <a:r>
+              <a:rPr lang="en-US">
+                <a:cs typeface="Calibri"/>
+              </a:rPr>
               <a:t>No documentation</a:t>
-            </a:r>
-          </a:p>
-          <a:p>
-            <a:r>
-              <a:rPr lang="en-US" dirty="0"/>
-              <a:t>Some things left unfinished</a:t>
-            </a:r>
-          </a:p>
-          <a:p>
-            <a:r>
-              <a:rPr lang="en-US" dirty="0"/>
-              <a:t>Hardcoded inputs</a:t>
             </a:r>
           </a:p>
         </p:txBody>
@@ -8082,7 +8211,7 @@
           <a:lstStyle/>
           <a:p>
             <a:r>
-              <a:rPr lang="en-US" dirty="0"/>
+              <a:rPr lang="en-US"/>
               <a:t>Some Examples And Workarounds</a:t>
             </a:r>
           </a:p>
@@ -8115,7 +8244,7 @@
               <a:buNone/>
             </a:pPr>
             <a:r>
-              <a:rPr lang="en-US" dirty="0">
+              <a:rPr lang="en-US">
                 <a:cs typeface="Calibri"/>
               </a:rPr>
               <a:t>While the SUT doesn't come with direct specifications or an API, the rules it uses are encoded into the mainline Pokémon games which we can use to facilitate black-box testing.</a:t>
@@ -8125,7 +8254,7 @@
             <a:pPr marL="0" indent="0">
               <a:buNone/>
             </a:pPr>
-            <a:endParaRPr lang="en-US" dirty="0">
+            <a:endParaRPr lang="en-US">
               <a:cs typeface="Calibri"/>
             </a:endParaRPr>
           </a:p>
@@ -8137,20 +8266,14 @@
               <a:rPr lang="en-US">
                 <a:cs typeface="Calibri"/>
               </a:rPr>
-              <a:t>Automated testing </a:t>
-            </a:r>
-            <a:r>
-              <a:rPr lang="en-US" dirty="0">
-                <a:cs typeface="Calibri"/>
-              </a:rPr>
-              <a:t>prevented by loops on main thread and RNG – Required Manual Black-Box Testing</a:t>
+              <a:t>Automated testing prevented by loops on main thread and RNG – Required Manual Black-Box Testing</a:t>
             </a:r>
           </a:p>
           <a:p>
             <a:pPr marL="0" indent="0">
               <a:buNone/>
             </a:pPr>
-            <a:endParaRPr lang="en-US" dirty="0">
+            <a:endParaRPr lang="en-US">
               <a:cs typeface="Calibri"/>
             </a:endParaRPr>
           </a:p>
@@ -8159,7 +8282,7 @@
               <a:buNone/>
             </a:pPr>
             <a:r>
-              <a:rPr lang="en-US" dirty="0">
+              <a:rPr lang="en-US">
                 <a:cs typeface="Calibri"/>
               </a:rPr>
               <a:t>Multiplayer gets stuck in an infinite loop during Black-Box Testing</a:t>
@@ -8243,7 +8366,9 @@
         </p:nvSpPr>
         <p:spPr/>
         <p:txBody>
-          <a:bodyPr/>
+          <a:bodyPr vert="horz" lIns="0" tIns="45720" rIns="0" bIns="45720" rtlCol="0" anchor="t">
+            <a:normAutofit/>
+          </a:bodyPr>
           <a:lstStyle/>
           <a:p>
             <a:r>
@@ -8256,23 +8381,51 @@
               <a:rPr lang="en-US"/>
               <a:t>Current and base stats are the same array</a:t>
             </a:r>
+            <a:endParaRPr lang="en-US">
+              <a:cs typeface="Calibri"/>
+            </a:endParaRPr>
           </a:p>
           <a:p>
             <a:r>
               <a:rPr lang="en-US"/>
               <a:t>No input sanitization</a:t>
             </a:r>
+            <a:endParaRPr lang="en-US">
+              <a:cs typeface="Calibri"/>
+            </a:endParaRPr>
           </a:p>
           <a:p>
             <a:r>
               <a:rPr lang="en-US"/>
               <a:t>Two of the three constructors for Pokémon don’t initialize their moves</a:t>
             </a:r>
+            <a:endParaRPr lang="en-US">
+              <a:cs typeface="Calibri"/>
+            </a:endParaRPr>
           </a:p>
           <a:p>
             <a:r>
               <a:rPr lang="en-US"/>
               <a:t>Team input and move input are on the same input stream in the server</a:t>
+            </a:r>
+            <a:endParaRPr lang="en-US">
+              <a:cs typeface="Calibri"/>
+            </a:endParaRPr>
+          </a:p>
+          <a:p>
+            <a:r>
+              <a:rPr lang="en-US">
+                <a:cs typeface="Calibri"/>
+              </a:rPr>
+              <a:t>Can't handle Pokémon with &lt; 4 moves (should have 1-4)</a:t>
+            </a:r>
+          </a:p>
+          <a:p>
+            <a:r>
+              <a:rPr lang="en-US">
+                <a:cs typeface="Calibri"/>
+              </a:rPr>
+              <a:t>Can't handle teams with &lt; 6 Pokémon (should have 1-6)</a:t>
             </a:r>
           </a:p>
         </p:txBody>

--- a/PokemonPresentation.pptx
+++ b/PokemonPresentation.pptx
@@ -173,6 +173,54 @@
     </pc:docChg>
   </pc:docChgLst>
   <pc:docChgLst>
+    <pc:chgData name="Guest User" providerId="Windows Live" clId="Web-{883C95B4-422D-48CC-BD13-244E137905ED}"/>
+    <pc:docChg chg="modSld">
+      <pc:chgData name="Guest User" userId="" providerId="Windows Live" clId="Web-{883C95B4-422D-48CC-BD13-244E137905ED}" dt="2021-04-28T22:43:48.177" v="0" actId="20577"/>
+      <pc:docMkLst>
+        <pc:docMk/>
+      </pc:docMkLst>
+      <pc:sldChg chg="modSp">
+        <pc:chgData name="Guest User" userId="" providerId="Windows Live" clId="Web-{883C95B4-422D-48CC-BD13-244E137905ED}" dt="2021-04-28T22:43:48.177" v="0" actId="20577"/>
+        <pc:sldMkLst>
+          <pc:docMk/>
+          <pc:sldMk cId="2156031259" sldId="262"/>
+        </pc:sldMkLst>
+        <pc:spChg chg="mod">
+          <ac:chgData name="Guest User" userId="" providerId="Windows Live" clId="Web-{883C95B4-422D-48CC-BD13-244E137905ED}" dt="2021-04-28T22:43:48.177" v="0" actId="20577"/>
+          <ac:spMkLst>
+            <pc:docMk/>
+            <pc:sldMk cId="2156031259" sldId="262"/>
+            <ac:spMk id="2" creationId="{8925A9E7-874E-45D9-956A-6C19EFF3E455}"/>
+          </ac:spMkLst>
+        </pc:spChg>
+      </pc:sldChg>
+    </pc:docChg>
+  </pc:docChgLst>
+  <pc:docChgLst>
+    <pc:chgData name="Guest User" providerId="Windows Live" clId="Web-{897A078B-C095-43F3-99C7-246C7BCAAE73}"/>
+    <pc:docChg chg="modSld">
+      <pc:chgData name="Guest User" userId="" providerId="Windows Live" clId="Web-{897A078B-C095-43F3-99C7-246C7BCAAE73}" dt="2021-04-29T16:57:40.232" v="7" actId="20577"/>
+      <pc:docMkLst>
+        <pc:docMk/>
+      </pc:docMkLst>
+      <pc:sldChg chg="modSp">
+        <pc:chgData name="Guest User" userId="" providerId="Windows Live" clId="Web-{897A078B-C095-43F3-99C7-246C7BCAAE73}" dt="2021-04-29T16:57:40.232" v="7" actId="20577"/>
+        <pc:sldMkLst>
+          <pc:docMk/>
+          <pc:sldMk cId="2072145785" sldId="257"/>
+        </pc:sldMkLst>
+        <pc:spChg chg="mod">
+          <ac:chgData name="Guest User" userId="" providerId="Windows Live" clId="Web-{897A078B-C095-43F3-99C7-246C7BCAAE73}" dt="2021-04-29T16:57:40.232" v="7" actId="20577"/>
+          <ac:spMkLst>
+            <pc:docMk/>
+            <pc:sldMk cId="2072145785" sldId="257"/>
+            <ac:spMk id="3" creationId="{E93E7BB8-1806-4F7C-8A75-D8A8C62ED2C8}"/>
+          </ac:spMkLst>
+        </pc:spChg>
+      </pc:sldChg>
+    </pc:docChg>
+  </pc:docChgLst>
+  <pc:docChgLst>
     <pc:chgData name="Mason Cole" userId="e911393877ad0ee3" providerId="LiveId" clId="{3F842226-8888-4DE6-89C0-62A134D54048}"/>
     <pc:docChg chg="undo redo custSel modSld">
       <pc:chgData name="Mason Cole" userId="e911393877ad0ee3" providerId="LiveId" clId="{3F842226-8888-4DE6-89C0-62A134D54048}" dt="2021-04-29T12:03:27.993" v="481" actId="20577"/>
@@ -328,54 +376,6 @@
     </pc:docChg>
   </pc:docChgLst>
   <pc:docChgLst>
-    <pc:chgData name="Guest User" providerId="Windows Live" clId="Web-{897A078B-C095-43F3-99C7-246C7BCAAE73}"/>
-    <pc:docChg chg="modSld">
-      <pc:chgData name="Guest User" userId="" providerId="Windows Live" clId="Web-{897A078B-C095-43F3-99C7-246C7BCAAE73}" dt="2021-04-29T16:57:40.232" v="7" actId="20577"/>
-      <pc:docMkLst>
-        <pc:docMk/>
-      </pc:docMkLst>
-      <pc:sldChg chg="modSp">
-        <pc:chgData name="Guest User" userId="" providerId="Windows Live" clId="Web-{897A078B-C095-43F3-99C7-246C7BCAAE73}" dt="2021-04-29T16:57:40.232" v="7" actId="20577"/>
-        <pc:sldMkLst>
-          <pc:docMk/>
-          <pc:sldMk cId="2072145785" sldId="257"/>
-        </pc:sldMkLst>
-        <pc:spChg chg="mod">
-          <ac:chgData name="Guest User" userId="" providerId="Windows Live" clId="Web-{897A078B-C095-43F3-99C7-246C7BCAAE73}" dt="2021-04-29T16:57:40.232" v="7" actId="20577"/>
-          <ac:spMkLst>
-            <pc:docMk/>
-            <pc:sldMk cId="2072145785" sldId="257"/>
-            <ac:spMk id="3" creationId="{E93E7BB8-1806-4F7C-8A75-D8A8C62ED2C8}"/>
-          </ac:spMkLst>
-        </pc:spChg>
-      </pc:sldChg>
-    </pc:docChg>
-  </pc:docChgLst>
-  <pc:docChgLst>
-    <pc:chgData name="Guest User" providerId="Windows Live" clId="Web-{883C95B4-422D-48CC-BD13-244E137905ED}"/>
-    <pc:docChg chg="modSld">
-      <pc:chgData name="Guest User" userId="" providerId="Windows Live" clId="Web-{883C95B4-422D-48CC-BD13-244E137905ED}" dt="2021-04-28T22:43:48.177" v="0" actId="20577"/>
-      <pc:docMkLst>
-        <pc:docMk/>
-      </pc:docMkLst>
-      <pc:sldChg chg="modSp">
-        <pc:chgData name="Guest User" userId="" providerId="Windows Live" clId="Web-{883C95B4-422D-48CC-BD13-244E137905ED}" dt="2021-04-28T22:43:48.177" v="0" actId="20577"/>
-        <pc:sldMkLst>
-          <pc:docMk/>
-          <pc:sldMk cId="2156031259" sldId="262"/>
-        </pc:sldMkLst>
-        <pc:spChg chg="mod">
-          <ac:chgData name="Guest User" userId="" providerId="Windows Live" clId="Web-{883C95B4-422D-48CC-BD13-244E137905ED}" dt="2021-04-28T22:43:48.177" v="0" actId="20577"/>
-          <ac:spMkLst>
-            <pc:docMk/>
-            <pc:sldMk cId="2156031259" sldId="262"/>
-            <ac:spMk id="2" creationId="{8925A9E7-874E-45D9-956A-6C19EFF3E455}"/>
-          </ac:spMkLst>
-        </pc:spChg>
-      </pc:sldChg>
-    </pc:docChg>
-  </pc:docChgLst>
-  <pc:docChgLst>
     <pc:chgData name="Guest User" providerId="Windows Live" clId="Web-{55C561A1-2C73-48EE-839D-E41FB469E4E1}"/>
     <pc:docChg chg="modSld">
       <pc:chgData name="Guest User" userId="" providerId="Windows Live" clId="Web-{55C561A1-2C73-48EE-839D-E41FB469E4E1}" dt="2021-04-28T19:57:51.053" v="612" actId="1076"/>
@@ -450,6 +450,38 @@
             <ac:spMk id="3" creationId="{EB79CF82-82D1-44C7-B5B0-E22763A0D1FA}"/>
           </ac:spMkLst>
         </pc:spChg>
+      </pc:sldChg>
+    </pc:docChg>
+  </pc:docChgLst>
+  <pc:docChgLst>
+    <pc:chgData name="Mason Cole" userId="e911393877ad0ee3" providerId="LiveId" clId="{63B69953-4247-4192-B234-E998A8B4E76F}"/>
+    <pc:docChg chg="modSld">
+      <pc:chgData name="Mason Cole" userId="e911393877ad0ee3" providerId="LiveId" clId="{63B69953-4247-4192-B234-E998A8B4E76F}" dt="2021-04-29T17:51:18.609" v="70" actId="1076"/>
+      <pc:docMkLst>
+        <pc:docMk/>
+      </pc:docMkLst>
+      <pc:sldChg chg="modSp mod">
+        <pc:chgData name="Mason Cole" userId="e911393877ad0ee3" providerId="LiveId" clId="{63B69953-4247-4192-B234-E998A8B4E76F}" dt="2021-04-29T17:51:18.609" v="70" actId="1076"/>
+        <pc:sldMkLst>
+          <pc:docMk/>
+          <pc:sldMk cId="1905868876" sldId="260"/>
+        </pc:sldMkLst>
+        <pc:spChg chg="mod">
+          <ac:chgData name="Mason Cole" userId="e911393877ad0ee3" providerId="LiveId" clId="{63B69953-4247-4192-B234-E998A8B4E76F}" dt="2021-04-29T17:51:11.310" v="67" actId="20577"/>
+          <ac:spMkLst>
+            <pc:docMk/>
+            <pc:sldMk cId="1905868876" sldId="260"/>
+            <ac:spMk id="3" creationId="{714D6CC5-E55E-4A34-B8EF-E40A451B24E3}"/>
+          </ac:spMkLst>
+        </pc:spChg>
+        <pc:picChg chg="mod">
+          <ac:chgData name="Mason Cole" userId="e911393877ad0ee3" providerId="LiveId" clId="{63B69953-4247-4192-B234-E998A8B4E76F}" dt="2021-04-29T17:51:18.609" v="70" actId="1076"/>
+          <ac:picMkLst>
+            <pc:docMk/>
+            <pc:sldMk cId="1905868876" sldId="260"/>
+            <ac:picMk id="4" creationId="{58E04D11-2CBD-4F84-BCED-7E3CF86B8F1F}"/>
+          </ac:picMkLst>
+        </pc:picChg>
       </pc:sldChg>
     </pc:docChg>
   </pc:docChgLst>
@@ -7620,17 +7652,17 @@
           <a:lstStyle/>
           <a:p>
             <a:r>
-              <a:rPr lang="en-US">
+              <a:rPr lang="en-US" dirty="0">
                 <a:cs typeface="Calibri"/>
               </a:rPr>
               <a:t>A Pok</a:t>
             </a:r>
             <a:r>
-              <a:rPr lang="en-US"/>
+              <a:rPr lang="en-US" dirty="0"/>
               <a:t>émon</a:t>
             </a:r>
             <a:r>
-              <a:rPr lang="en-US">
+              <a:rPr lang="en-US" dirty="0">
                 <a:cs typeface="Calibri"/>
               </a:rPr>
               <a:t> Battle engine coded in Java</a:t>
@@ -7638,7 +7670,7 @@
           </a:p>
           <a:p>
             <a:r>
-              <a:rPr lang="en-US">
+              <a:rPr lang="en-US" dirty="0">
                 <a:cs typeface="Calibri"/>
               </a:rPr>
               <a:t>Has local and multiplayer options (though not perfect)</a:t>
@@ -7646,7 +7678,7 @@
           </a:p>
           <a:p>
             <a:r>
-              <a:rPr lang="en-US">
+              <a:rPr lang="en-US" dirty="0">
                 <a:cs typeface="Calibri"/>
               </a:rPr>
               <a:t>Runs from command line</a:t>
@@ -7654,33 +7686,33 @@
           </a:p>
           <a:p>
             <a:r>
-              <a:rPr lang="en-US">
+              <a:rPr lang="en-US" dirty="0">
                 <a:cs typeface="Calibri"/>
               </a:rPr>
               <a:t>Loads Pok</a:t>
             </a:r>
             <a:r>
-              <a:rPr lang="en-US">
+              <a:rPr lang="en-US" dirty="0">
                 <a:ea typeface="+mn-lt"/>
                 <a:cs typeface="+mn-lt"/>
               </a:rPr>
               <a:t>é</a:t>
             </a:r>
             <a:r>
-              <a:rPr lang="en-US">
+              <a:rPr lang="en-US" dirty="0">
                 <a:cs typeface="Calibri"/>
               </a:rPr>
               <a:t>mon team from .txt files and uses the traditional formatting other Pok</a:t>
             </a:r>
             <a:r>
-              <a:rPr lang="en-US">
+              <a:rPr lang="en-US" dirty="0">
                 <a:ea typeface="+mn-lt"/>
                 <a:cs typeface="+mn-lt"/>
               </a:rPr>
               <a:t>é</a:t>
             </a:r>
             <a:r>
-              <a:rPr lang="en-US">
+              <a:rPr lang="en-US" dirty="0">
                 <a:cs typeface="Calibri"/>
               </a:rPr>
               <a:t>mon simulators use</a:t>
@@ -7689,20 +7721,20 @@
           <a:p>
             <a:pPr marL="383540" lvl="1"/>
             <a:r>
-              <a:rPr lang="en-US">
+              <a:rPr lang="en-US" dirty="0">
                 <a:cs typeface="Calibri"/>
               </a:rPr>
               <a:t>Allows for custom Pok</a:t>
             </a:r>
             <a:r>
-              <a:rPr lang="en-US">
+              <a:rPr lang="en-US" dirty="0">
                 <a:ea typeface="+mn-lt"/>
                 <a:cs typeface="+mn-lt"/>
               </a:rPr>
               <a:t>é</a:t>
             </a:r>
             <a:r>
-              <a:rPr lang="en-US">
+              <a:rPr lang="en-US" dirty="0">
                 <a:cs typeface="Calibri"/>
               </a:rPr>
               <a:t>mon team options</a:t>
@@ -7820,19 +7852,19 @@
           <a:lstStyle/>
           <a:p>
             <a:r>
-              <a:rPr lang="en-US"/>
+              <a:rPr lang="en-US" dirty="0"/>
               <a:t>Whitebox Testing</a:t>
             </a:r>
           </a:p>
           <a:p>
             <a:r>
-              <a:rPr lang="en-US"/>
+              <a:rPr lang="en-US" dirty="0"/>
               <a:t>Blackbox Testing (user based)</a:t>
             </a:r>
           </a:p>
           <a:p>
             <a:r>
-              <a:rPr lang="en-US"/>
+              <a:rPr lang="en-US" dirty="0"/>
               <a:t>Mock Testing</a:t>
             </a:r>
           </a:p>
@@ -7920,21 +7952,21 @@
           <a:lstStyle/>
           <a:p>
             <a:r>
-              <a:rPr lang="en-US">
+              <a:rPr lang="en-US" dirty="0">
                 <a:ea typeface="+mn-lt"/>
                 <a:cs typeface="+mn-lt"/>
               </a:rPr>
               <a:t>Overall 41% on project, ~70% on </a:t>
             </a:r>
             <a:r>
-              <a:rPr lang="en-US" err="1">
+              <a:rPr lang="en-US" dirty="0" err="1">
                 <a:ea typeface="+mn-lt"/>
                 <a:cs typeface="+mn-lt"/>
               </a:rPr>
               <a:t>whitebox</a:t>
             </a:r>
             <a:r>
-              <a:rPr lang="en-US">
+              <a:rPr lang="en-US" dirty="0">
                 <a:ea typeface="+mn-lt"/>
                 <a:cs typeface="+mn-lt"/>
               </a:rPr>
@@ -7943,7 +7975,7 @@
           </a:p>
           <a:p>
             <a:r>
-              <a:rPr lang="en-US">
+              <a:rPr lang="en-US" dirty="0">
                 <a:ea typeface="+mn-lt"/>
                 <a:cs typeface="+mn-lt"/>
               </a:rPr>
@@ -7953,7 +7985,7 @@
           <a:p>
             <a:pPr lvl="1"/>
             <a:r>
-              <a:rPr lang="en-US">
+              <a:rPr lang="en-US" dirty="0">
                 <a:ea typeface="+mn-lt"/>
                 <a:cs typeface="+mn-lt"/>
               </a:rPr>
@@ -7963,7 +7995,7 @@
           <a:p>
             <a:pPr lvl="1"/>
             <a:r>
-              <a:rPr lang="en-US">
+              <a:rPr lang="en-US" dirty="0">
                 <a:ea typeface="+mn-lt"/>
                 <a:cs typeface="+mn-lt"/>
               </a:rPr>
@@ -7973,11 +8005,21 @@
           <a:p>
             <a:pPr lvl="1"/>
             <a:r>
-              <a:rPr lang="en-US">
+              <a:rPr lang="en-US" dirty="0">
                 <a:ea typeface="+mn-lt"/>
                 <a:cs typeface="+mn-lt"/>
               </a:rPr>
               <a:t>Some classes require mock-testing, which is not included in coverage</a:t>
+            </a:r>
+          </a:p>
+          <a:p>
+            <a:pPr lvl="1"/>
+            <a:r>
+              <a:rPr lang="en-US" dirty="0">
+                <a:ea typeface="+mn-lt"/>
+                <a:cs typeface="+mn-lt"/>
+              </a:rPr>
+              <a:t>Some test cases failed resulting in incomplete coverage</a:t>
             </a:r>
           </a:p>
         </p:txBody>
@@ -8004,7 +8046,7 @@
         </p:blipFill>
         <p:spPr>
           <a:xfrm>
-            <a:off x="3487946" y="4063124"/>
+            <a:off x="3739551" y="4236545"/>
             <a:ext cx="4712898" cy="1949431"/>
           </a:xfrm>
           <a:prstGeom prst="rect">
